--- a/topic03/talk1/talk1.pptx
+++ b/topic03/talk1/talk1.pptx
@@ -5,10 +5,10 @@
     <p:sldMasterId id="2147483699" r:id="rId4"/>
   </p:sldMasterIdLst>
   <p:notesMasterIdLst>
-    <p:notesMasterId r:id="rId38"/>
+    <p:notesMasterId r:id="rId33"/>
   </p:notesMasterIdLst>
   <p:handoutMasterIdLst>
-    <p:handoutMasterId r:id="rId39"/>
+    <p:handoutMasterId r:id="rId34"/>
   </p:handoutMasterIdLst>
   <p:sldIdLst>
     <p:sldId id="316" r:id="rId5"/>
@@ -18,32 +18,27 @@
     <p:sldId id="285" r:id="rId9"/>
     <p:sldId id="284" r:id="rId10"/>
     <p:sldId id="317" r:id="rId11"/>
-    <p:sldId id="296" r:id="rId12"/>
-    <p:sldId id="297" r:id="rId13"/>
-    <p:sldId id="298" r:id="rId14"/>
-    <p:sldId id="299" r:id="rId15"/>
-    <p:sldId id="301" r:id="rId16"/>
-    <p:sldId id="302" r:id="rId17"/>
-    <p:sldId id="303" r:id="rId18"/>
-    <p:sldId id="304" r:id="rId19"/>
-    <p:sldId id="305" r:id="rId20"/>
-    <p:sldId id="306" r:id="rId21"/>
-    <p:sldId id="318" r:id="rId22"/>
-    <p:sldId id="289" r:id="rId23"/>
-    <p:sldId id="319" r:id="rId24"/>
-    <p:sldId id="294" r:id="rId25"/>
-    <p:sldId id="295" r:id="rId26"/>
-    <p:sldId id="300" r:id="rId27"/>
-    <p:sldId id="291" r:id="rId28"/>
-    <p:sldId id="308" r:id="rId29"/>
-    <p:sldId id="292" r:id="rId30"/>
-    <p:sldId id="310" r:id="rId31"/>
-    <p:sldId id="311" r:id="rId32"/>
-    <p:sldId id="313" r:id="rId33"/>
-    <p:sldId id="314" r:id="rId34"/>
-    <p:sldId id="315" r:id="rId35"/>
-    <p:sldId id="287" r:id="rId36"/>
-    <p:sldId id="290" r:id="rId37"/>
+    <p:sldId id="315" r:id="rId12"/>
+    <p:sldId id="296" r:id="rId13"/>
+    <p:sldId id="297" r:id="rId14"/>
+    <p:sldId id="298" r:id="rId15"/>
+    <p:sldId id="299" r:id="rId16"/>
+    <p:sldId id="301" r:id="rId17"/>
+    <p:sldId id="302" r:id="rId18"/>
+    <p:sldId id="303" r:id="rId19"/>
+    <p:sldId id="304" r:id="rId20"/>
+    <p:sldId id="305" r:id="rId21"/>
+    <p:sldId id="306" r:id="rId22"/>
+    <p:sldId id="318" r:id="rId23"/>
+    <p:sldId id="289" r:id="rId24"/>
+    <p:sldId id="319" r:id="rId25"/>
+    <p:sldId id="294" r:id="rId26"/>
+    <p:sldId id="295" r:id="rId27"/>
+    <p:sldId id="300" r:id="rId28"/>
+    <p:sldId id="291" r:id="rId29"/>
+    <p:sldId id="308" r:id="rId30"/>
+    <p:sldId id="287" r:id="rId31"/>
+    <p:sldId id="290" r:id="rId32"/>
   </p:sldIdLst>
   <p:sldSz cx="12192000" cy="6858000"/>
   <p:notesSz cx="6858000" cy="9144000"/>
@@ -154,6 +149,7 @@
             <p14:sldId id="285"/>
             <p14:sldId id="284"/>
             <p14:sldId id="317"/>
+            <p14:sldId id="315"/>
             <p14:sldId id="296"/>
             <p14:sldId id="297"/>
             <p14:sldId id="298"/>
@@ -176,12 +172,6 @@
             <p14:sldId id="300"/>
             <p14:sldId id="291"/>
             <p14:sldId id="308"/>
-            <p14:sldId id="292"/>
-            <p14:sldId id="310"/>
-            <p14:sldId id="311"/>
-            <p14:sldId id="313"/>
-            <p14:sldId id="314"/>
-            <p14:sldId id="315"/>
             <p14:sldId id="287"/>
             <p14:sldId id="290"/>
           </p14:sldIdLst>
@@ -288,7 +278,7 @@
           <a:p>
             <a:fld id="{A52BE0AD-A4E5-EF4B-97DD-8C022A854E15}" type="datetimeFigureOut">
               <a:rPr lang="en-US" smtClean="0"/>
-              <a:t>1/29/2020</a:t>
+              <a:t>2/3/2023</a:t>
             </a:fld>
             <a:endParaRPr lang="en-US"/>
           </a:p>
@@ -454,7 +444,7 @@
           <a:p>
             <a:fld id="{FA2F4B5F-1EBB-2641-B8C6-5B7970E359B8}" type="datetimeFigureOut">
               <a:rPr lang="en-US" smtClean="0"/>
-              <a:t>1/29/2020</a:t>
+              <a:t>2/3/2023</a:t>
             </a:fld>
             <a:endParaRPr lang="en-US"/>
           </a:p>
@@ -722,6 +712,248 @@
 </p:notesMaster>
 </file>
 
+<file path=ppt/notesSlides/notesSlide1.xml><?xml version="1.0" encoding="utf-8"?>
+<p:notes xmlns:a="http://schemas.openxmlformats.org/drawingml/2006/main" xmlns:r="http://schemas.openxmlformats.org/officeDocument/2006/relationships" xmlns:p="http://schemas.openxmlformats.org/presentationml/2006/main">
+  <p:cSld>
+    <p:spTree>
+      <p:nvGrpSpPr>
+        <p:cNvPr id="1" name=""/>
+        <p:cNvGrpSpPr/>
+        <p:nvPr/>
+      </p:nvGrpSpPr>
+      <p:grpSpPr>
+        <a:xfrm>
+          <a:off x="0" y="0"/>
+          <a:ext cx="0" cy="0"/>
+          <a:chOff x="0" y="0"/>
+          <a:chExt cx="0" cy="0"/>
+        </a:xfrm>
+      </p:grpSpPr>
+      <p:sp>
+        <p:nvSpPr>
+          <p:cNvPr id="2" name="Slide Image Placeholder 1"/>
+          <p:cNvSpPr>
+            <a:spLocks noGrp="1" noRot="1" noChangeAspect="1"/>
+          </p:cNvSpPr>
+          <p:nvPr>
+            <p:ph type="sldImg"/>
+          </p:nvPr>
+        </p:nvSpPr>
+        <p:spPr/>
+      </p:sp>
+      <p:sp>
+        <p:nvSpPr>
+          <p:cNvPr id="3" name="Notes Placeholder 2"/>
+          <p:cNvSpPr>
+            <a:spLocks noGrp="1"/>
+          </p:cNvSpPr>
+          <p:nvPr>
+            <p:ph type="body" idx="1"/>
+          </p:nvPr>
+        </p:nvSpPr>
+        <p:spPr/>
+        <p:txBody>
+          <a:bodyPr/>
+          <a:lstStyle/>
+          <a:p>
+            <a:pPr algn="l"/>
+            <a:r>
+              <a:rPr lang="en-GB" b="0" i="0" dirty="0">
+                <a:solidFill>
+                  <a:srgbClr val="000000"/>
+                </a:solidFill>
+                <a:effectLst/>
+                <a:latin typeface="Open Sans" panose="020B0606030504020204" pitchFamily="34" charset="0"/>
+              </a:rPr>
+              <a:t>Pulse Width Modulation, or PWM, is a technique for getting </a:t>
+            </a:r>
+            <a:r>
+              <a:rPr lang="en-GB" b="0" i="0" dirty="0" err="1">
+                <a:solidFill>
+                  <a:srgbClr val="000000"/>
+                </a:solidFill>
+                <a:effectLst/>
+                <a:latin typeface="Open Sans" panose="020B0606030504020204" pitchFamily="34" charset="0"/>
+              </a:rPr>
+              <a:t>analog</a:t>
+            </a:r>
+            <a:r>
+              <a:rPr lang="en-GB" b="0" i="0" dirty="0">
+                <a:solidFill>
+                  <a:srgbClr val="000000"/>
+                </a:solidFill>
+                <a:effectLst/>
+                <a:latin typeface="Open Sans" panose="020B0606030504020204" pitchFamily="34" charset="0"/>
+              </a:rPr>
+              <a:t> results with digital means. Digital control is used to create a square wave, a signal switched between on and off. </a:t>
+            </a:r>
+          </a:p>
+          <a:p>
+            <a:pPr algn="l"/>
+            <a:r>
+              <a:rPr lang="en-GB" b="0" i="0" dirty="0">
+                <a:solidFill>
+                  <a:srgbClr val="000000"/>
+                </a:solidFill>
+                <a:effectLst/>
+                <a:latin typeface="Open Sans" panose="020B0606030504020204" pitchFamily="34" charset="0"/>
+              </a:rPr>
+              <a:t>In the graphic below, the green lines represent a regular time period. This duration or period is the inverse of the PWM frequency. In other words, with Arduino's PWM frequency at about 500Hz, the green lines would measure 2 milliseconds each. A call to </a:t>
+            </a:r>
+            <a:r>
+              <a:rPr lang="en-GB" b="0" i="0" u="none" strike="noStrike" dirty="0" err="1">
+                <a:solidFill>
+                  <a:srgbClr val="008184"/>
+                </a:solidFill>
+                <a:effectLst/>
+                <a:latin typeface="Open Sans" panose="020B0606030504020204" pitchFamily="34" charset="0"/>
+                <a:hlinkClick r:id="rId3"/>
+              </a:rPr>
+              <a:t>analogWrite</a:t>
+            </a:r>
+            <a:r>
+              <a:rPr lang="en-GB" b="0" i="0" dirty="0">
+                <a:solidFill>
+                  <a:srgbClr val="000000"/>
+                </a:solidFill>
+                <a:effectLst/>
+                <a:latin typeface="Open Sans" panose="020B0606030504020204" pitchFamily="34" charset="0"/>
+              </a:rPr>
+              <a:t>() is on a scale of 0 - 255, such that </a:t>
+            </a:r>
+          </a:p>
+          <a:p>
+            <a:r>
+              <a:rPr lang="en-GB" dirty="0" err="1">
+                <a:solidFill>
+                  <a:srgbClr val="D73A49"/>
+                </a:solidFill>
+                <a:effectLst/>
+                <a:latin typeface="Courier New" panose="02070309020205020404" pitchFamily="49" charset="0"/>
+              </a:rPr>
+              <a:t>analogWrite</a:t>
+            </a:r>
+            <a:r>
+              <a:rPr lang="en-GB" dirty="0">
+                <a:solidFill>
+                  <a:srgbClr val="393A34"/>
+                </a:solidFill>
+                <a:effectLst/>
+                <a:latin typeface="Courier New" panose="02070309020205020404" pitchFamily="49" charset="0"/>
+              </a:rPr>
+              <a:t>(</a:t>
+            </a:r>
+            <a:r>
+              <a:rPr lang="en-GB" dirty="0">
+                <a:solidFill>
+                  <a:srgbClr val="36ACAA"/>
+                </a:solidFill>
+                <a:effectLst/>
+                <a:latin typeface="Courier New" panose="02070309020205020404" pitchFamily="49" charset="0"/>
+              </a:rPr>
+              <a:t>255</a:t>
+            </a:r>
+            <a:r>
+              <a:rPr lang="en-GB" dirty="0">
+                <a:solidFill>
+                  <a:srgbClr val="393A34"/>
+                </a:solidFill>
+                <a:effectLst/>
+                <a:latin typeface="Courier New" panose="02070309020205020404" pitchFamily="49" charset="0"/>
+              </a:rPr>
+              <a:t>)</a:t>
+            </a:r>
+            <a:r>
+              <a:rPr lang="en-GB" dirty="0"/>
+              <a:t> requests a 100% duty cycle (always on), and </a:t>
+            </a:r>
+            <a:r>
+              <a:rPr lang="en-GB" dirty="0" err="1">
+                <a:solidFill>
+                  <a:srgbClr val="D73A49"/>
+                </a:solidFill>
+                <a:effectLst/>
+                <a:latin typeface="Courier New" panose="02070309020205020404" pitchFamily="49" charset="0"/>
+              </a:rPr>
+              <a:t>analogWrite</a:t>
+            </a:r>
+            <a:r>
+              <a:rPr lang="en-GB" dirty="0">
+                <a:solidFill>
+                  <a:srgbClr val="393A34"/>
+                </a:solidFill>
+                <a:effectLst/>
+                <a:latin typeface="Courier New" panose="02070309020205020404" pitchFamily="49" charset="0"/>
+              </a:rPr>
+              <a:t>(</a:t>
+            </a:r>
+            <a:r>
+              <a:rPr lang="en-GB" dirty="0">
+                <a:solidFill>
+                  <a:srgbClr val="36ACAA"/>
+                </a:solidFill>
+                <a:effectLst/>
+                <a:latin typeface="Courier New" panose="02070309020205020404" pitchFamily="49" charset="0"/>
+              </a:rPr>
+              <a:t>127</a:t>
+            </a:r>
+            <a:r>
+              <a:rPr lang="en-GB" dirty="0">
+                <a:solidFill>
+                  <a:srgbClr val="393A34"/>
+                </a:solidFill>
+                <a:effectLst/>
+                <a:latin typeface="Courier New" panose="02070309020205020404" pitchFamily="49" charset="0"/>
+              </a:rPr>
+              <a:t>)</a:t>
+            </a:r>
+            <a:r>
+              <a:rPr lang="en-GB" dirty="0"/>
+              <a:t> is a 50% duty cycle (on half the time) for example.</a:t>
+            </a:r>
+            <a:br>
+              <a:rPr lang="en-GB" dirty="0"/>
+            </a:br>
+            <a:endParaRPr lang="en-IE" dirty="0"/>
+          </a:p>
+        </p:txBody>
+      </p:sp>
+      <p:sp>
+        <p:nvSpPr>
+          <p:cNvPr id="4" name="Slide Number Placeholder 3"/>
+          <p:cNvSpPr>
+            <a:spLocks noGrp="1"/>
+          </p:cNvSpPr>
+          <p:nvPr>
+            <p:ph type="sldNum" sz="quarter" idx="5"/>
+          </p:nvPr>
+        </p:nvSpPr>
+        <p:spPr/>
+        <p:txBody>
+          <a:bodyPr/>
+          <a:lstStyle/>
+          <a:p>
+            <a:fld id="{AC4697D9-7BE9-5542-89FE-A64449A0C2EC}" type="slidenum">
+              <a:rPr lang="en-US" smtClean="0"/>
+              <a:t>26</a:t>
+            </a:fld>
+            <a:endParaRPr lang="en-US"/>
+          </a:p>
+        </p:txBody>
+      </p:sp>
+    </p:spTree>
+    <p:extLst>
+      <p:ext uri="{BB962C8B-B14F-4D97-AF65-F5344CB8AC3E}">
+        <p14:creationId xmlns:p14="http://schemas.microsoft.com/office/powerpoint/2010/main" val="59381189"/>
+      </p:ext>
+    </p:extLst>
+  </p:cSld>
+  <p:clrMapOvr>
+    <a:masterClrMapping/>
+  </p:clrMapOvr>
+</p:notes>
+</file>
+
 <file path=ppt/slideLayouts/slideLayout1.xml><?xml version="1.0" encoding="utf-8"?>
 <p:sldLayout xmlns:a="http://schemas.openxmlformats.org/drawingml/2006/main" xmlns:r="http://schemas.openxmlformats.org/officeDocument/2006/relationships" xmlns:p="http://schemas.openxmlformats.org/presentationml/2006/main" type="title" preserve="1">
   <p:cSld name="Title Slide">
@@ -871,7 +1103,7 @@
           <a:p>
             <a:fld id="{FB2FA76B-CACE-094A-822C-FBE34B369C2B}" type="datetime1">
               <a:rPr lang="en-US" smtClean="0"/>
-              <a:t>1/29/2020</a:t>
+              <a:t>2/3/2023</a:t>
             </a:fld>
             <a:endParaRPr lang="en-US" dirty="0"/>
           </a:p>
@@ -1073,7 +1305,7 @@
           <a:p>
             <a:fld id="{FB2FA76B-CACE-094A-822C-FBE34B369C2B}" type="datetime1">
               <a:rPr lang="en-US" smtClean="0"/>
-              <a:t>1/29/2020</a:t>
+              <a:t>2/3/2023</a:t>
             </a:fld>
             <a:endParaRPr lang="en-US" dirty="0"/>
           </a:p>
@@ -1285,7 +1517,7 @@
           <a:p>
             <a:fld id="{FB2FA76B-CACE-094A-822C-FBE34B369C2B}" type="datetime1">
               <a:rPr lang="en-US" smtClean="0"/>
-              <a:t>1/29/2020</a:t>
+              <a:t>2/3/2023</a:t>
             </a:fld>
             <a:endParaRPr lang="en-US" dirty="0"/>
           </a:p>
@@ -1487,7 +1719,7 @@
           <a:p>
             <a:fld id="{DD7CB722-50A8-CA45-B154-66D4B948729F}" type="datetime1">
               <a:rPr lang="en-US" smtClean="0"/>
-              <a:t>1/29/2020</a:t>
+              <a:t>2/3/2023</a:t>
             </a:fld>
             <a:endParaRPr lang="en-US" dirty="0"/>
           </a:p>
@@ -1763,7 +1995,7 @@
           <a:p>
             <a:fld id="{FB2FA76B-CACE-094A-822C-FBE34B369C2B}" type="datetime1">
               <a:rPr lang="en-US" smtClean="0"/>
-              <a:t>1/29/2020</a:t>
+              <a:t>2/3/2023</a:t>
             </a:fld>
             <a:endParaRPr lang="en-US" dirty="0"/>
           </a:p>
@@ -2033,7 +2265,7 @@
           <a:p>
             <a:fld id="{1C1E2541-76FA-F44F-9A11-26451BE8F0FA}" type="datetime1">
               <a:rPr lang="en-US" smtClean="0"/>
-              <a:t>1/29/2020</a:t>
+              <a:t>2/3/2023</a:t>
             </a:fld>
             <a:endParaRPr lang="en-US" dirty="0"/>
           </a:p>
@@ -2448,7 +2680,7 @@
           <a:p>
             <a:fld id="{FB2FA76B-CACE-094A-822C-FBE34B369C2B}" type="datetime1">
               <a:rPr lang="en-US" smtClean="0"/>
-              <a:t>1/29/2020</a:t>
+              <a:t>2/3/2023</a:t>
             </a:fld>
             <a:endParaRPr lang="en-US" dirty="0"/>
           </a:p>
@@ -2592,7 +2824,7 @@
           <a:p>
             <a:fld id="{FB2FA76B-CACE-094A-822C-FBE34B369C2B}" type="datetime1">
               <a:rPr lang="en-US" smtClean="0"/>
-              <a:t>1/29/2020</a:t>
+              <a:t>2/3/2023</a:t>
             </a:fld>
             <a:endParaRPr lang="en-US" dirty="0"/>
           </a:p>
@@ -2707,7 +2939,7 @@
           <a:p>
             <a:fld id="{FB2FA76B-CACE-094A-822C-FBE34B369C2B}" type="datetime1">
               <a:rPr lang="en-US" smtClean="0"/>
-              <a:t>1/29/2020</a:t>
+              <a:t>2/3/2023</a:t>
             </a:fld>
             <a:endParaRPr lang="en-US" dirty="0"/>
           </a:p>
@@ -3022,7 +3254,7 @@
           <a:p>
             <a:fld id="{F98565CF-495F-3541-AA44-1C7662F24BC6}" type="datetime1">
               <a:rPr lang="en-US" smtClean="0"/>
-              <a:t>1/29/2020</a:t>
+              <a:t>2/3/2023</a:t>
             </a:fld>
             <a:endParaRPr lang="en-US" dirty="0"/>
           </a:p>
@@ -3312,7 +3544,7 @@
           <a:p>
             <a:fld id="{FB2FA76B-CACE-094A-822C-FBE34B369C2B}" type="datetime1">
               <a:rPr lang="en-US" smtClean="0"/>
-              <a:t>1/29/2020</a:t>
+              <a:t>2/3/2023</a:t>
             </a:fld>
             <a:endParaRPr lang="en-US" dirty="0"/>
           </a:p>
@@ -3557,7 +3789,7 @@
           <a:p>
             <a:fld id="{FB2FA76B-CACE-094A-822C-FBE34B369C2B}" type="datetime1">
               <a:rPr lang="en-US" smtClean="0"/>
-              <a:t>1/29/2020</a:t>
+              <a:t>2/3/2023</a:t>
             </a:fld>
             <a:endParaRPr lang="en-US" dirty="0"/>
           </a:p>
@@ -3999,7 +4231,7 @@
           <a:p>
             <a:r>
               <a:rPr lang="en-IE" dirty="0"/>
-              <a:t>Basic Electronic Theory</a:t>
+              <a:t>Analog and Digital Signals</a:t>
             </a:r>
           </a:p>
         </p:txBody>
@@ -4051,6 +4283,136 @@
           <a:p>
             <a:r>
               <a:rPr lang="en-US" dirty="0"/>
+              <a:t>Ohm’s Law</a:t>
+            </a:r>
+          </a:p>
+        </p:txBody>
+      </p:sp>
+      <p:sp>
+        <p:nvSpPr>
+          <p:cNvPr id="3" name="Content Placeholder 2">
+            <a:extLst>
+              <a:ext uri="{FF2B5EF4-FFF2-40B4-BE49-F238E27FC236}">
+                <a16:creationId xmlns:a16="http://schemas.microsoft.com/office/drawing/2014/main" id="{803BF3C6-7AA8-4EF7-A378-29F84B98AD4B}"/>
+              </a:ext>
+            </a:extLst>
+          </p:cNvPr>
+          <p:cNvSpPr>
+            <a:spLocks noGrp="1"/>
+          </p:cNvSpPr>
+          <p:nvPr>
+            <p:ph sz="half" idx="1"/>
+          </p:nvPr>
+        </p:nvSpPr>
+        <p:spPr/>
+        <p:txBody>
+          <a:bodyPr/>
+          <a:lstStyle/>
+          <a:p>
+            <a:endParaRPr lang="en-IE"/>
+          </a:p>
+        </p:txBody>
+      </p:sp>
+      <p:pic>
+        <p:nvPicPr>
+          <p:cNvPr id="19" name="Content Placeholder 18" descr="second_law.png"/>
+          <p:cNvPicPr>
+            <a:picLocks noGrp="1" noChangeAspect="1"/>
+          </p:cNvPicPr>
+          <p:nvPr>
+            <p:ph sz="half" idx="2"/>
+          </p:nvPr>
+        </p:nvPicPr>
+        <p:blipFill>
+          <a:blip r:embed="rId2">
+            <a:extLst>
+              <a:ext uri="{28A0092B-C50C-407E-A947-70E740481C1C}">
+                <a14:useLocalDpi xmlns:a14="http://schemas.microsoft.com/office/drawing/2010/main" val="0"/>
+              </a:ext>
+            </a:extLst>
+          </a:blip>
+          <a:stretch>
+            <a:fillRect/>
+          </a:stretch>
+        </p:blipFill>
+        <p:spPr>
+          <a:xfrm>
+            <a:off x="6529387" y="2624931"/>
+            <a:ext cx="4467225" cy="2752725"/>
+          </a:xfrm>
+        </p:spPr>
+      </p:pic>
+      <p:sp>
+        <p:nvSpPr>
+          <p:cNvPr id="5" name="Slide Number Placeholder 4"/>
+          <p:cNvSpPr>
+            <a:spLocks noGrp="1"/>
+          </p:cNvSpPr>
+          <p:nvPr>
+            <p:ph type="sldNum" sz="quarter" idx="12"/>
+          </p:nvPr>
+        </p:nvSpPr>
+        <p:spPr/>
+        <p:txBody>
+          <a:bodyPr/>
+          <a:lstStyle/>
+          <a:p>
+            <a:fld id="{4FAB73BC-B049-4115-A692-8D63A059BFB8}" type="slidenum">
+              <a:rPr lang="en-US" smtClean="0"/>
+              <a:pPr/>
+              <a:t>10</a:t>
+            </a:fld>
+            <a:endParaRPr lang="en-US" dirty="0"/>
+          </a:p>
+        </p:txBody>
+      </p:sp>
+    </p:spTree>
+    <p:extLst>
+      <p:ext uri="{BB962C8B-B14F-4D97-AF65-F5344CB8AC3E}">
+        <p14:creationId xmlns:p14="http://schemas.microsoft.com/office/powerpoint/2010/main" val="2634582687"/>
+      </p:ext>
+    </p:extLst>
+  </p:cSld>
+  <p:clrMapOvr>
+    <a:masterClrMapping/>
+  </p:clrMapOvr>
+</p:sld>
+</file>
+
+<file path=ppt/slides/slide11.xml><?xml version="1.0" encoding="utf-8"?>
+<p:sld xmlns:a="http://schemas.openxmlformats.org/drawingml/2006/main" xmlns:r="http://schemas.openxmlformats.org/officeDocument/2006/relationships" xmlns:p="http://schemas.openxmlformats.org/presentationml/2006/main">
+  <p:cSld>
+    <p:spTree>
+      <p:nvGrpSpPr>
+        <p:cNvPr id="1" name=""/>
+        <p:cNvGrpSpPr/>
+        <p:nvPr/>
+      </p:nvGrpSpPr>
+      <p:grpSpPr>
+        <a:xfrm>
+          <a:off x="0" y="0"/>
+          <a:ext cx="0" cy="0"/>
+          <a:chOff x="0" y="0"/>
+          <a:chExt cx="0" cy="0"/>
+        </a:xfrm>
+      </p:grpSpPr>
+      <p:sp>
+        <p:nvSpPr>
+          <p:cNvPr id="6" name="Title 5"/>
+          <p:cNvSpPr>
+            <a:spLocks noGrp="1"/>
+          </p:cNvSpPr>
+          <p:nvPr>
+            <p:ph type="title"/>
+          </p:nvPr>
+        </p:nvSpPr>
+        <p:spPr/>
+        <p:txBody>
+          <a:bodyPr/>
+          <a:lstStyle/>
+          <a:p>
+            <a:r>
+              <a:rPr lang="en-US" dirty="0"/>
               <a:t>Kirchhoff Law I</a:t>
             </a:r>
           </a:p>
@@ -4079,12 +4441,12 @@
           <a:graphicData uri="http://schemas.openxmlformats.org/presentationml/2006/ole">
             <mc:AlternateContent xmlns:mc="http://schemas.openxmlformats.org/markup-compatibility/2006">
               <mc:Choice xmlns:v="urn:schemas-microsoft-com:vml" Requires="v">
-                <p:oleObj spid="_x0000_s2077" name="Equation" r:id="rId3" imgW="1054100" imgH="812800" progId="Equation.3">
+                <p:oleObj name="Equation" r:id="rId2" imgW="1054100" imgH="812800" progId="Equation.3">
                   <p:embed/>
                 </p:oleObj>
               </mc:Choice>
               <mc:Fallback>
-                <p:oleObj name="Equation" r:id="rId3" imgW="1054100" imgH="812800" progId="Equation.3">
+                <p:oleObj name="Equation" r:id="rId2" imgW="1054100" imgH="812800" progId="Equation.3">
                   <p:embed/>
                   <p:pic>
                     <p:nvPicPr>
@@ -4093,7 +4455,7 @@
                       <p:nvPr/>
                     </p:nvPicPr>
                     <p:blipFill>
-                      <a:blip r:embed="rId4"/>
+                      <a:blip r:embed="rId3"/>
                       <a:stretch>
                         <a:fillRect/>
                       </a:stretch>
@@ -4125,7 +4487,7 @@
           </p:nvPr>
         </p:nvPicPr>
         <p:blipFill>
-          <a:blip r:embed="rId5">
+          <a:blip r:embed="rId4">
             <a:extLst>
               <a:ext uri="{28A0092B-C50C-407E-A947-70E740481C1C}">
                 <a14:useLocalDpi xmlns:a14="http://schemas.microsoft.com/office/drawing/2010/main" val="0"/>
@@ -4161,7 +4523,7 @@
             <a:fld id="{4FAB73BC-B049-4115-A692-8D63A059BFB8}" type="slidenum">
               <a:rPr lang="en-US" smtClean="0"/>
               <a:pPr/>
-              <a:t>10</a:t>
+              <a:t>11</a:t>
             </a:fld>
             <a:endParaRPr lang="en-US" dirty="0"/>
           </a:p>
@@ -4180,7 +4542,7 @@
 </p:sld>
 </file>
 
-<file path=ppt/slides/slide11.xml><?xml version="1.0" encoding="utf-8"?>
+<file path=ppt/slides/slide12.xml><?xml version="1.0" encoding="utf-8"?>
 <p:sld xmlns:a="http://schemas.openxmlformats.org/drawingml/2006/main" xmlns:r="http://schemas.openxmlformats.org/officeDocument/2006/relationships" xmlns:p="http://schemas.openxmlformats.org/presentationml/2006/main">
   <p:cSld>
     <p:spTree>
@@ -4242,12 +4604,12 @@
           <a:graphicData uri="http://schemas.openxmlformats.org/presentationml/2006/ole">
             <mc:AlternateContent xmlns:mc="http://schemas.openxmlformats.org/markup-compatibility/2006">
               <mc:Choice xmlns:v="urn:schemas-microsoft-com:vml" Requires="v">
-                <p:oleObj spid="_x0000_s4125" name="Equation" r:id="rId3" imgW="1485900" imgH="1066800" progId="Equation.3">
+                <p:oleObj name="Equation" r:id="rId2" imgW="1485900" imgH="1066800" progId="Equation.3">
                   <p:embed/>
                 </p:oleObj>
               </mc:Choice>
               <mc:Fallback>
-                <p:oleObj name="Equation" r:id="rId3" imgW="1485900" imgH="1066800" progId="Equation.3">
+                <p:oleObj name="Equation" r:id="rId2" imgW="1485900" imgH="1066800" progId="Equation.3">
                   <p:embed/>
                   <p:pic>
                     <p:nvPicPr>
@@ -4256,7 +4618,7 @@
                       <p:nvPr/>
                     </p:nvPicPr>
                     <p:blipFill>
-                      <a:blip r:embed="rId4"/>
+                      <a:blip r:embed="rId3"/>
                       <a:stretch>
                         <a:fillRect/>
                       </a:stretch>
@@ -4288,7 +4650,7 @@
           </p:nvPr>
         </p:nvPicPr>
         <p:blipFill>
-          <a:blip r:embed="rId5">
+          <a:blip r:embed="rId4">
             <a:extLst>
               <a:ext uri="{28A0092B-C50C-407E-A947-70E740481C1C}">
                 <a14:useLocalDpi xmlns:a14="http://schemas.microsoft.com/office/drawing/2010/main" val="0"/>
@@ -4324,7 +4686,7 @@
             <a:fld id="{4FAB73BC-B049-4115-A692-8D63A059BFB8}" type="slidenum">
               <a:rPr lang="en-US" smtClean="0"/>
               <a:pPr/>
-              <a:t>11</a:t>
+              <a:t>12</a:t>
             </a:fld>
             <a:endParaRPr lang="en-US" dirty="0"/>
           </a:p>
@@ -4343,7 +4705,7 @@
 </p:sld>
 </file>
 
-<file path=ppt/slides/slide12.xml><?xml version="1.0" encoding="utf-8"?>
+<file path=ppt/slides/slide13.xml><?xml version="1.0" encoding="utf-8"?>
 <p:sld xmlns:a="http://schemas.openxmlformats.org/drawingml/2006/main" xmlns:r="http://schemas.openxmlformats.org/officeDocument/2006/relationships" xmlns:p="http://schemas.openxmlformats.org/presentationml/2006/main">
   <p:cSld>
     <p:spTree>
@@ -4405,12 +4767,12 @@
           <a:graphicData uri="http://schemas.openxmlformats.org/presentationml/2006/ole">
             <mc:AlternateContent xmlns:mc="http://schemas.openxmlformats.org/markup-compatibility/2006">
               <mc:Choice xmlns:v="urn:schemas-microsoft-com:vml" Requires="v">
-                <p:oleObj spid="_x0000_s5147" name="Equation" r:id="rId3" imgW="1181100" imgH="939800" progId="Equation.3">
+                <p:oleObj name="Equation" r:id="rId2" imgW="1181100" imgH="939800" progId="Equation.3">
                   <p:embed/>
                 </p:oleObj>
               </mc:Choice>
               <mc:Fallback>
-                <p:oleObj name="Equation" r:id="rId3" imgW="1181100" imgH="939800" progId="Equation.3">
+                <p:oleObj name="Equation" r:id="rId2" imgW="1181100" imgH="939800" progId="Equation.3">
                   <p:embed/>
                   <p:pic>
                     <p:nvPicPr>
@@ -4419,7 +4781,7 @@
                       <p:nvPr/>
                     </p:nvPicPr>
                     <p:blipFill>
-                      <a:blip r:embed="rId4"/>
+                      <a:blip r:embed="rId3"/>
                       <a:stretch>
                         <a:fillRect/>
                       </a:stretch>
@@ -4457,10 +4819,10 @@
           </p:nvPr>
         </p:nvPicPr>
         <p:blipFill>
-          <a:blip r:embed="rId5">
+          <a:blip r:embed="rId4">
             <a:extLst>
               <a:ext uri="{837473B0-CC2E-450A-ABE3-18F120FF3D39}">
-                <a1611:picAttrSrcUrl xmlns:a1611="http://schemas.microsoft.com/office/drawing/2016/11/main" r:id="rId6"/>
+                <a1611:picAttrSrcUrl xmlns:a1611="http://schemas.microsoft.com/office/drawing/2016/11/main" r:id="rId5"/>
               </a:ext>
             </a:extLst>
           </a:blip>
@@ -4493,7 +4855,7 @@
             <a:fld id="{4FAB73BC-B049-4115-A692-8D63A059BFB8}" type="slidenum">
               <a:rPr lang="en-US" smtClean="0"/>
               <a:pPr/>
-              <a:t>12</a:t>
+              <a:t>13</a:t>
             </a:fld>
             <a:endParaRPr lang="en-US" dirty="0"/>
           </a:p>
@@ -4529,7 +4891,7 @@
           <a:p>
             <a:r>
               <a:rPr lang="en-IE" sz="900" dirty="0">
-                <a:hlinkClick r:id="rId6" tooltip="https://raspberrypi.stackexchange.com/questions/33010/how-to-read-analog-5v-sensor-ouput-with-digital-3-3v-gpio"/>
+                <a:hlinkClick r:id="rId5" tooltip="https://raspberrypi.stackexchange.com/questions/33010/how-to-read-analog-5v-sensor-ouput-with-digital-3-3v-gpio"/>
               </a:rPr>
               <a:t>This Photo</a:t>
             </a:r>
@@ -4539,7 +4901,7 @@
             </a:r>
             <a:r>
               <a:rPr lang="en-IE" sz="900" dirty="0">
-                <a:hlinkClick r:id="rId7" tooltip="https://creativecommons.org/licenses/by-sa/3.0/"/>
+                <a:hlinkClick r:id="rId6" tooltip="https://creativecommons.org/licenses/by-sa/3.0/"/>
               </a:rPr>
               <a:t>CC BY-SA</a:t>
             </a:r>
@@ -4547,8 +4909,8 @@
           </a:p>
         </p:txBody>
       </p:sp>
-      <mc:AlternateContent xmlns:mc="http://schemas.openxmlformats.org/markup-compatibility/2006">
-        <mc:Choice xmlns:a14="http://schemas.microsoft.com/office/drawing/2010/main" Requires="a14">
+      <mc:AlternateContent xmlns:mc="http://schemas.openxmlformats.org/markup-compatibility/2006" xmlns:a14="http://schemas.microsoft.com/office/drawing/2010/main">
+        <mc:Choice Requires="a14">
           <p:sp>
             <p:nvSpPr>
               <p:cNvPr id="13" name="TextBox 12">
@@ -4662,7 +5024,7 @@
             </p:txBody>
           </p:sp>
         </mc:Choice>
-        <mc:Fallback>
+        <mc:Fallback xmlns="">
           <p:sp>
             <p:nvSpPr>
               <p:cNvPr id="13" name="TextBox 12">
@@ -4785,7 +5147,7 @@
 </p:sld>
 </file>
 
-<file path=ppt/slides/slide13.xml><?xml version="1.0" encoding="utf-8"?>
+<file path=ppt/slides/slide14.xml><?xml version="1.0" encoding="utf-8"?>
 <p:sld xmlns:a="http://schemas.openxmlformats.org/drawingml/2006/main" xmlns:r="http://schemas.openxmlformats.org/officeDocument/2006/relationships" xmlns:p="http://schemas.openxmlformats.org/presentationml/2006/main">
   <p:cSld>
     <p:spTree>
@@ -4847,12 +5209,12 @@
           <a:graphicData uri="http://schemas.openxmlformats.org/presentationml/2006/ole">
             <mc:AlternateContent xmlns:mc="http://schemas.openxmlformats.org/markup-compatibility/2006">
               <mc:Choice xmlns:v="urn:schemas-microsoft-com:vml" Requires="v">
-                <p:oleObj spid="_x0000_s6170" name="Equation" r:id="rId3" imgW="546100" imgH="685800" progId="Equation.3">
+                <p:oleObj name="Equation" r:id="rId2" imgW="546100" imgH="685800" progId="Equation.3">
                   <p:embed/>
                 </p:oleObj>
               </mc:Choice>
               <mc:Fallback>
-                <p:oleObj name="Equation" r:id="rId3" imgW="546100" imgH="685800" progId="Equation.3">
+                <p:oleObj name="Equation" r:id="rId2" imgW="546100" imgH="685800" progId="Equation.3">
                   <p:embed/>
                   <p:pic>
                     <p:nvPicPr>
@@ -4861,7 +5223,7 @@
                       <p:nvPr/>
                     </p:nvPicPr>
                     <p:blipFill>
-                      <a:blip r:embed="rId4"/>
+                      <a:blip r:embed="rId3"/>
                       <a:stretch>
                         <a:fillRect/>
                       </a:stretch>
@@ -4893,7 +5255,7 @@
           </p:nvPr>
         </p:nvPicPr>
         <p:blipFill>
-          <a:blip r:embed="rId5">
+          <a:blip r:embed="rId4">
             <a:extLst>
               <a:ext uri="{28A0092B-C50C-407E-A947-70E740481C1C}">
                 <a14:useLocalDpi xmlns:a14="http://schemas.microsoft.com/office/drawing/2010/main" val="0"/>
@@ -4929,14 +5291,14 @@
             <a:fld id="{4FAB73BC-B049-4115-A692-8D63A059BFB8}" type="slidenum">
               <a:rPr lang="en-US" smtClean="0"/>
               <a:pPr/>
-              <a:t>13</a:t>
+              <a:t>14</a:t>
             </a:fld>
             <a:endParaRPr lang="en-US" dirty="0"/>
           </a:p>
         </p:txBody>
       </p:sp>
-      <mc:AlternateContent xmlns:mc="http://schemas.openxmlformats.org/markup-compatibility/2006">
-        <mc:Choice xmlns:a14="http://schemas.microsoft.com/office/drawing/2010/main" Requires="a14">
+      <mc:AlternateContent xmlns:mc="http://schemas.openxmlformats.org/markup-compatibility/2006" xmlns:a14="http://schemas.microsoft.com/office/drawing/2010/main">
+        <mc:Choice Requires="a14">
           <p:sp>
             <p:nvSpPr>
               <p:cNvPr id="7" name="TextBox 6">
@@ -5050,7 +5412,7 @@
             </p:txBody>
           </p:sp>
         </mc:Choice>
-        <mc:Fallback>
+        <mc:Fallback xmlns="">
           <p:sp>
             <p:nvSpPr>
               <p:cNvPr id="7" name="TextBox 6">
@@ -5108,7 +5470,7 @@
 </p:sld>
 </file>
 
-<file path=ppt/slides/slide14.xml><?xml version="1.0" encoding="utf-8"?>
+<file path=ppt/slides/slide15.xml><?xml version="1.0" encoding="utf-8"?>
 <p:sld xmlns:a="http://schemas.openxmlformats.org/drawingml/2006/main" xmlns:r="http://schemas.openxmlformats.org/officeDocument/2006/relationships" xmlns:p="http://schemas.openxmlformats.org/presentationml/2006/main">
   <p:cSld>
     <p:spTree>
@@ -5170,12 +5532,12 @@
           <a:graphicData uri="http://schemas.openxmlformats.org/presentationml/2006/ole">
             <mc:AlternateContent xmlns:mc="http://schemas.openxmlformats.org/markup-compatibility/2006">
               <mc:Choice xmlns:v="urn:schemas-microsoft-com:vml" Requires="v">
-                <p:oleObj spid="_x0000_s7193" name="Equation" r:id="rId3" imgW="584200" imgH="685800" progId="Equation.3">
+                <p:oleObj name="Equation" r:id="rId2" imgW="584200" imgH="685800" progId="Equation.3">
                   <p:embed/>
                 </p:oleObj>
               </mc:Choice>
               <mc:Fallback>
-                <p:oleObj name="Equation" r:id="rId3" imgW="584200" imgH="685800" progId="Equation.3">
+                <p:oleObj name="Equation" r:id="rId2" imgW="584200" imgH="685800" progId="Equation.3">
                   <p:embed/>
                   <p:pic>
                     <p:nvPicPr>
@@ -5184,7 +5546,7 @@
                       <p:nvPr/>
                     </p:nvPicPr>
                     <p:blipFill>
-                      <a:blip r:embed="rId4"/>
+                      <a:blip r:embed="rId3"/>
                       <a:stretch>
                         <a:fillRect/>
                       </a:stretch>
@@ -5216,7 +5578,7 @@
           </p:nvPr>
         </p:nvPicPr>
         <p:blipFill>
-          <a:blip r:embed="rId5">
+          <a:blip r:embed="rId4">
             <a:extLst>
               <a:ext uri="{28A0092B-C50C-407E-A947-70E740481C1C}">
                 <a14:useLocalDpi xmlns:a14="http://schemas.microsoft.com/office/drawing/2010/main" val="0"/>
@@ -5252,14 +5614,14 @@
             <a:fld id="{4FAB73BC-B049-4115-A692-8D63A059BFB8}" type="slidenum">
               <a:rPr lang="en-US" smtClean="0"/>
               <a:pPr/>
-              <a:t>14</a:t>
+              <a:t>15</a:t>
             </a:fld>
             <a:endParaRPr lang="en-US" dirty="0"/>
           </a:p>
         </p:txBody>
       </p:sp>
-      <mc:AlternateContent xmlns:mc="http://schemas.openxmlformats.org/markup-compatibility/2006">
-        <mc:Choice xmlns:a14="http://schemas.microsoft.com/office/drawing/2010/main" Requires="a14">
+      <mc:AlternateContent xmlns:mc="http://schemas.openxmlformats.org/markup-compatibility/2006" xmlns:a14="http://schemas.microsoft.com/office/drawing/2010/main">
+        <mc:Choice Requires="a14">
           <p:sp>
             <p:nvSpPr>
               <p:cNvPr id="7" name="TextBox 6">
@@ -5373,7 +5735,7 @@
             </p:txBody>
           </p:sp>
         </mc:Choice>
-        <mc:Fallback>
+        <mc:Fallback xmlns="">
           <p:sp>
             <p:nvSpPr>
               <p:cNvPr id="7" name="TextBox 6">
@@ -5431,7 +5793,7 @@
 </p:sld>
 </file>
 
-<file path=ppt/slides/slide15.xml><?xml version="1.0" encoding="utf-8"?>
+<file path=ppt/slides/slide16.xml><?xml version="1.0" encoding="utf-8"?>
 <p:sld xmlns:a="http://schemas.openxmlformats.org/drawingml/2006/main" xmlns:r="http://schemas.openxmlformats.org/officeDocument/2006/relationships" xmlns:p="http://schemas.openxmlformats.org/presentationml/2006/main">
   <p:cSld>
     <p:spTree>
@@ -5493,12 +5855,12 @@
           <a:graphicData uri="http://schemas.openxmlformats.org/presentationml/2006/ole">
             <mc:AlternateContent xmlns:mc="http://schemas.openxmlformats.org/markup-compatibility/2006">
               <mc:Choice xmlns:v="urn:schemas-microsoft-com:vml" Requires="v">
-                <p:oleObj spid="_x0000_s8217" name="Equation" r:id="rId3" imgW="558800" imgH="685800" progId="Equation.3">
+                <p:oleObj name="Equation" r:id="rId2" imgW="558800" imgH="685800" progId="Equation.3">
                   <p:embed/>
                 </p:oleObj>
               </mc:Choice>
               <mc:Fallback>
-                <p:oleObj name="Equation" r:id="rId3" imgW="558800" imgH="685800" progId="Equation.3">
+                <p:oleObj name="Equation" r:id="rId2" imgW="558800" imgH="685800" progId="Equation.3">
                   <p:embed/>
                   <p:pic>
                     <p:nvPicPr>
@@ -5507,7 +5869,7 @@
                       <p:nvPr/>
                     </p:nvPicPr>
                     <p:blipFill>
-                      <a:blip r:embed="rId4"/>
+                      <a:blip r:embed="rId3"/>
                       <a:stretch>
                         <a:fillRect/>
                       </a:stretch>
@@ -5539,7 +5901,7 @@
           </p:nvPr>
         </p:nvPicPr>
         <p:blipFill>
-          <a:blip r:embed="rId5">
+          <a:blip r:embed="rId4">
             <a:extLst>
               <a:ext uri="{28A0092B-C50C-407E-A947-70E740481C1C}">
                 <a14:useLocalDpi xmlns:a14="http://schemas.microsoft.com/office/drawing/2010/main" val="0"/>
@@ -5575,14 +5937,14 @@
             <a:fld id="{4FAB73BC-B049-4115-A692-8D63A059BFB8}" type="slidenum">
               <a:rPr lang="en-US" smtClean="0"/>
               <a:pPr/>
-              <a:t>15</a:t>
+              <a:t>16</a:t>
             </a:fld>
             <a:endParaRPr lang="en-US" dirty="0"/>
           </a:p>
         </p:txBody>
       </p:sp>
-      <mc:AlternateContent xmlns:mc="http://schemas.openxmlformats.org/markup-compatibility/2006">
-        <mc:Choice xmlns:a14="http://schemas.microsoft.com/office/drawing/2010/main" Requires="a14">
+      <mc:AlternateContent xmlns:mc="http://schemas.openxmlformats.org/markup-compatibility/2006" xmlns:a14="http://schemas.microsoft.com/office/drawing/2010/main">
+        <mc:Choice Requires="a14">
           <p:sp>
             <p:nvSpPr>
               <p:cNvPr id="7" name="TextBox 6">
@@ -5696,7 +6058,7 @@
             </p:txBody>
           </p:sp>
         </mc:Choice>
-        <mc:Fallback>
+        <mc:Fallback xmlns="">
           <p:sp>
             <p:nvSpPr>
               <p:cNvPr id="7" name="TextBox 6">
@@ -5754,7 +6116,7 @@
 </p:sld>
 </file>
 
-<file path=ppt/slides/slide16.xml><?xml version="1.0" encoding="utf-8"?>
+<file path=ppt/slides/slide17.xml><?xml version="1.0" encoding="utf-8"?>
 <p:sld xmlns:a="http://schemas.openxmlformats.org/drawingml/2006/main" xmlns:r="http://schemas.openxmlformats.org/officeDocument/2006/relationships" xmlns:p="http://schemas.openxmlformats.org/presentationml/2006/main">
   <p:cSld>
     <p:spTree>
@@ -5816,12 +6178,12 @@
           <a:graphicData uri="http://schemas.openxmlformats.org/presentationml/2006/ole">
             <mc:AlternateContent xmlns:mc="http://schemas.openxmlformats.org/markup-compatibility/2006">
               <mc:Choice xmlns:v="urn:schemas-microsoft-com:vml" Requires="v">
-                <p:oleObj spid="_x0000_s9241" name="Equation" r:id="rId3" imgW="596900" imgH="685800" progId="Equation.3">
+                <p:oleObj name="Equation" r:id="rId2" imgW="596900" imgH="685800" progId="Equation.3">
                   <p:embed/>
                 </p:oleObj>
               </mc:Choice>
               <mc:Fallback>
-                <p:oleObj name="Equation" r:id="rId3" imgW="596900" imgH="685800" progId="Equation.3">
+                <p:oleObj name="Equation" r:id="rId2" imgW="596900" imgH="685800" progId="Equation.3">
                   <p:embed/>
                   <p:pic>
                     <p:nvPicPr>
@@ -5830,7 +6192,7 @@
                       <p:nvPr/>
                     </p:nvPicPr>
                     <p:blipFill>
-                      <a:blip r:embed="rId4"/>
+                      <a:blip r:embed="rId3"/>
                       <a:stretch>
                         <a:fillRect/>
                       </a:stretch>
@@ -5862,7 +6224,7 @@
           </p:nvPr>
         </p:nvPicPr>
         <p:blipFill>
-          <a:blip r:embed="rId5">
+          <a:blip r:embed="rId4">
             <a:extLst>
               <a:ext uri="{28A0092B-C50C-407E-A947-70E740481C1C}">
                 <a14:useLocalDpi xmlns:a14="http://schemas.microsoft.com/office/drawing/2010/main" val="0"/>
@@ -5898,14 +6260,14 @@
             <a:fld id="{4FAB73BC-B049-4115-A692-8D63A059BFB8}" type="slidenum">
               <a:rPr lang="en-US" smtClean="0"/>
               <a:pPr/>
-              <a:t>16</a:t>
+              <a:t>17</a:t>
             </a:fld>
             <a:endParaRPr lang="en-US" dirty="0"/>
           </a:p>
         </p:txBody>
       </p:sp>
-      <mc:AlternateContent xmlns:mc="http://schemas.openxmlformats.org/markup-compatibility/2006">
-        <mc:Choice xmlns:a14="http://schemas.microsoft.com/office/drawing/2010/main" Requires="a14">
+      <mc:AlternateContent xmlns:mc="http://schemas.openxmlformats.org/markup-compatibility/2006" xmlns:a14="http://schemas.microsoft.com/office/drawing/2010/main">
+        <mc:Choice Requires="a14">
           <p:sp>
             <p:nvSpPr>
               <p:cNvPr id="7" name="TextBox 6">
@@ -6019,7 +6381,7 @@
             </p:txBody>
           </p:sp>
         </mc:Choice>
-        <mc:Fallback>
+        <mc:Fallback xmlns="">
           <p:sp>
             <p:nvSpPr>
               <p:cNvPr id="7" name="TextBox 6">
@@ -6077,7 +6439,7 @@
 </p:sld>
 </file>
 
-<file path=ppt/slides/slide17.xml><?xml version="1.0" encoding="utf-8"?>
+<file path=ppt/slides/slide18.xml><?xml version="1.0" encoding="utf-8"?>
 <p:sld xmlns:a="http://schemas.openxmlformats.org/drawingml/2006/main" xmlns:r="http://schemas.openxmlformats.org/officeDocument/2006/relationships" xmlns:p="http://schemas.openxmlformats.org/presentationml/2006/main">
   <p:cSld>
     <p:spTree>
@@ -6139,12 +6501,12 @@
           <a:graphicData uri="http://schemas.openxmlformats.org/presentationml/2006/ole">
             <mc:AlternateContent xmlns:mc="http://schemas.openxmlformats.org/markup-compatibility/2006">
               <mc:Choice xmlns:v="urn:schemas-microsoft-com:vml" Requires="v">
-                <p:oleObj spid="_x0000_s11289" name="Equation" r:id="rId3" imgW="558800" imgH="939800" progId="Equation.3">
+                <p:oleObj name="Equation" r:id="rId2" imgW="558800" imgH="939800" progId="Equation.3">
                   <p:embed/>
                 </p:oleObj>
               </mc:Choice>
               <mc:Fallback>
-                <p:oleObj name="Equation" r:id="rId3" imgW="558800" imgH="939800" progId="Equation.3">
+                <p:oleObj name="Equation" r:id="rId2" imgW="558800" imgH="939800" progId="Equation.3">
                   <p:embed/>
                   <p:pic>
                     <p:nvPicPr>
@@ -6153,7 +6515,7 @@
                       <p:nvPr/>
                     </p:nvPicPr>
                     <p:blipFill>
-                      <a:blip r:embed="rId4"/>
+                      <a:blip r:embed="rId3"/>
                       <a:stretch>
                         <a:fillRect/>
                       </a:stretch>
@@ -6185,7 +6547,7 @@
           </p:nvPr>
         </p:nvPicPr>
         <p:blipFill>
-          <a:blip r:embed="rId5">
+          <a:blip r:embed="rId4">
             <a:extLst>
               <a:ext uri="{28A0092B-C50C-407E-A947-70E740481C1C}">
                 <a14:useLocalDpi xmlns:a14="http://schemas.microsoft.com/office/drawing/2010/main" val="0"/>
@@ -6221,14 +6583,14 @@
             <a:fld id="{4FAB73BC-B049-4115-A692-8D63A059BFB8}" type="slidenum">
               <a:rPr lang="en-US" smtClean="0"/>
               <a:pPr/>
-              <a:t>17</a:t>
+              <a:t>18</a:t>
             </a:fld>
             <a:endParaRPr lang="en-US" dirty="0"/>
           </a:p>
         </p:txBody>
       </p:sp>
-      <mc:AlternateContent xmlns:mc="http://schemas.openxmlformats.org/markup-compatibility/2006">
-        <mc:Choice xmlns:a14="http://schemas.microsoft.com/office/drawing/2010/main" Requires="a14">
+      <mc:AlternateContent xmlns:mc="http://schemas.openxmlformats.org/markup-compatibility/2006" xmlns:a14="http://schemas.microsoft.com/office/drawing/2010/main">
+        <mc:Choice Requires="a14">
           <p:sp>
             <p:nvSpPr>
               <p:cNvPr id="7" name="TextBox 6">
@@ -6342,7 +6704,7 @@
             </p:txBody>
           </p:sp>
         </mc:Choice>
-        <mc:Fallback>
+        <mc:Fallback xmlns="">
           <p:sp>
             <p:nvSpPr>
               <p:cNvPr id="7" name="TextBox 6">
@@ -6542,7 +6904,7 @@
 </p:sld>
 </file>
 
-<file path=ppt/slides/slide18.xml><?xml version="1.0" encoding="utf-8"?>
+<file path=ppt/slides/slide19.xml><?xml version="1.0" encoding="utf-8"?>
 <p:sld xmlns:a="http://schemas.openxmlformats.org/drawingml/2006/main" xmlns:r="http://schemas.openxmlformats.org/officeDocument/2006/relationships" xmlns:p="http://schemas.openxmlformats.org/presentationml/2006/main">
   <p:cSld>
     <p:spTree>
@@ -6636,7 +6998,7 @@
             <a:fld id="{4FAB73BC-B049-4115-A692-8D63A059BFB8}" type="slidenum">
               <a:rPr lang="en-US" smtClean="0"/>
               <a:pPr/>
-              <a:t>18</a:t>
+              <a:t>19</a:t>
             </a:fld>
             <a:endParaRPr lang="en-US" dirty="0"/>
           </a:p>
@@ -6655,7 +7017,153 @@
 </p:sld>
 </file>
 
-<file path=ppt/slides/slide19.xml><?xml version="1.0" encoding="utf-8"?>
+<file path=ppt/slides/slide2.xml><?xml version="1.0" encoding="utf-8"?>
+<p:sld xmlns:a="http://schemas.openxmlformats.org/drawingml/2006/main" xmlns:r="http://schemas.openxmlformats.org/officeDocument/2006/relationships" xmlns:p="http://schemas.openxmlformats.org/presentationml/2006/main">
+  <p:cSld>
+    <p:spTree>
+      <p:nvGrpSpPr>
+        <p:cNvPr id="1" name=""/>
+        <p:cNvGrpSpPr/>
+        <p:nvPr/>
+      </p:nvGrpSpPr>
+      <p:grpSpPr>
+        <a:xfrm>
+          <a:off x="0" y="0"/>
+          <a:ext cx="0" cy="0"/>
+          <a:chOff x="0" y="0"/>
+          <a:chExt cx="0" cy="0"/>
+        </a:xfrm>
+      </p:grpSpPr>
+      <p:sp>
+        <p:nvSpPr>
+          <p:cNvPr id="2" name="Title 1"/>
+          <p:cNvSpPr>
+            <a:spLocks noGrp="1"/>
+          </p:cNvSpPr>
+          <p:nvPr>
+            <p:ph type="title"/>
+          </p:nvPr>
+        </p:nvSpPr>
+        <p:spPr/>
+        <p:txBody>
+          <a:bodyPr/>
+          <a:lstStyle/>
+          <a:p>
+            <a:r>
+              <a:rPr lang="en-US" dirty="0"/>
+              <a:t>Todays Topics</a:t>
+            </a:r>
+          </a:p>
+        </p:txBody>
+      </p:sp>
+      <p:sp>
+        <p:nvSpPr>
+          <p:cNvPr id="4" name="Content Placeholder 3"/>
+          <p:cNvSpPr>
+            <a:spLocks noGrp="1"/>
+          </p:cNvSpPr>
+          <p:nvPr>
+            <p:ph idx="1"/>
+          </p:nvPr>
+        </p:nvSpPr>
+        <p:spPr/>
+        <p:txBody>
+          <a:bodyPr/>
+          <a:lstStyle/>
+          <a:p>
+            <a:r>
+              <a:rPr lang="en-US" dirty="0"/>
+              <a:t>What’s the difference between analog and digital signals</a:t>
+            </a:r>
+          </a:p>
+          <a:p>
+            <a:r>
+              <a:rPr lang="en-US" dirty="0"/>
+              <a:t>Review Electricity Equations</a:t>
+            </a:r>
+          </a:p>
+          <a:p>
+            <a:r>
+              <a:rPr lang="en-US" dirty="0"/>
+              <a:t>General Purpose Input / Output (GPIO)</a:t>
+            </a:r>
+          </a:p>
+          <a:p>
+            <a:r>
+              <a:rPr lang="en-US" dirty="0"/>
+              <a:t>Pulse Width Modulation (PWM)</a:t>
+            </a:r>
+          </a:p>
+          <a:p>
+            <a:r>
+              <a:rPr lang="en-US" dirty="0"/>
+              <a:t>Analog to Digital Converters (ADC)</a:t>
+            </a:r>
+          </a:p>
+          <a:p>
+            <a:r>
+              <a:rPr lang="en-US" dirty="0"/>
+              <a:t>Microcontrollers and Computer</a:t>
+            </a:r>
+          </a:p>
+        </p:txBody>
+      </p:sp>
+      <p:sp>
+        <p:nvSpPr>
+          <p:cNvPr id="6" name="Text Placeholder 5"/>
+          <p:cNvSpPr>
+            <a:spLocks noGrp="1"/>
+          </p:cNvSpPr>
+          <p:nvPr>
+            <p:ph type="body" sz="half" idx="2"/>
+          </p:nvPr>
+        </p:nvSpPr>
+        <p:spPr/>
+        <p:txBody>
+          <a:bodyPr/>
+          <a:lstStyle/>
+          <a:p>
+            <a:endParaRPr lang="en-US"/>
+          </a:p>
+        </p:txBody>
+      </p:sp>
+      <p:sp>
+        <p:nvSpPr>
+          <p:cNvPr id="5" name="Slide Number Placeholder 4"/>
+          <p:cNvSpPr>
+            <a:spLocks noGrp="1"/>
+          </p:cNvSpPr>
+          <p:nvPr>
+            <p:ph type="sldNum" sz="quarter" idx="12"/>
+          </p:nvPr>
+        </p:nvSpPr>
+        <p:spPr/>
+        <p:txBody>
+          <a:bodyPr/>
+          <a:lstStyle/>
+          <a:p>
+            <a:fld id="{4CE482DC-2269-4F26-9D2A-7E44B1A4CD85}" type="slidenum">
+              <a:rPr lang="en-US" smtClean="0"/>
+              <a:t>2</a:t>
+            </a:fld>
+            <a:endParaRPr lang="en-US" dirty="0"/>
+          </a:p>
+        </p:txBody>
+      </p:sp>
+    </p:spTree>
+    <p:extLst>
+      <p:ext uri="{BB962C8B-B14F-4D97-AF65-F5344CB8AC3E}">
+        <p14:creationId xmlns:p14="http://schemas.microsoft.com/office/powerpoint/2010/main" val="789424417"/>
+      </p:ext>
+    </p:extLst>
+  </p:cSld>
+  <p:clrMapOvr>
+    <a:masterClrMapping/>
+  </p:clrMapOvr>
+</p:sld>
+</file>
+
+<file path=ppt/slides/slide20.xml><?xml version="1.0" encoding="utf-8"?>
 <p:sld xmlns:a="http://schemas.openxmlformats.org/drawingml/2006/main" xmlns:r="http://schemas.openxmlformats.org/officeDocument/2006/relationships" xmlns:p="http://schemas.openxmlformats.org/presentationml/2006/main">
   <p:cSld>
     <p:bg>
@@ -7052,153 +7560,7 @@
 </p:sld>
 </file>
 
-<file path=ppt/slides/slide2.xml><?xml version="1.0" encoding="utf-8"?>
-<p:sld xmlns:a="http://schemas.openxmlformats.org/drawingml/2006/main" xmlns:r="http://schemas.openxmlformats.org/officeDocument/2006/relationships" xmlns:p="http://schemas.openxmlformats.org/presentationml/2006/main">
-  <p:cSld>
-    <p:spTree>
-      <p:nvGrpSpPr>
-        <p:cNvPr id="1" name=""/>
-        <p:cNvGrpSpPr/>
-        <p:nvPr/>
-      </p:nvGrpSpPr>
-      <p:grpSpPr>
-        <a:xfrm>
-          <a:off x="0" y="0"/>
-          <a:ext cx="0" cy="0"/>
-          <a:chOff x="0" y="0"/>
-          <a:chExt cx="0" cy="0"/>
-        </a:xfrm>
-      </p:grpSpPr>
-      <p:sp>
-        <p:nvSpPr>
-          <p:cNvPr id="2" name="Title 1"/>
-          <p:cNvSpPr>
-            <a:spLocks noGrp="1"/>
-          </p:cNvSpPr>
-          <p:nvPr>
-            <p:ph type="title"/>
-          </p:nvPr>
-        </p:nvSpPr>
-        <p:spPr/>
-        <p:txBody>
-          <a:bodyPr/>
-          <a:lstStyle/>
-          <a:p>
-            <a:r>
-              <a:rPr lang="en-US" dirty="0"/>
-              <a:t>Outline</a:t>
-            </a:r>
-          </a:p>
-        </p:txBody>
-      </p:sp>
-      <p:sp>
-        <p:nvSpPr>
-          <p:cNvPr id="4" name="Content Placeholder 3"/>
-          <p:cNvSpPr>
-            <a:spLocks noGrp="1"/>
-          </p:cNvSpPr>
-          <p:nvPr>
-            <p:ph idx="1"/>
-          </p:nvPr>
-        </p:nvSpPr>
-        <p:spPr/>
-        <p:txBody>
-          <a:bodyPr/>
-          <a:lstStyle/>
-          <a:p>
-            <a:r>
-              <a:rPr lang="en-US" dirty="0"/>
-              <a:t>Electronic Signals</a:t>
-            </a:r>
-          </a:p>
-          <a:p>
-            <a:r>
-              <a:rPr lang="en-US" dirty="0"/>
-              <a:t>Electricity Equations</a:t>
-            </a:r>
-          </a:p>
-          <a:p>
-            <a:r>
-              <a:rPr lang="en-US" dirty="0"/>
-              <a:t>General Purpose Input / Output (GPIO)</a:t>
-            </a:r>
-          </a:p>
-          <a:p>
-            <a:r>
-              <a:rPr lang="en-US" dirty="0"/>
-              <a:t>Pulse Width Modulation (PWM)</a:t>
-            </a:r>
-          </a:p>
-          <a:p>
-            <a:r>
-              <a:rPr lang="en-US" dirty="0"/>
-              <a:t>Analog to Digital Converters (ADC)</a:t>
-            </a:r>
-          </a:p>
-          <a:p>
-            <a:r>
-              <a:rPr lang="en-US" dirty="0"/>
-              <a:t>Microcontrollers and Computer</a:t>
-            </a:r>
-          </a:p>
-        </p:txBody>
-      </p:sp>
-      <p:sp>
-        <p:nvSpPr>
-          <p:cNvPr id="6" name="Text Placeholder 5"/>
-          <p:cNvSpPr>
-            <a:spLocks noGrp="1"/>
-          </p:cNvSpPr>
-          <p:nvPr>
-            <p:ph type="body" sz="half" idx="2"/>
-          </p:nvPr>
-        </p:nvSpPr>
-        <p:spPr/>
-        <p:txBody>
-          <a:bodyPr/>
-          <a:lstStyle/>
-          <a:p>
-            <a:endParaRPr lang="en-US"/>
-          </a:p>
-        </p:txBody>
-      </p:sp>
-      <p:sp>
-        <p:nvSpPr>
-          <p:cNvPr id="5" name="Slide Number Placeholder 4"/>
-          <p:cNvSpPr>
-            <a:spLocks noGrp="1"/>
-          </p:cNvSpPr>
-          <p:nvPr>
-            <p:ph type="sldNum" sz="quarter" idx="12"/>
-          </p:nvPr>
-        </p:nvSpPr>
-        <p:spPr/>
-        <p:txBody>
-          <a:bodyPr/>
-          <a:lstStyle/>
-          <a:p>
-            <a:fld id="{4CE482DC-2269-4F26-9D2A-7E44B1A4CD85}" type="slidenum">
-              <a:rPr lang="en-US" smtClean="0"/>
-              <a:t>2</a:t>
-            </a:fld>
-            <a:endParaRPr lang="en-US" dirty="0"/>
-          </a:p>
-        </p:txBody>
-      </p:sp>
-    </p:spTree>
-    <p:extLst>
-      <p:ext uri="{BB962C8B-B14F-4D97-AF65-F5344CB8AC3E}">
-        <p14:creationId xmlns:p14="http://schemas.microsoft.com/office/powerpoint/2010/main" val="789424417"/>
-      </p:ext>
-    </p:extLst>
-  </p:cSld>
-  <p:clrMapOvr>
-    <a:masterClrMapping/>
-  </p:clrMapOvr>
-</p:sld>
-</file>
-
-<file path=ppt/slides/slide20.xml><?xml version="1.0" encoding="utf-8"?>
+<file path=ppt/slides/slide21.xml><?xml version="1.0" encoding="utf-8"?>
 <p:sld xmlns:a="http://schemas.openxmlformats.org/drawingml/2006/main" xmlns:r="http://schemas.openxmlformats.org/officeDocument/2006/relationships" xmlns:p="http://schemas.openxmlformats.org/presentationml/2006/main">
   <p:cSld>
     <p:bg>
@@ -7483,7 +7845,7 @@
                   <a:spcPts val="600"/>
                 </a:spcAft>
               </a:pPr>
-              <a:t>20</a:t>
+              <a:t>21</a:t>
             </a:fld>
             <a:endParaRPr lang="en-US" sz="1100">
               <a:solidFill>
@@ -7587,7 +7949,7 @@
 </p:sld>
 </file>
 
-<file path=ppt/slides/slide21.xml><?xml version="1.0" encoding="utf-8"?>
+<file path=ppt/slides/slide22.xml><?xml version="1.0" encoding="utf-8"?>
 <p:sld xmlns:a="http://schemas.openxmlformats.org/drawingml/2006/main" xmlns:r="http://schemas.openxmlformats.org/officeDocument/2006/relationships" xmlns:p="http://schemas.openxmlformats.org/presentationml/2006/main">
   <p:cSld>
     <p:bg>
@@ -7875,7 +8237,7 @@
                 </a:spcAft>
                 <a:defRPr/>
               </a:pPr>
-              <a:t>21</a:t>
+              <a:t>22</a:t>
             </a:fld>
             <a:endParaRPr lang="en-US" sz="1100">
               <a:solidFill>
@@ -7899,7 +8261,7 @@
 </p:sld>
 </file>
 
-<file path=ppt/slides/slide22.xml><?xml version="1.0" encoding="utf-8"?>
+<file path=ppt/slides/slide23.xml><?xml version="1.0" encoding="utf-8"?>
 <p:sld xmlns:a="http://schemas.openxmlformats.org/drawingml/2006/main" xmlns:r="http://schemas.openxmlformats.org/officeDocument/2006/relationships" xmlns:p="http://schemas.openxmlformats.org/presentationml/2006/main">
   <p:cSld>
     <p:spTree>
@@ -8007,7 +8369,7 @@
           <a:p>
             <a:fld id="{4FAB73BC-B049-4115-A692-8D63A059BFB8}" type="slidenum">
               <a:rPr lang="en-US" smtClean="0"/>
-              <a:t>22</a:t>
+              <a:t>23</a:t>
             </a:fld>
             <a:endParaRPr lang="en-US" dirty="0"/>
           </a:p>
@@ -8146,252 +8508,6 @@
 </p:sld>
 </file>
 
-<file path=ppt/slides/slide23.xml><?xml version="1.0" encoding="utf-8"?>
-<p:sld xmlns:a="http://schemas.openxmlformats.org/drawingml/2006/main" xmlns:r="http://schemas.openxmlformats.org/officeDocument/2006/relationships" xmlns:p="http://schemas.openxmlformats.org/presentationml/2006/main">
-  <p:cSld>
-    <p:spTree>
-      <p:nvGrpSpPr>
-        <p:cNvPr id="1" name=""/>
-        <p:cNvGrpSpPr/>
-        <p:nvPr/>
-      </p:nvGrpSpPr>
-      <p:grpSpPr>
-        <a:xfrm>
-          <a:off x="0" y="0"/>
-          <a:ext cx="0" cy="0"/>
-          <a:chOff x="0" y="0"/>
-          <a:chExt cx="0" cy="0"/>
-        </a:xfrm>
-      </p:grpSpPr>
-      <p:sp>
-        <p:nvSpPr>
-          <p:cNvPr id="2" name="Title 1"/>
-          <p:cNvSpPr>
-            <a:spLocks noGrp="1"/>
-          </p:cNvSpPr>
-          <p:nvPr>
-            <p:ph type="title"/>
-          </p:nvPr>
-        </p:nvSpPr>
-        <p:spPr/>
-        <p:txBody>
-          <a:bodyPr/>
-          <a:lstStyle/>
-          <a:p>
-            <a:r>
-              <a:rPr lang="en-US" dirty="0"/>
-              <a:t>Input</a:t>
-            </a:r>
-          </a:p>
-        </p:txBody>
-      </p:sp>
-      <p:sp>
-        <p:nvSpPr>
-          <p:cNvPr id="3" name="Content Placeholder 2"/>
-          <p:cNvSpPr>
-            <a:spLocks noGrp="1"/>
-          </p:cNvSpPr>
-          <p:nvPr>
-            <p:ph sz="half" idx="1"/>
-          </p:nvPr>
-        </p:nvSpPr>
-        <p:spPr/>
-        <p:txBody>
-          <a:bodyPr/>
-          <a:lstStyle/>
-          <a:p>
-            <a:r>
-              <a:rPr lang="en-US" dirty="0"/>
-              <a:t>Can be Voltage Divider Circuit</a:t>
-            </a:r>
-          </a:p>
-          <a:p>
-            <a:r>
-              <a:rPr lang="en-US" dirty="0"/>
-              <a:t>Can measure </a:t>
-            </a:r>
-            <a:r>
-              <a:rPr lang="en-US" dirty="0" err="1"/>
-              <a:t>Vout</a:t>
-            </a:r>
-            <a:r>
-              <a:rPr lang="en-US" dirty="0"/>
-              <a:t>… </a:t>
-            </a:r>
-          </a:p>
-          <a:p>
-            <a:pPr lvl="1"/>
-            <a:r>
-              <a:rPr lang="en-US" dirty="0"/>
-              <a:t>via analogue input on Arduino</a:t>
-            </a:r>
-          </a:p>
-          <a:p>
-            <a:pPr lvl="1"/>
-            <a:r>
-              <a:rPr lang="en-US" dirty="0"/>
-              <a:t>Required Analog to Digital converter on </a:t>
-            </a:r>
-            <a:r>
-              <a:rPr lang="en-US" dirty="0" err="1"/>
-              <a:t>RPi</a:t>
-            </a:r>
-            <a:r>
-              <a:rPr lang="en-US" dirty="0"/>
-              <a:t>. (unless you want it to act like a switch)</a:t>
-            </a:r>
-          </a:p>
-        </p:txBody>
-      </p:sp>
-      <p:pic>
-        <p:nvPicPr>
-          <p:cNvPr id="6" name="Content Placeholder 5" descr="20120307151629!Voltage_divider_schematic.png"/>
-          <p:cNvPicPr>
-            <a:picLocks noGrp="1" noChangeAspect="1"/>
-          </p:cNvPicPr>
-          <p:nvPr>
-            <p:ph sz="half" idx="2"/>
-          </p:nvPr>
-        </p:nvPicPr>
-        <p:blipFill>
-          <a:blip r:embed="rId2">
-            <a:extLst>
-              <a:ext uri="{28A0092B-C50C-407E-A947-70E740481C1C}">
-                <a14:useLocalDpi xmlns:a14="http://schemas.microsoft.com/office/drawing/2010/main" val="0"/>
-              </a:ext>
-            </a:extLst>
-          </a:blip>
-          <a:stretch>
-            <a:fillRect/>
-          </a:stretch>
-        </p:blipFill>
-        <p:spPr>
-          <a:xfrm>
-            <a:off x="6948315" y="837100"/>
-            <a:ext cx="3486150" cy="2924175"/>
-          </a:xfrm>
-        </p:spPr>
-      </p:pic>
-      <p:sp>
-        <p:nvSpPr>
-          <p:cNvPr id="5" name="Slide Number Placeholder 4"/>
-          <p:cNvSpPr>
-            <a:spLocks noGrp="1"/>
-          </p:cNvSpPr>
-          <p:nvPr>
-            <p:ph type="sldNum" sz="quarter" idx="12"/>
-          </p:nvPr>
-        </p:nvSpPr>
-        <p:spPr/>
-        <p:txBody>
-          <a:bodyPr/>
-          <a:lstStyle/>
-          <a:p>
-            <a:fld id="{4FAB73BC-B049-4115-A692-8D63A059BFB8}" type="slidenum">
-              <a:rPr lang="en-US" smtClean="0"/>
-              <a:t>23</a:t>
-            </a:fld>
-            <a:endParaRPr lang="en-US" dirty="0"/>
-          </a:p>
-        </p:txBody>
-      </p:sp>
-      <p:pic>
-        <p:nvPicPr>
-          <p:cNvPr id="7" name="Picture 6" descr="A picture containing object, clock, antenna&#10;&#10;Description automatically generated">
-            <a:extLst>
-              <a:ext uri="{FF2B5EF4-FFF2-40B4-BE49-F238E27FC236}">
-                <a16:creationId xmlns:a16="http://schemas.microsoft.com/office/drawing/2014/main" id="{BE73504D-3CC7-440B-8B17-42FD483B091F}"/>
-              </a:ext>
-            </a:extLst>
-          </p:cNvPr>
-          <p:cNvPicPr>
-            <a:picLocks noChangeAspect="1"/>
-          </p:cNvPicPr>
-          <p:nvPr/>
-        </p:nvPicPr>
-        <p:blipFill>
-          <a:blip r:embed="rId3">
-            <a:extLst>
-              <a:ext uri="{837473B0-CC2E-450A-ABE3-18F120FF3D39}">
-                <a1611:picAttrSrcUrl xmlns:a1611="http://schemas.microsoft.com/office/drawing/2016/11/main" r:id="rId4"/>
-              </a:ext>
-            </a:extLst>
-          </a:blip>
-          <a:stretch>
-            <a:fillRect/>
-          </a:stretch>
-        </p:blipFill>
-        <p:spPr>
-          <a:xfrm>
-            <a:off x="7926212" y="4576763"/>
-            <a:ext cx="1876425" cy="1600200"/>
-          </a:xfrm>
-          <a:prstGeom prst="rect">
-            <a:avLst/>
-          </a:prstGeom>
-        </p:spPr>
-      </p:pic>
-      <p:sp>
-        <p:nvSpPr>
-          <p:cNvPr id="8" name="TextBox 7">
-            <a:extLst>
-              <a:ext uri="{FF2B5EF4-FFF2-40B4-BE49-F238E27FC236}">
-                <a16:creationId xmlns:a16="http://schemas.microsoft.com/office/drawing/2014/main" id="{01347A29-9385-438F-BCA0-D3BA5210A23D}"/>
-              </a:ext>
-            </a:extLst>
-          </p:cNvPr>
-          <p:cNvSpPr txBox="1"/>
-          <p:nvPr/>
-        </p:nvSpPr>
-        <p:spPr>
-          <a:xfrm>
-            <a:off x="7926212" y="6176963"/>
-            <a:ext cx="1876425" cy="369332"/>
-          </a:xfrm>
-          <a:prstGeom prst="rect">
-            <a:avLst/>
-          </a:prstGeom>
-          <a:noFill/>
-        </p:spPr>
-        <p:txBody>
-          <a:bodyPr wrap="square" rtlCol="0">
-            <a:spAutoFit/>
-          </a:bodyPr>
-          <a:lstStyle/>
-          <a:p>
-            <a:r>
-              <a:rPr lang="en-IE" sz="900">
-                <a:hlinkClick r:id="rId4" tooltip="http://electronics.stackexchange.com/questions/33659/how-do-i-connect-a-photodiode"/>
-              </a:rPr>
-              <a:t>This Photo</a:t>
-            </a:r>
-            <a:r>
-              <a:rPr lang="en-IE" sz="900"/>
-              <a:t> by Unknown Author is licensed under </a:t>
-            </a:r>
-            <a:r>
-              <a:rPr lang="en-IE" sz="900">
-                <a:hlinkClick r:id="rId5" tooltip="https://creativecommons.org/licenses/by-sa/3.0/"/>
-              </a:rPr>
-              <a:t>CC BY-SA</a:t>
-            </a:r>
-            <a:endParaRPr lang="en-IE" sz="900"/>
-          </a:p>
-        </p:txBody>
-      </p:sp>
-    </p:spTree>
-    <p:extLst>
-      <p:ext uri="{BB962C8B-B14F-4D97-AF65-F5344CB8AC3E}">
-        <p14:creationId xmlns:p14="http://schemas.microsoft.com/office/powerpoint/2010/main" val="1737999354"/>
-      </p:ext>
-    </p:extLst>
-  </p:cSld>
-  <p:clrMapOvr>
-    <a:masterClrMapping/>
-  </p:clrMapOvr>
-</p:sld>
-</file>
-
 <file path=ppt/slides/slide24.xml><?xml version="1.0" encoding="utf-8"?>
 <p:sld xmlns:a="http://schemas.openxmlformats.org/drawingml/2006/main" xmlns:r="http://schemas.openxmlformats.org/officeDocument/2006/relationships" xmlns:p="http://schemas.openxmlformats.org/presentationml/2006/main">
   <p:cSld>
@@ -8426,7 +8542,7 @@
           <a:p>
             <a:r>
               <a:rPr lang="en-US" dirty="0"/>
-              <a:t>Pulse With Modulation</a:t>
+              <a:t>Input</a:t>
             </a:r>
           </a:p>
         </p:txBody>
@@ -8438,7 +8554,7 @@
             <a:spLocks noGrp="1"/>
           </p:cNvSpPr>
           <p:nvPr>
-            <p:ph idx="1"/>
+            <p:ph sz="half" idx="1"/>
           </p:nvPr>
         </p:nvSpPr>
         <p:spPr/>
@@ -8446,29 +8562,78 @@
           <a:bodyPr/>
           <a:lstStyle/>
           <a:p>
-            <a:endParaRPr lang="en-US"/>
-          </a:p>
-        </p:txBody>
-      </p:sp>
-      <p:sp>
-        <p:nvSpPr>
-          <p:cNvPr id="4" name="Text Placeholder 3"/>
-          <p:cNvSpPr>
-            <a:spLocks noGrp="1"/>
-          </p:cNvSpPr>
-          <p:nvPr>
-            <p:ph type="body" sz="half" idx="2"/>
-          </p:nvPr>
-        </p:nvSpPr>
-        <p:spPr/>
-        <p:txBody>
-          <a:bodyPr/>
-          <a:lstStyle/>
-          <a:p>
-            <a:endParaRPr lang="en-US"/>
-          </a:p>
-        </p:txBody>
-      </p:sp>
+            <a:r>
+              <a:rPr lang="en-US" dirty="0"/>
+              <a:t>Can be Voltage Divider Circuit</a:t>
+            </a:r>
+          </a:p>
+          <a:p>
+            <a:r>
+              <a:rPr lang="en-US" dirty="0"/>
+              <a:t>Can measure </a:t>
+            </a:r>
+            <a:r>
+              <a:rPr lang="en-US" dirty="0" err="1"/>
+              <a:t>Vout</a:t>
+            </a:r>
+            <a:r>
+              <a:rPr lang="en-US" dirty="0"/>
+              <a:t>… </a:t>
+            </a:r>
+          </a:p>
+          <a:p>
+            <a:pPr lvl="1"/>
+            <a:r>
+              <a:rPr lang="en-US" dirty="0"/>
+              <a:t>via analogue input on Arduino</a:t>
+            </a:r>
+          </a:p>
+          <a:p>
+            <a:pPr lvl="1"/>
+            <a:r>
+              <a:rPr lang="en-US" dirty="0"/>
+              <a:t>Required Analog to Digital converter on </a:t>
+            </a:r>
+            <a:r>
+              <a:rPr lang="en-US" dirty="0" err="1"/>
+              <a:t>RPi</a:t>
+            </a:r>
+            <a:r>
+              <a:rPr lang="en-US" dirty="0"/>
+              <a:t>. (unless you want it to act like a switch)</a:t>
+            </a:r>
+          </a:p>
+        </p:txBody>
+      </p:sp>
+      <p:pic>
+        <p:nvPicPr>
+          <p:cNvPr id="6" name="Content Placeholder 5" descr="20120307151629!Voltage_divider_schematic.png"/>
+          <p:cNvPicPr>
+            <a:picLocks noGrp="1" noChangeAspect="1"/>
+          </p:cNvPicPr>
+          <p:nvPr>
+            <p:ph sz="half" idx="2"/>
+          </p:nvPr>
+        </p:nvPicPr>
+        <p:blipFill>
+          <a:blip r:embed="rId2">
+            <a:extLst>
+              <a:ext uri="{28A0092B-C50C-407E-A947-70E740481C1C}">
+                <a14:useLocalDpi xmlns:a14="http://schemas.microsoft.com/office/drawing/2010/main" val="0"/>
+              </a:ext>
+            </a:extLst>
+          </a:blip>
+          <a:stretch>
+            <a:fillRect/>
+          </a:stretch>
+        </p:blipFill>
+        <p:spPr>
+          <a:xfrm>
+            <a:off x="6948315" y="837100"/>
+            <a:ext cx="3486150" cy="2924175"/>
+          </a:xfrm>
+        </p:spPr>
+      </p:pic>
       <p:sp>
         <p:nvSpPr>
           <p:cNvPr id="5" name="Slide Number Placeholder 4"/>
@@ -8486,17 +8651,100 @@
           <a:p>
             <a:fld id="{4FAB73BC-B049-4115-A692-8D63A059BFB8}" type="slidenum">
               <a:rPr lang="en-US" smtClean="0"/>
-              <a:pPr/>
               <a:t>24</a:t>
             </a:fld>
             <a:endParaRPr lang="en-US" dirty="0"/>
           </a:p>
         </p:txBody>
       </p:sp>
+      <p:pic>
+        <p:nvPicPr>
+          <p:cNvPr id="7" name="Picture 6" descr="A picture containing object, clock, antenna&#10;&#10;Description automatically generated">
+            <a:extLst>
+              <a:ext uri="{FF2B5EF4-FFF2-40B4-BE49-F238E27FC236}">
+                <a16:creationId xmlns:a16="http://schemas.microsoft.com/office/drawing/2014/main" id="{BE73504D-3CC7-440B-8B17-42FD483B091F}"/>
+              </a:ext>
+            </a:extLst>
+          </p:cNvPr>
+          <p:cNvPicPr>
+            <a:picLocks noChangeAspect="1"/>
+          </p:cNvPicPr>
+          <p:nvPr/>
+        </p:nvPicPr>
+        <p:blipFill>
+          <a:blip r:embed="rId3">
+            <a:extLst>
+              <a:ext uri="{837473B0-CC2E-450A-ABE3-18F120FF3D39}">
+                <a1611:picAttrSrcUrl xmlns:a1611="http://schemas.microsoft.com/office/drawing/2016/11/main" r:id="rId4"/>
+              </a:ext>
+            </a:extLst>
+          </a:blip>
+          <a:stretch>
+            <a:fillRect/>
+          </a:stretch>
+        </p:blipFill>
+        <p:spPr>
+          <a:xfrm>
+            <a:off x="7926212" y="4576763"/>
+            <a:ext cx="1876425" cy="1600200"/>
+          </a:xfrm>
+          <a:prstGeom prst="rect">
+            <a:avLst/>
+          </a:prstGeom>
+        </p:spPr>
+      </p:pic>
+      <p:sp>
+        <p:nvSpPr>
+          <p:cNvPr id="8" name="TextBox 7">
+            <a:extLst>
+              <a:ext uri="{FF2B5EF4-FFF2-40B4-BE49-F238E27FC236}">
+                <a16:creationId xmlns:a16="http://schemas.microsoft.com/office/drawing/2014/main" id="{01347A29-9385-438F-BCA0-D3BA5210A23D}"/>
+              </a:ext>
+            </a:extLst>
+          </p:cNvPr>
+          <p:cNvSpPr txBox="1"/>
+          <p:nvPr/>
+        </p:nvSpPr>
+        <p:spPr>
+          <a:xfrm>
+            <a:off x="7926212" y="6176963"/>
+            <a:ext cx="1876425" cy="369332"/>
+          </a:xfrm>
+          <a:prstGeom prst="rect">
+            <a:avLst/>
+          </a:prstGeom>
+          <a:noFill/>
+        </p:spPr>
+        <p:txBody>
+          <a:bodyPr wrap="square" rtlCol="0">
+            <a:spAutoFit/>
+          </a:bodyPr>
+          <a:lstStyle/>
+          <a:p>
+            <a:r>
+              <a:rPr lang="en-IE" sz="900">
+                <a:hlinkClick r:id="rId4" tooltip="http://electronics.stackexchange.com/questions/33659/how-do-i-connect-a-photodiode"/>
+              </a:rPr>
+              <a:t>This Photo</a:t>
+            </a:r>
+            <a:r>
+              <a:rPr lang="en-IE" sz="900"/>
+              <a:t> by Unknown Author is licensed under </a:t>
+            </a:r>
+            <a:r>
+              <a:rPr lang="en-IE" sz="900">
+                <a:hlinkClick r:id="rId5" tooltip="https://creativecommons.org/licenses/by-sa/3.0/"/>
+              </a:rPr>
+              <a:t>CC BY-SA</a:t>
+            </a:r>
+            <a:endParaRPr lang="en-IE" sz="900"/>
+          </a:p>
+        </p:txBody>
+      </p:sp>
     </p:spTree>
     <p:extLst>
       <p:ext uri="{BB962C8B-B14F-4D97-AF65-F5344CB8AC3E}">
-        <p14:creationId xmlns:p14="http://schemas.microsoft.com/office/powerpoint/2010/main" val="535809448"/>
+        <p14:creationId xmlns:p14="http://schemas.microsoft.com/office/powerpoint/2010/main" val="1737999354"/>
       </p:ext>
     </p:extLst>
   </p:cSld>
@@ -8525,7 +8773,7 @@
       </p:grpSpPr>
       <p:sp>
         <p:nvSpPr>
-          <p:cNvPr id="6" name="Title 5"/>
+          <p:cNvPr id="2" name="Title 1"/>
           <p:cNvSpPr>
             <a:spLocks noGrp="1"/>
           </p:cNvSpPr>
@@ -8540,19 +8788,19 @@
           <a:p>
             <a:r>
               <a:rPr lang="en-US" dirty="0"/>
-              <a:t>Pulse Width</a:t>
-            </a:r>
-          </a:p>
-        </p:txBody>
-      </p:sp>
-      <p:sp>
-        <p:nvSpPr>
-          <p:cNvPr id="8" name="Content Placeholder 7"/>
-          <p:cNvSpPr>
-            <a:spLocks noGrp="1"/>
-          </p:cNvSpPr>
-          <p:nvPr>
-            <p:ph sz="half" idx="1"/>
+              <a:t>Pulse With Modulation</a:t>
+            </a:r>
+          </a:p>
+        </p:txBody>
+      </p:sp>
+      <p:sp>
+        <p:nvSpPr>
+          <p:cNvPr id="3" name="Content Placeholder 2"/>
+          <p:cNvSpPr>
+            <a:spLocks noGrp="1"/>
+          </p:cNvSpPr>
+          <p:nvPr>
+            <p:ph idx="1"/>
           </p:nvPr>
         </p:nvSpPr>
         <p:spPr/>
@@ -8560,103 +8808,29 @@
           <a:bodyPr/>
           <a:lstStyle/>
           <a:p>
-            <a:r>
-              <a:rPr lang="en-US" dirty="0"/>
-              <a:t>We set the % of “high” cycle</a:t>
-            </a:r>
-          </a:p>
-          <a:p>
-            <a:pPr lvl="1"/>
-            <a:r>
-              <a:rPr lang="en-US" dirty="0"/>
-              <a:t>0 – 0%</a:t>
-            </a:r>
-          </a:p>
-          <a:p>
-            <a:pPr lvl="1"/>
-            <a:r>
-              <a:rPr lang="en-US" dirty="0"/>
-              <a:t>255 – 100%</a:t>
-            </a:r>
-          </a:p>
-          <a:p>
-            <a:pPr lvl="2"/>
-            <a:r>
-              <a:rPr lang="en-US" dirty="0"/>
-              <a:t>Depends on the library</a:t>
-            </a:r>
-          </a:p>
-          <a:p>
-            <a:r>
-              <a:rPr lang="en-US" dirty="0"/>
-              <a:t>Implementation</a:t>
-            </a:r>
-          </a:p>
-          <a:p>
-            <a:pPr lvl="1"/>
-            <a:r>
-              <a:rPr lang="en-US" dirty="0"/>
-              <a:t>Hardware</a:t>
-            </a:r>
-          </a:p>
-          <a:p>
-            <a:pPr lvl="1"/>
-            <a:r>
-              <a:rPr lang="en-US" dirty="0"/>
-              <a:t>Software</a:t>
-            </a:r>
-          </a:p>
-          <a:p>
-            <a:r>
-              <a:rPr lang="en-US" dirty="0"/>
-              <a:t>Usage</a:t>
-            </a:r>
-          </a:p>
-          <a:p>
-            <a:pPr lvl="1"/>
-            <a:r>
-              <a:rPr lang="en-US" dirty="0"/>
-              <a:t>LED dimming</a:t>
-            </a:r>
-          </a:p>
-          <a:p>
-            <a:pPr lvl="1"/>
-            <a:r>
-              <a:rPr lang="en-US" dirty="0"/>
-              <a:t>Servo Motors</a:t>
-            </a:r>
-          </a:p>
-        </p:txBody>
-      </p:sp>
-      <p:pic>
-        <p:nvPicPr>
-          <p:cNvPr id="10" name="Content Placeholder 3" descr="pwm.gif"/>
-          <p:cNvPicPr>
-            <a:picLocks noGrp="1" noChangeAspect="1"/>
-          </p:cNvPicPr>
-          <p:nvPr>
-            <p:ph sz="half" idx="2"/>
-          </p:nvPr>
-        </p:nvPicPr>
-        <p:blipFill>
-          <a:blip r:embed="rId2">
-            <a:extLst>
-              <a:ext uri="{28A0092B-C50C-407E-A947-70E740481C1C}">
-                <a14:useLocalDpi xmlns:a14="http://schemas.microsoft.com/office/drawing/2010/main" val="0"/>
-              </a:ext>
-            </a:extLst>
-          </a:blip>
-          <a:stretch>
-            <a:fillRect/>
-          </a:stretch>
-        </p:blipFill>
-        <p:spPr>
-          <a:xfrm>
-            <a:off x="6858000" y="1915319"/>
-            <a:ext cx="3810000" cy="4171950"/>
-          </a:xfrm>
-        </p:spPr>
-      </p:pic>
+            <a:endParaRPr lang="en-US"/>
+          </a:p>
+        </p:txBody>
+      </p:sp>
+      <p:sp>
+        <p:nvSpPr>
+          <p:cNvPr id="4" name="Text Placeholder 3"/>
+          <p:cNvSpPr>
+            <a:spLocks noGrp="1"/>
+          </p:cNvSpPr>
+          <p:nvPr>
+            <p:ph type="body" sz="half" idx="2"/>
+          </p:nvPr>
+        </p:nvSpPr>
+        <p:spPr/>
+        <p:txBody>
+          <a:bodyPr/>
+          <a:lstStyle/>
+          <a:p>
+            <a:endParaRPr lang="en-US"/>
+          </a:p>
+        </p:txBody>
+      </p:sp>
       <p:sp>
         <p:nvSpPr>
           <p:cNvPr id="5" name="Slide Number Placeholder 4"/>
@@ -8684,7 +8858,7 @@
     </p:spTree>
     <p:extLst>
       <p:ext uri="{BB962C8B-B14F-4D97-AF65-F5344CB8AC3E}">
-        <p14:creationId xmlns:p14="http://schemas.microsoft.com/office/powerpoint/2010/main" val="4067622455"/>
+        <p14:creationId xmlns:p14="http://schemas.microsoft.com/office/powerpoint/2010/main" val="535809448"/>
       </p:ext>
     </p:extLst>
   </p:cSld>
@@ -8713,7 +8887,7 @@
       </p:grpSpPr>
       <p:sp>
         <p:nvSpPr>
-          <p:cNvPr id="2" name="Title 1"/>
+          <p:cNvPr id="6" name="Title 5"/>
           <p:cNvSpPr>
             <a:spLocks noGrp="1"/>
           </p:cNvSpPr>
@@ -8728,49 +8902,133 @@
           <a:p>
             <a:r>
               <a:rPr lang="en-US" dirty="0"/>
-              <a:t>Analog to Digital Converters</a:t>
-            </a:r>
-          </a:p>
-        </p:txBody>
-      </p:sp>
-      <p:sp>
-        <p:nvSpPr>
-          <p:cNvPr id="3" name="Content Placeholder 2"/>
-          <p:cNvSpPr>
-            <a:spLocks noGrp="1"/>
-          </p:cNvSpPr>
-          <p:nvPr>
-            <p:ph idx="1"/>
+              <a:t>Pulse Width</a:t>
+            </a:r>
+          </a:p>
+        </p:txBody>
+      </p:sp>
+      <p:sp>
+        <p:nvSpPr>
+          <p:cNvPr id="8" name="Content Placeholder 7"/>
+          <p:cNvSpPr>
+            <a:spLocks noGrp="1"/>
+          </p:cNvSpPr>
+          <p:nvPr>
+            <p:ph sz="half" idx="1"/>
           </p:nvPr>
         </p:nvSpPr>
         <p:spPr/>
         <p:txBody>
-          <a:bodyPr/>
-          <a:lstStyle/>
-          <a:p>
-            <a:endParaRPr lang="en-US" dirty="0"/>
-          </a:p>
-        </p:txBody>
-      </p:sp>
-      <p:sp>
-        <p:nvSpPr>
-          <p:cNvPr id="4" name="Text Placeholder 3"/>
-          <p:cNvSpPr>
-            <a:spLocks noGrp="1"/>
-          </p:cNvSpPr>
-          <p:nvPr>
-            <p:ph type="body" sz="half" idx="2"/>
-          </p:nvPr>
-        </p:nvSpPr>
-        <p:spPr/>
-        <p:txBody>
-          <a:bodyPr/>
-          <a:lstStyle/>
-          <a:p>
-            <a:endParaRPr lang="en-US"/>
-          </a:p>
-        </p:txBody>
-      </p:sp>
+          <a:bodyPr>
+            <a:normAutofit lnSpcReduction="10000"/>
+          </a:bodyPr>
+          <a:lstStyle/>
+          <a:p>
+            <a:r>
+              <a:rPr lang="en-US" dirty="0"/>
+              <a:t>We set the % of “high” cycle</a:t>
+            </a:r>
+          </a:p>
+          <a:p>
+            <a:pPr lvl="1"/>
+            <a:r>
+              <a:rPr lang="en-US" dirty="0"/>
+              <a:t>0 – 0%</a:t>
+            </a:r>
+          </a:p>
+          <a:p>
+            <a:pPr lvl="1"/>
+            <a:r>
+              <a:rPr lang="en-US" dirty="0"/>
+              <a:t>255 – 100%</a:t>
+            </a:r>
+          </a:p>
+          <a:p>
+            <a:pPr lvl="2"/>
+            <a:r>
+              <a:rPr lang="en-US" dirty="0"/>
+              <a:t>Typical for </a:t>
+            </a:r>
+            <a:r>
+              <a:rPr lang="en-US"/>
+              <a:t>Arduino. Depends </a:t>
+            </a:r>
+            <a:r>
+              <a:rPr lang="en-US" dirty="0"/>
+              <a:t>on the library</a:t>
+            </a:r>
+          </a:p>
+          <a:p>
+            <a:r>
+              <a:rPr lang="en-US" dirty="0"/>
+              <a:t>Implementation</a:t>
+            </a:r>
+          </a:p>
+          <a:p>
+            <a:pPr lvl="1"/>
+            <a:r>
+              <a:rPr lang="en-US" dirty="0"/>
+              <a:t>Hardware</a:t>
+            </a:r>
+          </a:p>
+          <a:p>
+            <a:pPr lvl="1"/>
+            <a:r>
+              <a:rPr lang="en-US" dirty="0"/>
+              <a:t>Software</a:t>
+            </a:r>
+          </a:p>
+          <a:p>
+            <a:r>
+              <a:rPr lang="en-US" dirty="0"/>
+              <a:t>Usage</a:t>
+            </a:r>
+          </a:p>
+          <a:p>
+            <a:pPr lvl="1"/>
+            <a:r>
+              <a:rPr lang="en-US" dirty="0"/>
+              <a:t>LED dimming</a:t>
+            </a:r>
+          </a:p>
+          <a:p>
+            <a:pPr lvl="1"/>
+            <a:r>
+              <a:rPr lang="en-US" dirty="0"/>
+              <a:t>Servo Motors</a:t>
+            </a:r>
+          </a:p>
+        </p:txBody>
+      </p:sp>
+      <p:pic>
+        <p:nvPicPr>
+          <p:cNvPr id="10" name="Content Placeholder 3" descr="pwm.gif"/>
+          <p:cNvPicPr>
+            <a:picLocks noGrp="1" noChangeAspect="1"/>
+          </p:cNvPicPr>
+          <p:nvPr>
+            <p:ph sz="half" idx="2"/>
+          </p:nvPr>
+        </p:nvPicPr>
+        <p:blipFill>
+          <a:blip r:embed="rId3">
+            <a:extLst>
+              <a:ext uri="{28A0092B-C50C-407E-A947-70E740481C1C}">
+                <a14:useLocalDpi xmlns:a14="http://schemas.microsoft.com/office/drawing/2010/main" val="0"/>
+              </a:ext>
+            </a:extLst>
+          </a:blip>
+          <a:stretch>
+            <a:fillRect/>
+          </a:stretch>
+        </p:blipFill>
+        <p:spPr>
+          <a:xfrm>
+            <a:off x="6858000" y="1915319"/>
+            <a:ext cx="3810000" cy="4171950"/>
+          </a:xfrm>
+        </p:spPr>
+      </p:pic>
       <p:sp>
         <p:nvSpPr>
           <p:cNvPr id="5" name="Slide Number Placeholder 4"/>
@@ -8795,10 +9053,91 @@
           </a:p>
         </p:txBody>
       </p:sp>
+      <p:sp>
+        <p:nvSpPr>
+          <p:cNvPr id="3" name="TextBox 2">
+            <a:extLst>
+              <a:ext uri="{FF2B5EF4-FFF2-40B4-BE49-F238E27FC236}">
+                <a16:creationId xmlns:a16="http://schemas.microsoft.com/office/drawing/2014/main" id="{6BC3E0BA-5E39-1546-07AB-CCB414707734}"/>
+              </a:ext>
+            </a:extLst>
+          </p:cNvPr>
+          <p:cNvSpPr txBox="1"/>
+          <p:nvPr/>
+        </p:nvSpPr>
+        <p:spPr>
+          <a:xfrm>
+            <a:off x="5098774" y="381575"/>
+            <a:ext cx="6096946" cy="646331"/>
+          </a:xfrm>
+          <a:prstGeom prst="rect">
+            <a:avLst/>
+          </a:prstGeom>
+          <a:noFill/>
+        </p:spPr>
+        <p:txBody>
+          <a:bodyPr wrap="square">
+            <a:spAutoFit/>
+          </a:bodyPr>
+          <a:lstStyle/>
+          <a:p>
+            <a:r>
+              <a:rPr lang="en-GB" b="0" i="0" dirty="0">
+                <a:solidFill>
+                  <a:srgbClr val="000000"/>
+                </a:solidFill>
+                <a:effectLst/>
+                <a:latin typeface="Open Sans" panose="020B0606030504020204" pitchFamily="34" charset="0"/>
+              </a:rPr>
+              <a:t>Arduino's PWM frequency at about 500Hz, the green lines would measure 2 milliseconds each.</a:t>
+            </a:r>
+            <a:endParaRPr lang="en-IE" dirty="0"/>
+          </a:p>
+        </p:txBody>
+      </p:sp>
+      <p:cxnSp>
+        <p:nvCxnSpPr>
+          <p:cNvPr id="7" name="Straight Arrow Connector 6">
+            <a:extLst>
+              <a:ext uri="{FF2B5EF4-FFF2-40B4-BE49-F238E27FC236}">
+                <a16:creationId xmlns:a16="http://schemas.microsoft.com/office/drawing/2014/main" id="{9CB4A1BB-9C2F-984B-4B9A-00730615F3D9}"/>
+              </a:ext>
+            </a:extLst>
+          </p:cNvPr>
+          <p:cNvCxnSpPr/>
+          <p:nvPr/>
+        </p:nvCxnSpPr>
+        <p:spPr>
+          <a:xfrm>
+            <a:off x="6236094" y="1118862"/>
+            <a:ext cx="937118" cy="1113183"/>
+          </a:xfrm>
+          <a:prstGeom prst="straightConnector1">
+            <a:avLst/>
+          </a:prstGeom>
+          <a:ln>
+            <a:tailEnd type="triangle"/>
+          </a:ln>
+        </p:spPr>
+        <p:style>
+          <a:lnRef idx="1">
+            <a:schemeClr val="accent1"/>
+          </a:lnRef>
+          <a:fillRef idx="0">
+            <a:schemeClr val="accent1"/>
+          </a:fillRef>
+          <a:effectRef idx="0">
+            <a:schemeClr val="accent1"/>
+          </a:effectRef>
+          <a:fontRef idx="minor">
+            <a:schemeClr val="tx1"/>
+          </a:fontRef>
+        </p:style>
+      </p:cxnSp>
     </p:spTree>
     <p:extLst>
       <p:ext uri="{BB962C8B-B14F-4D97-AF65-F5344CB8AC3E}">
-        <p14:creationId xmlns:p14="http://schemas.microsoft.com/office/powerpoint/2010/main" val="1755601378"/>
+        <p14:creationId xmlns:p14="http://schemas.microsoft.com/office/powerpoint/2010/main" val="4067622455"/>
       </p:ext>
     </p:extLst>
   </p:cSld>
@@ -8842,7 +9181,7 @@
           <a:p>
             <a:r>
               <a:rPr lang="en-US" dirty="0"/>
-              <a:t>Analog and Digital Converters</a:t>
+              <a:t>Microcontrollers and Computers</a:t>
             </a:r>
           </a:p>
         </p:txBody>
@@ -8854,7 +9193,7 @@
             <a:spLocks noGrp="1"/>
           </p:cNvSpPr>
           <p:nvPr>
-            <p:ph sz="half" idx="1"/>
+            <p:ph idx="1"/>
           </p:nvPr>
         </p:nvSpPr>
         <p:spPr/>
@@ -8862,75 +9201,32 @@
           <a:bodyPr/>
           <a:lstStyle/>
           <a:p>
-            <a:r>
-              <a:rPr lang="en-US" dirty="0"/>
-              <a:t>Measure voltage</a:t>
-            </a:r>
-          </a:p>
-          <a:p>
-            <a:r>
-              <a:rPr lang="en-US" dirty="0"/>
-              <a:t>Parameters</a:t>
-            </a:r>
-          </a:p>
-          <a:p>
-            <a:pPr lvl="1"/>
-            <a:r>
-              <a:rPr lang="en-US" dirty="0"/>
-              <a:t>Bits per sample</a:t>
-            </a:r>
-          </a:p>
-          <a:p>
-            <a:pPr lvl="1"/>
-            <a:r>
-              <a:rPr lang="en-US" dirty="0"/>
-              <a:t>Sampling rate</a:t>
-            </a:r>
-          </a:p>
-          <a:p>
-            <a:r>
-              <a:rPr lang="en-US" dirty="0"/>
-              <a:t>For 1 bit we have …</a:t>
-            </a:r>
-          </a:p>
-          <a:p>
-            <a:endParaRPr lang="en-US" dirty="0"/>
-          </a:p>
-        </p:txBody>
-      </p:sp>
-      <p:pic>
-        <p:nvPicPr>
-          <p:cNvPr id="12" name="Content Placeholder 11" descr="Analog-Digital frequency examples.png"/>
-          <p:cNvPicPr>
-            <a:picLocks noGrp="1" noChangeAspect="1"/>
-          </p:cNvPicPr>
-          <p:nvPr>
-            <p:ph sz="half" idx="2"/>
-          </p:nvPr>
-        </p:nvPicPr>
-        <p:blipFill>
-          <a:blip r:embed="rId2">
-            <a:extLst>
-              <a:ext uri="{28A0092B-C50C-407E-A947-70E740481C1C}">
-                <a14:useLocalDpi xmlns:a14="http://schemas.microsoft.com/office/drawing/2010/main" val="0"/>
-              </a:ext>
-            </a:extLst>
-          </a:blip>
-          <a:srcRect t="-654" b="-654"/>
-          <a:stretch>
-            <a:fillRect/>
-          </a:stretch>
-        </p:blipFill>
-        <p:spPr>
-          <a:xfrm>
-            <a:off x="4656667" y="1846263"/>
-            <a:ext cx="6498696" cy="4022725"/>
-          </a:xfrm>
-        </p:spPr>
-      </p:pic>
-      <p:sp>
-        <p:nvSpPr>
-          <p:cNvPr id="6" name="Slide Number Placeholder 5"/>
+            <a:endParaRPr lang="en-US"/>
+          </a:p>
+        </p:txBody>
+      </p:sp>
+      <p:sp>
+        <p:nvSpPr>
+          <p:cNvPr id="4" name="Text Placeholder 3"/>
+          <p:cNvSpPr>
+            <a:spLocks noGrp="1"/>
+          </p:cNvSpPr>
+          <p:nvPr>
+            <p:ph type="body" sz="half" idx="2"/>
+          </p:nvPr>
+        </p:nvSpPr>
+        <p:spPr/>
+        <p:txBody>
+          <a:bodyPr/>
+          <a:lstStyle/>
+          <a:p>
+            <a:endParaRPr lang="en-US"/>
+          </a:p>
+        </p:txBody>
+      </p:sp>
+      <p:sp>
+        <p:nvSpPr>
+          <p:cNvPr id="5" name="Slide Number Placeholder 4"/>
           <p:cNvSpPr>
             <a:spLocks noGrp="1"/>
           </p:cNvSpPr>
@@ -8945,57 +9241,17 @@
           <a:p>
             <a:fld id="{4FAB73BC-B049-4115-A692-8D63A059BFB8}" type="slidenum">
               <a:rPr lang="en-US" smtClean="0"/>
+              <a:pPr/>
               <a:t>27</a:t>
             </a:fld>
             <a:endParaRPr lang="en-US" dirty="0"/>
           </a:p>
         </p:txBody>
       </p:sp>
-      <p:sp>
-        <p:nvSpPr>
-          <p:cNvPr id="8" name="Rectangle 7"/>
-          <p:cNvSpPr/>
-          <p:nvPr/>
-        </p:nvSpPr>
-        <p:spPr>
-          <a:xfrm>
-            <a:off x="6233584" y="6005668"/>
-            <a:ext cx="5810249" cy="249082"/>
-          </a:xfrm>
-          <a:prstGeom prst="rect">
-            <a:avLst/>
-          </a:prstGeom>
-        </p:spPr>
-        <p:txBody>
-          <a:bodyPr wrap="square">
-            <a:spAutoFit/>
-          </a:bodyPr>
-          <a:lstStyle/>
-          <a:p>
-            <a:r>
-              <a:rPr lang="en-US" sz="1000" dirty="0"/>
-              <a:t>Image from http://</a:t>
-            </a:r>
-            <a:r>
-              <a:rPr lang="en-US" sz="1000" dirty="0" err="1"/>
-              <a:t>www.centerpointaudio.com</a:t>
-            </a:r>
-            <a:r>
-              <a:rPr lang="en-US" sz="1000" dirty="0"/>
-              <a:t>/Analog-VS-</a:t>
-            </a:r>
-            <a:r>
-              <a:rPr lang="en-US" sz="1000" dirty="0" err="1"/>
-              <a:t>Digital.aspx</a:t>
-            </a:r>
-            <a:endParaRPr lang="en-US" sz="1000" dirty="0"/>
-          </a:p>
-        </p:txBody>
-      </p:sp>
     </p:spTree>
     <p:extLst>
       <p:ext uri="{BB962C8B-B14F-4D97-AF65-F5344CB8AC3E}">
-        <p14:creationId xmlns:p14="http://schemas.microsoft.com/office/powerpoint/2010/main" val="3317559895"/>
+        <p14:creationId xmlns:p14="http://schemas.microsoft.com/office/powerpoint/2010/main" val="1660382598"/>
       </p:ext>
     </p:extLst>
   </p:cSld>
@@ -9034,83 +9290,25 @@
         </p:nvSpPr>
         <p:spPr/>
         <p:txBody>
-          <a:bodyPr/>
+          <a:bodyPr>
+            <a:normAutofit/>
+          </a:bodyPr>
           <a:lstStyle/>
           <a:p>
             <a:r>
               <a:rPr lang="en-US" dirty="0"/>
-              <a:t>Analog and Digital Converters</a:t>
-            </a:r>
-          </a:p>
-        </p:txBody>
-      </p:sp>
-      <p:sp>
-        <p:nvSpPr>
-          <p:cNvPr id="3" name="Content Placeholder 2"/>
-          <p:cNvSpPr>
-            <a:spLocks noGrp="1"/>
-          </p:cNvSpPr>
-          <p:nvPr>
-            <p:ph sz="half" idx="1"/>
-          </p:nvPr>
-        </p:nvSpPr>
-        <p:spPr/>
-        <p:txBody>
-          <a:bodyPr/>
-          <a:lstStyle/>
-          <a:p>
-            <a:r>
-              <a:rPr lang="en-US" dirty="0"/>
-              <a:t>Measure voltage</a:t>
-            </a:r>
-          </a:p>
-          <a:p>
-            <a:r>
-              <a:rPr lang="en-US" dirty="0"/>
-              <a:t>Parameters</a:t>
-            </a:r>
-          </a:p>
-          <a:p>
-            <a:pPr lvl="1"/>
-            <a:r>
-              <a:rPr lang="en-US" dirty="0"/>
-              <a:t>Bits per sample</a:t>
-            </a:r>
-          </a:p>
-          <a:p>
-            <a:pPr lvl="1"/>
-            <a:r>
-              <a:rPr lang="en-US" dirty="0"/>
-              <a:t>Sampling rate</a:t>
-            </a:r>
-          </a:p>
-          <a:p>
-            <a:r>
-              <a:rPr lang="en-US" dirty="0"/>
-              <a:t>For 1 bit we have …</a:t>
-            </a:r>
-          </a:p>
-          <a:p>
-            <a:pPr lvl="1"/>
-            <a:r>
-              <a:rPr lang="en-US" dirty="0"/>
-              <a:t>GPIO Input</a:t>
-            </a:r>
-          </a:p>
-          <a:p>
-            <a:endParaRPr lang="en-US" dirty="0"/>
+              <a:t>Microcontrollers and computers</a:t>
+            </a:r>
           </a:p>
         </p:txBody>
       </p:sp>
       <p:pic>
         <p:nvPicPr>
-          <p:cNvPr id="12" name="Content Placeholder 11" descr="Analog-Digital frequency examples.png"/>
+          <p:cNvPr id="5" name="Picture 3"/>
           <p:cNvPicPr>
-            <a:picLocks noGrp="1" noChangeAspect="1"/>
+            <a:picLocks noChangeAspect="1" noChangeArrowheads="1"/>
           </p:cNvPicPr>
-          <p:nvPr>
-            <p:ph sz="half" idx="2"/>
-          </p:nvPr>
+          <p:nvPr/>
         </p:nvPicPr>
         <p:blipFill>
           <a:blip r:embed="rId2">
@@ -9120,290 +9318,159 @@
               </a:ext>
             </a:extLst>
           </a:blip>
-          <a:srcRect t="-654" b="-654"/>
+          <a:srcRect/>
           <a:stretch>
             <a:fillRect/>
           </a:stretch>
         </p:blipFill>
-        <p:spPr>
+        <p:spPr bwMode="auto">
           <a:xfrm>
-            <a:off x="4656667" y="1846263"/>
-            <a:ext cx="6498696" cy="4022725"/>
-          </a:xfrm>
-        </p:spPr>
-      </p:pic>
-      <p:sp>
-        <p:nvSpPr>
-          <p:cNvPr id="6" name="Slide Number Placeholder 5"/>
-          <p:cNvSpPr>
-            <a:spLocks noGrp="1"/>
-          </p:cNvSpPr>
-          <p:nvPr>
-            <p:ph type="sldNum" sz="quarter" idx="12"/>
-          </p:nvPr>
-        </p:nvSpPr>
-        <p:spPr/>
-        <p:txBody>
-          <a:bodyPr/>
-          <a:lstStyle/>
-          <a:p>
-            <a:fld id="{4FAB73BC-B049-4115-A692-8D63A059BFB8}" type="slidenum">
-              <a:rPr lang="en-US" smtClean="0"/>
-              <a:t>28</a:t>
-            </a:fld>
-            <a:endParaRPr lang="en-US" dirty="0"/>
-          </a:p>
-        </p:txBody>
-      </p:sp>
-      <p:sp>
-        <p:nvSpPr>
-          <p:cNvPr id="8" name="Rectangle 7"/>
-          <p:cNvSpPr/>
-          <p:nvPr/>
-        </p:nvSpPr>
-        <p:spPr>
-          <a:xfrm>
-            <a:off x="6233584" y="6005668"/>
-            <a:ext cx="5810249" cy="249082"/>
+            <a:off x="6539015" y="2923669"/>
+            <a:ext cx="2753152" cy="1652496"/>
           </a:xfrm>
           <a:prstGeom prst="rect">
             <a:avLst/>
           </a:prstGeom>
+          <a:noFill/>
+          <a:ln>
+            <a:noFill/>
+          </a:ln>
+          <a:extLst>
+            <a:ext uri="{909E8E84-426E-40dd-AFC4-6F175D3DCCD1}">
+              <a14:hiddenFill xmlns:a14="http://schemas.microsoft.com/office/drawing/2010/main" xmlns="">
+                <a:solidFill>
+                  <a:srgbClr val="FFFFFF"/>
+                </a:solidFill>
+              </a14:hiddenFill>
+            </a:ext>
+            <a:ext uri="{91240B29-F687-4f45-9708-019B960494DF}">
+              <a14:hiddenLine xmlns:a14="http://schemas.microsoft.com/office/drawing/2010/main" xmlns="" w="12700" cap="flat">
+                <a:solidFill>
+                  <a:schemeClr val="tx1"/>
+                </a:solidFill>
+                <a:miter lim="800000"/>
+                <a:headEnd/>
+                <a:tailEnd/>
+              </a14:hiddenLine>
+            </a:ext>
+          </a:extLst>
         </p:spPr>
-        <p:txBody>
-          <a:bodyPr wrap="square">
-            <a:spAutoFit/>
-          </a:bodyPr>
-          <a:lstStyle/>
-          <a:p>
-            <a:r>
-              <a:rPr lang="en-US" sz="1000" dirty="0"/>
-              <a:t>Image from http://</a:t>
-            </a:r>
-            <a:r>
-              <a:rPr lang="en-US" sz="1000" dirty="0" err="1"/>
-              <a:t>www.centerpointaudio.com</a:t>
-            </a:r>
-            <a:r>
-              <a:rPr lang="en-US" sz="1000" dirty="0"/>
-              <a:t>/Analog-VS-</a:t>
-            </a:r>
-            <a:r>
-              <a:rPr lang="en-US" sz="1000" dirty="0" err="1"/>
-              <a:t>Digital.aspx</a:t>
-            </a:r>
-            <a:endParaRPr lang="en-US" sz="1000" dirty="0"/>
-          </a:p>
-        </p:txBody>
-      </p:sp>
-    </p:spTree>
-    <p:extLst>
-      <p:ext uri="{BB962C8B-B14F-4D97-AF65-F5344CB8AC3E}">
-        <p14:creationId xmlns:p14="http://schemas.microsoft.com/office/powerpoint/2010/main" val="644531787"/>
-      </p:ext>
-    </p:extLst>
-  </p:cSld>
-  <p:clrMapOvr>
-    <a:masterClrMapping/>
-  </p:clrMapOvr>
-</p:sld>
-</file>
-
-<file path=ppt/slides/slide29.xml><?xml version="1.0" encoding="utf-8"?>
-<p:sld xmlns:a="http://schemas.openxmlformats.org/drawingml/2006/main" xmlns:r="http://schemas.openxmlformats.org/officeDocument/2006/relationships" xmlns:p="http://schemas.openxmlformats.org/presentationml/2006/main">
-  <p:cSld>
-    <p:spTree>
-      <p:nvGrpSpPr>
-        <p:cNvPr id="1" name=""/>
-        <p:cNvGrpSpPr/>
-        <p:nvPr/>
-      </p:nvGrpSpPr>
-      <p:grpSpPr>
-        <a:xfrm>
-          <a:off x="0" y="0"/>
-          <a:ext cx="0" cy="0"/>
-          <a:chOff x="0" y="0"/>
-          <a:chExt cx="0" cy="0"/>
-        </a:xfrm>
-      </p:grpSpPr>
-      <p:sp>
-        <p:nvSpPr>
-          <p:cNvPr id="2" name="Title 1"/>
-          <p:cNvSpPr>
-            <a:spLocks noGrp="1"/>
-          </p:cNvSpPr>
-          <p:nvPr>
-            <p:ph type="title"/>
-          </p:nvPr>
-        </p:nvSpPr>
-        <p:spPr/>
-        <p:txBody>
-          <a:bodyPr/>
-          <a:lstStyle/>
-          <a:p>
-            <a:r>
-              <a:rPr lang="en-US" dirty="0"/>
-              <a:t>Analog and Digital Converters</a:t>
-            </a:r>
-          </a:p>
-        </p:txBody>
-      </p:sp>
-      <p:sp>
-        <p:nvSpPr>
-          <p:cNvPr id="3" name="Content Placeholder 2"/>
-          <p:cNvSpPr>
-            <a:spLocks noGrp="1"/>
-          </p:cNvSpPr>
-          <p:nvPr>
-            <p:ph sz="half" idx="1"/>
-          </p:nvPr>
-        </p:nvSpPr>
-        <p:spPr/>
-        <p:txBody>
-          <a:bodyPr/>
-          <a:lstStyle/>
-          <a:p>
-            <a:r>
-              <a:rPr lang="en-US" dirty="0"/>
-              <a:t>Measure voltage</a:t>
-            </a:r>
-          </a:p>
-          <a:p>
-            <a:r>
-              <a:rPr lang="en-US" dirty="0"/>
-              <a:t>Parameters</a:t>
-            </a:r>
-          </a:p>
-          <a:p>
-            <a:pPr lvl="1"/>
-            <a:r>
-              <a:rPr lang="en-US" dirty="0"/>
-              <a:t>Bits per sample</a:t>
-            </a:r>
-          </a:p>
-          <a:p>
-            <a:pPr lvl="1"/>
-            <a:r>
-              <a:rPr lang="en-US" dirty="0"/>
-              <a:t>Sampling rate</a:t>
-            </a:r>
-          </a:p>
-          <a:p>
-            <a:r>
-              <a:rPr lang="en-US" dirty="0"/>
-              <a:t>For 1 bit we have …</a:t>
-            </a:r>
-          </a:p>
-          <a:p>
-            <a:pPr lvl="1"/>
-            <a:r>
-              <a:rPr lang="en-US" dirty="0"/>
-              <a:t>GPIO Input</a:t>
-            </a:r>
-          </a:p>
-          <a:p>
-            <a:endParaRPr lang="en-US" dirty="0"/>
-          </a:p>
-        </p:txBody>
-      </p:sp>
+      </p:pic>
       <p:pic>
         <p:nvPicPr>
-          <p:cNvPr id="12" name="Content Placeholder 11" descr="Analog-Digital frequency examples.png"/>
+          <p:cNvPr id="6" name="Picture 3"/>
           <p:cNvPicPr>
-            <a:picLocks noGrp="1" noChangeAspect="1"/>
+            <a:picLocks noChangeAspect="1" noChangeArrowheads="1"/>
           </p:cNvPicPr>
-          <p:nvPr>
-            <p:ph sz="half" idx="2"/>
-          </p:nvPr>
+          <p:nvPr/>
         </p:nvPicPr>
         <p:blipFill>
-          <a:blip r:embed="rId2">
+          <a:blip r:embed="rId3">
             <a:extLst>
               <a:ext uri="{28A0092B-C50C-407E-A947-70E740481C1C}">
                 <a14:useLocalDpi xmlns:a14="http://schemas.microsoft.com/office/drawing/2010/main" val="0"/>
               </a:ext>
             </a:extLst>
           </a:blip>
-          <a:srcRect t="-654" b="-654"/>
           <a:stretch>
             <a:fillRect/>
           </a:stretch>
         </p:blipFill>
-        <p:spPr>
+        <p:spPr bwMode="auto">
           <a:xfrm>
-            <a:off x="4656667" y="1846263"/>
-            <a:ext cx="6498696" cy="4022725"/>
-          </a:xfrm>
-        </p:spPr>
-      </p:pic>
-      <p:sp>
-        <p:nvSpPr>
-          <p:cNvPr id="6" name="Slide Number Placeholder 5"/>
-          <p:cNvSpPr>
-            <a:spLocks noGrp="1"/>
-          </p:cNvSpPr>
-          <p:nvPr>
-            <p:ph type="sldNum" sz="quarter" idx="12"/>
-          </p:nvPr>
-        </p:nvSpPr>
-        <p:spPr/>
-        <p:txBody>
-          <a:bodyPr/>
-          <a:lstStyle/>
-          <a:p>
-            <a:fld id="{4FAB73BC-B049-4115-A692-8D63A059BFB8}" type="slidenum">
-              <a:rPr lang="en-US" smtClean="0"/>
-              <a:t>29</a:t>
-            </a:fld>
-            <a:endParaRPr lang="en-US" dirty="0"/>
-          </a:p>
-        </p:txBody>
-      </p:sp>
-      <p:sp>
-        <p:nvSpPr>
-          <p:cNvPr id="8" name="Rectangle 7"/>
-          <p:cNvSpPr/>
-          <p:nvPr/>
-        </p:nvSpPr>
-        <p:spPr>
-          <a:xfrm>
-            <a:off x="6233584" y="6005668"/>
-            <a:ext cx="5810249" cy="249082"/>
+            <a:off x="2597041" y="2814244"/>
+            <a:ext cx="2514709" cy="1886032"/>
           </a:xfrm>
           <a:prstGeom prst="rect">
             <a:avLst/>
           </a:prstGeom>
+          <a:noFill/>
+          <a:ln>
+            <a:noFill/>
+          </a:ln>
+          <a:extLst>
+            <a:ext uri="{909E8E84-426E-40dd-AFC4-6F175D3DCCD1}">
+              <a14:hiddenFill xmlns:a14="http://schemas.microsoft.com/office/drawing/2010/main" xmlns="">
+                <a:solidFill>
+                  <a:srgbClr val="FFFFFF"/>
+                </a:solidFill>
+              </a14:hiddenFill>
+            </a:ext>
+            <a:ext uri="{91240B29-F687-4f45-9708-019B960494DF}">
+              <a14:hiddenLine xmlns:a14="http://schemas.microsoft.com/office/drawing/2010/main" xmlns="" w="12700" cap="flat">
+                <a:solidFill>
+                  <a:schemeClr val="tx1"/>
+                </a:solidFill>
+                <a:miter lim="800000"/>
+                <a:headEnd/>
+                <a:tailEnd/>
+              </a14:hiddenLine>
+            </a:ext>
+          </a:extLst>
         </p:spPr>
-        <p:txBody>
-          <a:bodyPr wrap="square">
+      </p:pic>
+      <p:sp>
+        <p:nvSpPr>
+          <p:cNvPr id="7" name="TextBox 6"/>
+          <p:cNvSpPr txBox="1"/>
+          <p:nvPr/>
+        </p:nvSpPr>
+        <p:spPr>
+          <a:xfrm>
+            <a:off x="3160086" y="4941750"/>
+            <a:ext cx="1079480" cy="369332"/>
+          </a:xfrm>
+          <a:prstGeom prst="rect">
+            <a:avLst/>
+          </a:prstGeom>
+          <a:noFill/>
+        </p:spPr>
+        <p:txBody>
+          <a:bodyPr wrap="none" rtlCol="0">
             <a:spAutoFit/>
           </a:bodyPr>
           <a:lstStyle/>
           <a:p>
             <a:r>
-              <a:rPr lang="en-US" sz="1000" dirty="0"/>
-              <a:t>Image from http://</a:t>
-            </a:r>
-            <a:r>
-              <a:rPr lang="en-US" sz="1000" dirty="0" err="1"/>
-              <a:t>www.centerpointaudio.com</a:t>
-            </a:r>
-            <a:r>
-              <a:rPr lang="en-US" sz="1000" dirty="0"/>
-              <a:t>/Analog-VS-</a:t>
-            </a:r>
-            <a:r>
-              <a:rPr lang="en-US" sz="1000" dirty="0" err="1"/>
-              <a:t>Digital.aspx</a:t>
-            </a:r>
-            <a:endParaRPr lang="en-US" sz="1000" dirty="0"/>
+              <a:rPr lang="en-US" dirty="0"/>
+              <a:t>Firmware</a:t>
+            </a:r>
+          </a:p>
+        </p:txBody>
+      </p:sp>
+      <p:sp>
+        <p:nvSpPr>
+          <p:cNvPr id="9" name="TextBox 8"/>
+          <p:cNvSpPr txBox="1"/>
+          <p:nvPr/>
+        </p:nvSpPr>
+        <p:spPr>
+          <a:xfrm>
+            <a:off x="7266867" y="4941750"/>
+            <a:ext cx="1025491" cy="369332"/>
+          </a:xfrm>
+          <a:prstGeom prst="rect">
+            <a:avLst/>
+          </a:prstGeom>
+          <a:noFill/>
+        </p:spPr>
+        <p:txBody>
+          <a:bodyPr wrap="none" rtlCol="0">
+            <a:spAutoFit/>
+          </a:bodyPr>
+          <a:lstStyle/>
+          <a:p>
+            <a:r>
+              <a:rPr lang="en-US" dirty="0"/>
+              <a:t>Software</a:t>
+            </a:r>
           </a:p>
         </p:txBody>
       </p:sp>
     </p:spTree>
     <p:extLst>
       <p:ext uri="{BB962C8B-B14F-4D97-AF65-F5344CB8AC3E}">
-        <p14:creationId xmlns:p14="http://schemas.microsoft.com/office/powerpoint/2010/main" val="3709961427"/>
+        <p14:creationId xmlns:p14="http://schemas.microsoft.com/office/powerpoint/2010/main" val="3531695299"/>
       </p:ext>
     </p:extLst>
   </p:cSld>
@@ -9564,774 +9631,6 @@
     <p:extLst>
       <p:ext uri="{BB962C8B-B14F-4D97-AF65-F5344CB8AC3E}">
         <p14:creationId xmlns:p14="http://schemas.microsoft.com/office/powerpoint/2010/main" val="3445728813"/>
-      </p:ext>
-    </p:extLst>
-  </p:cSld>
-  <p:clrMapOvr>
-    <a:masterClrMapping/>
-  </p:clrMapOvr>
-</p:sld>
-</file>
-
-<file path=ppt/slides/slide30.xml><?xml version="1.0" encoding="utf-8"?>
-<p:sld xmlns:a="http://schemas.openxmlformats.org/drawingml/2006/main" xmlns:r="http://schemas.openxmlformats.org/officeDocument/2006/relationships" xmlns:p="http://schemas.openxmlformats.org/presentationml/2006/main">
-  <p:cSld>
-    <p:spTree>
-      <p:nvGrpSpPr>
-        <p:cNvPr id="1" name=""/>
-        <p:cNvGrpSpPr/>
-        <p:nvPr/>
-      </p:nvGrpSpPr>
-      <p:grpSpPr>
-        <a:xfrm>
-          <a:off x="0" y="0"/>
-          <a:ext cx="0" cy="0"/>
-          <a:chOff x="0" y="0"/>
-          <a:chExt cx="0" cy="0"/>
-        </a:xfrm>
-      </p:grpSpPr>
-      <p:sp>
-        <p:nvSpPr>
-          <p:cNvPr id="2" name="Title 1"/>
-          <p:cNvSpPr>
-            <a:spLocks noGrp="1"/>
-          </p:cNvSpPr>
-          <p:nvPr>
-            <p:ph type="title"/>
-          </p:nvPr>
-        </p:nvSpPr>
-        <p:spPr/>
-        <p:txBody>
-          <a:bodyPr/>
-          <a:lstStyle/>
-          <a:p>
-            <a:r>
-              <a:rPr lang="en-US" dirty="0"/>
-              <a:t>Analog and Digital Converters</a:t>
-            </a:r>
-          </a:p>
-        </p:txBody>
-      </p:sp>
-      <p:sp>
-        <p:nvSpPr>
-          <p:cNvPr id="3" name="Content Placeholder 2"/>
-          <p:cNvSpPr>
-            <a:spLocks noGrp="1"/>
-          </p:cNvSpPr>
-          <p:nvPr>
-            <p:ph sz="half" idx="1"/>
-          </p:nvPr>
-        </p:nvSpPr>
-        <p:spPr/>
-        <p:txBody>
-          <a:bodyPr/>
-          <a:lstStyle/>
-          <a:p>
-            <a:r>
-              <a:rPr lang="en-US" dirty="0"/>
-              <a:t>Measure voltage</a:t>
-            </a:r>
-          </a:p>
-          <a:p>
-            <a:r>
-              <a:rPr lang="en-US" dirty="0"/>
-              <a:t>Parameters</a:t>
-            </a:r>
-          </a:p>
-          <a:p>
-            <a:pPr lvl="1"/>
-            <a:r>
-              <a:rPr lang="en-US" dirty="0"/>
-              <a:t>Bits per sample</a:t>
-            </a:r>
-          </a:p>
-          <a:p>
-            <a:pPr lvl="1"/>
-            <a:r>
-              <a:rPr lang="en-US" dirty="0"/>
-              <a:t>Sampling rate</a:t>
-            </a:r>
-          </a:p>
-          <a:p>
-            <a:r>
-              <a:rPr lang="en-US" dirty="0"/>
-              <a:t>For 1 bit we have …</a:t>
-            </a:r>
-          </a:p>
-          <a:p>
-            <a:pPr lvl="1"/>
-            <a:r>
-              <a:rPr lang="en-US" dirty="0"/>
-              <a:t>GPIO Input</a:t>
-            </a:r>
-          </a:p>
-          <a:p>
-            <a:r>
-              <a:rPr lang="en-US" dirty="0"/>
-              <a:t>For n bits we have …</a:t>
-            </a:r>
-          </a:p>
-          <a:p>
-            <a:endParaRPr lang="en-US" dirty="0"/>
-          </a:p>
-        </p:txBody>
-      </p:sp>
-      <p:pic>
-        <p:nvPicPr>
-          <p:cNvPr id="12" name="Content Placeholder 11" descr="Analog-Digital frequency examples.png"/>
-          <p:cNvPicPr>
-            <a:picLocks noGrp="1" noChangeAspect="1"/>
-          </p:cNvPicPr>
-          <p:nvPr>
-            <p:ph sz="half" idx="2"/>
-          </p:nvPr>
-        </p:nvPicPr>
-        <p:blipFill>
-          <a:blip r:embed="rId2">
-            <a:extLst>
-              <a:ext uri="{28A0092B-C50C-407E-A947-70E740481C1C}">
-                <a14:useLocalDpi xmlns:a14="http://schemas.microsoft.com/office/drawing/2010/main" val="0"/>
-              </a:ext>
-            </a:extLst>
-          </a:blip>
-          <a:srcRect t="-654" b="-654"/>
-          <a:stretch>
-            <a:fillRect/>
-          </a:stretch>
-        </p:blipFill>
-        <p:spPr>
-          <a:xfrm>
-            <a:off x="4656667" y="1846263"/>
-            <a:ext cx="6498696" cy="4022725"/>
-          </a:xfrm>
-        </p:spPr>
-      </p:pic>
-      <p:sp>
-        <p:nvSpPr>
-          <p:cNvPr id="6" name="Slide Number Placeholder 5"/>
-          <p:cNvSpPr>
-            <a:spLocks noGrp="1"/>
-          </p:cNvSpPr>
-          <p:nvPr>
-            <p:ph type="sldNum" sz="quarter" idx="12"/>
-          </p:nvPr>
-        </p:nvSpPr>
-        <p:spPr/>
-        <p:txBody>
-          <a:bodyPr/>
-          <a:lstStyle/>
-          <a:p>
-            <a:fld id="{4FAB73BC-B049-4115-A692-8D63A059BFB8}" type="slidenum">
-              <a:rPr lang="en-US" smtClean="0"/>
-              <a:t>30</a:t>
-            </a:fld>
-            <a:endParaRPr lang="en-US" dirty="0"/>
-          </a:p>
-        </p:txBody>
-      </p:sp>
-      <p:sp>
-        <p:nvSpPr>
-          <p:cNvPr id="8" name="Rectangle 7"/>
-          <p:cNvSpPr/>
-          <p:nvPr/>
-        </p:nvSpPr>
-        <p:spPr>
-          <a:xfrm>
-            <a:off x="6233584" y="6005668"/>
-            <a:ext cx="5810249" cy="249082"/>
-          </a:xfrm>
-          <a:prstGeom prst="rect">
-            <a:avLst/>
-          </a:prstGeom>
-        </p:spPr>
-        <p:txBody>
-          <a:bodyPr wrap="square">
-            <a:spAutoFit/>
-          </a:bodyPr>
-          <a:lstStyle/>
-          <a:p>
-            <a:r>
-              <a:rPr lang="en-US" sz="1000" dirty="0"/>
-              <a:t>Image from http://</a:t>
-            </a:r>
-            <a:r>
-              <a:rPr lang="en-US" sz="1000" dirty="0" err="1"/>
-              <a:t>www.centerpointaudio.com</a:t>
-            </a:r>
-            <a:r>
-              <a:rPr lang="en-US" sz="1000" dirty="0"/>
-              <a:t>/Analog-VS-</a:t>
-            </a:r>
-            <a:r>
-              <a:rPr lang="en-US" sz="1000" dirty="0" err="1"/>
-              <a:t>Digital.aspx</a:t>
-            </a:r>
-            <a:endParaRPr lang="en-US" sz="1000" dirty="0"/>
-          </a:p>
-        </p:txBody>
-      </p:sp>
-    </p:spTree>
-    <p:extLst>
-      <p:ext uri="{BB962C8B-B14F-4D97-AF65-F5344CB8AC3E}">
-        <p14:creationId xmlns:p14="http://schemas.microsoft.com/office/powerpoint/2010/main" val="3964396848"/>
-      </p:ext>
-    </p:extLst>
-  </p:cSld>
-  <p:clrMapOvr>
-    <a:masterClrMapping/>
-  </p:clrMapOvr>
-</p:sld>
-</file>
-
-<file path=ppt/slides/slide31.xml><?xml version="1.0" encoding="utf-8"?>
-<p:sld xmlns:a="http://schemas.openxmlformats.org/drawingml/2006/main" xmlns:r="http://schemas.openxmlformats.org/officeDocument/2006/relationships" xmlns:p="http://schemas.openxmlformats.org/presentationml/2006/main">
-  <p:cSld>
-    <p:spTree>
-      <p:nvGrpSpPr>
-        <p:cNvPr id="1" name=""/>
-        <p:cNvGrpSpPr/>
-        <p:nvPr/>
-      </p:nvGrpSpPr>
-      <p:grpSpPr>
-        <a:xfrm>
-          <a:off x="0" y="0"/>
-          <a:ext cx="0" cy="0"/>
-          <a:chOff x="0" y="0"/>
-          <a:chExt cx="0" cy="0"/>
-        </a:xfrm>
-      </p:grpSpPr>
-      <p:sp>
-        <p:nvSpPr>
-          <p:cNvPr id="2" name="Title 1"/>
-          <p:cNvSpPr>
-            <a:spLocks noGrp="1"/>
-          </p:cNvSpPr>
-          <p:nvPr>
-            <p:ph type="title"/>
-          </p:nvPr>
-        </p:nvSpPr>
-        <p:spPr/>
-        <p:txBody>
-          <a:bodyPr/>
-          <a:lstStyle/>
-          <a:p>
-            <a:r>
-              <a:rPr lang="en-US" dirty="0"/>
-              <a:t>Analog and Digital Converters</a:t>
-            </a:r>
-          </a:p>
-        </p:txBody>
-      </p:sp>
-      <p:sp>
-        <p:nvSpPr>
-          <p:cNvPr id="3" name="Content Placeholder 2"/>
-          <p:cNvSpPr>
-            <a:spLocks noGrp="1"/>
-          </p:cNvSpPr>
-          <p:nvPr>
-            <p:ph sz="half" idx="1"/>
-          </p:nvPr>
-        </p:nvSpPr>
-        <p:spPr/>
-        <p:txBody>
-          <a:bodyPr/>
-          <a:lstStyle/>
-          <a:p>
-            <a:r>
-              <a:rPr lang="en-US" dirty="0"/>
-              <a:t>Measure voltage</a:t>
-            </a:r>
-          </a:p>
-          <a:p>
-            <a:r>
-              <a:rPr lang="en-US" dirty="0"/>
-              <a:t>Parameters</a:t>
-            </a:r>
-          </a:p>
-          <a:p>
-            <a:pPr lvl="1"/>
-            <a:r>
-              <a:rPr lang="en-US" dirty="0"/>
-              <a:t>Bits per sample</a:t>
-            </a:r>
-          </a:p>
-          <a:p>
-            <a:pPr lvl="1"/>
-            <a:r>
-              <a:rPr lang="en-US" dirty="0"/>
-              <a:t>Sampling rate</a:t>
-            </a:r>
-          </a:p>
-          <a:p>
-            <a:r>
-              <a:rPr lang="en-US" dirty="0"/>
-              <a:t>For 1 bit we have …</a:t>
-            </a:r>
-          </a:p>
-          <a:p>
-            <a:pPr lvl="1"/>
-            <a:r>
-              <a:rPr lang="en-US" dirty="0"/>
-              <a:t>GPIO Input</a:t>
-            </a:r>
-          </a:p>
-          <a:p>
-            <a:r>
-              <a:rPr lang="en-US" dirty="0"/>
-              <a:t>For n bits we have …</a:t>
-            </a:r>
-          </a:p>
-          <a:p>
-            <a:pPr lvl="1"/>
-            <a:r>
-              <a:rPr lang="en-US" dirty="0"/>
-              <a:t>0 – 2</a:t>
-            </a:r>
-            <a:r>
-              <a:rPr lang="en-US" baseline="30000" dirty="0"/>
-              <a:t>n</a:t>
-            </a:r>
-            <a:r>
-              <a:rPr lang="en-US" dirty="0"/>
-              <a:t>-1</a:t>
-            </a:r>
-          </a:p>
-          <a:p>
-            <a:endParaRPr lang="en-US" dirty="0"/>
-          </a:p>
-        </p:txBody>
-      </p:sp>
-      <p:pic>
-        <p:nvPicPr>
-          <p:cNvPr id="12" name="Content Placeholder 11" descr="Analog-Digital frequency examples.png"/>
-          <p:cNvPicPr>
-            <a:picLocks noGrp="1" noChangeAspect="1"/>
-          </p:cNvPicPr>
-          <p:nvPr>
-            <p:ph sz="half" idx="2"/>
-          </p:nvPr>
-        </p:nvPicPr>
-        <p:blipFill>
-          <a:blip r:embed="rId2">
-            <a:extLst>
-              <a:ext uri="{28A0092B-C50C-407E-A947-70E740481C1C}">
-                <a14:useLocalDpi xmlns:a14="http://schemas.microsoft.com/office/drawing/2010/main" val="0"/>
-              </a:ext>
-            </a:extLst>
-          </a:blip>
-          <a:srcRect t="-654" b="-654"/>
-          <a:stretch>
-            <a:fillRect/>
-          </a:stretch>
-        </p:blipFill>
-        <p:spPr>
-          <a:xfrm>
-            <a:off x="4656667" y="1846263"/>
-            <a:ext cx="6498696" cy="4022725"/>
-          </a:xfrm>
-        </p:spPr>
-      </p:pic>
-      <p:sp>
-        <p:nvSpPr>
-          <p:cNvPr id="6" name="Slide Number Placeholder 5"/>
-          <p:cNvSpPr>
-            <a:spLocks noGrp="1"/>
-          </p:cNvSpPr>
-          <p:nvPr>
-            <p:ph type="sldNum" sz="quarter" idx="12"/>
-          </p:nvPr>
-        </p:nvSpPr>
-        <p:spPr/>
-        <p:txBody>
-          <a:bodyPr/>
-          <a:lstStyle/>
-          <a:p>
-            <a:fld id="{4FAB73BC-B049-4115-A692-8D63A059BFB8}" type="slidenum">
-              <a:rPr lang="en-US" smtClean="0"/>
-              <a:t>31</a:t>
-            </a:fld>
-            <a:endParaRPr lang="en-US" dirty="0"/>
-          </a:p>
-        </p:txBody>
-      </p:sp>
-      <p:sp>
-        <p:nvSpPr>
-          <p:cNvPr id="8" name="Rectangle 7"/>
-          <p:cNvSpPr/>
-          <p:nvPr/>
-        </p:nvSpPr>
-        <p:spPr>
-          <a:xfrm>
-            <a:off x="6233584" y="6005668"/>
-            <a:ext cx="5810249" cy="249082"/>
-          </a:xfrm>
-          <a:prstGeom prst="rect">
-            <a:avLst/>
-          </a:prstGeom>
-        </p:spPr>
-        <p:txBody>
-          <a:bodyPr wrap="square">
-            <a:spAutoFit/>
-          </a:bodyPr>
-          <a:lstStyle/>
-          <a:p>
-            <a:r>
-              <a:rPr lang="en-US" sz="1000" dirty="0"/>
-              <a:t>Image from http://</a:t>
-            </a:r>
-            <a:r>
-              <a:rPr lang="en-US" sz="1000" dirty="0" err="1"/>
-              <a:t>www.centerpointaudio.com</a:t>
-            </a:r>
-            <a:r>
-              <a:rPr lang="en-US" sz="1000" dirty="0"/>
-              <a:t>/Analog-VS-</a:t>
-            </a:r>
-            <a:r>
-              <a:rPr lang="en-US" sz="1000" dirty="0" err="1"/>
-              <a:t>Digital.aspx</a:t>
-            </a:r>
-            <a:endParaRPr lang="en-US" sz="1000" dirty="0"/>
-          </a:p>
-        </p:txBody>
-      </p:sp>
-    </p:spTree>
-    <p:extLst>
-      <p:ext uri="{BB962C8B-B14F-4D97-AF65-F5344CB8AC3E}">
-        <p14:creationId xmlns:p14="http://schemas.microsoft.com/office/powerpoint/2010/main" val="211575383"/>
-      </p:ext>
-    </p:extLst>
-  </p:cSld>
-  <p:clrMapOvr>
-    <a:masterClrMapping/>
-  </p:clrMapOvr>
-</p:sld>
-</file>
-
-<file path=ppt/slides/slide32.xml><?xml version="1.0" encoding="utf-8"?>
-<p:sld xmlns:a="http://schemas.openxmlformats.org/drawingml/2006/main" xmlns:r="http://schemas.openxmlformats.org/officeDocument/2006/relationships" xmlns:p="http://schemas.openxmlformats.org/presentationml/2006/main">
-  <p:cSld>
-    <p:spTree>
-      <p:nvGrpSpPr>
-        <p:cNvPr id="1" name=""/>
-        <p:cNvGrpSpPr/>
-        <p:nvPr/>
-      </p:nvGrpSpPr>
-      <p:grpSpPr>
-        <a:xfrm>
-          <a:off x="0" y="0"/>
-          <a:ext cx="0" cy="0"/>
-          <a:chOff x="0" y="0"/>
-          <a:chExt cx="0" cy="0"/>
-        </a:xfrm>
-      </p:grpSpPr>
-      <p:sp>
-        <p:nvSpPr>
-          <p:cNvPr id="2" name="Title 1"/>
-          <p:cNvSpPr>
-            <a:spLocks noGrp="1"/>
-          </p:cNvSpPr>
-          <p:nvPr>
-            <p:ph type="title"/>
-          </p:nvPr>
-        </p:nvSpPr>
-        <p:spPr/>
-        <p:txBody>
-          <a:bodyPr/>
-          <a:lstStyle/>
-          <a:p>
-            <a:r>
-              <a:rPr lang="en-US" dirty="0"/>
-              <a:t>Microcontrollers and Computers</a:t>
-            </a:r>
-          </a:p>
-        </p:txBody>
-      </p:sp>
-      <p:sp>
-        <p:nvSpPr>
-          <p:cNvPr id="3" name="Content Placeholder 2"/>
-          <p:cNvSpPr>
-            <a:spLocks noGrp="1"/>
-          </p:cNvSpPr>
-          <p:nvPr>
-            <p:ph idx="1"/>
-          </p:nvPr>
-        </p:nvSpPr>
-        <p:spPr/>
-        <p:txBody>
-          <a:bodyPr/>
-          <a:lstStyle/>
-          <a:p>
-            <a:endParaRPr lang="en-US"/>
-          </a:p>
-        </p:txBody>
-      </p:sp>
-      <p:sp>
-        <p:nvSpPr>
-          <p:cNvPr id="4" name="Text Placeholder 3"/>
-          <p:cNvSpPr>
-            <a:spLocks noGrp="1"/>
-          </p:cNvSpPr>
-          <p:nvPr>
-            <p:ph type="body" sz="half" idx="2"/>
-          </p:nvPr>
-        </p:nvSpPr>
-        <p:spPr/>
-        <p:txBody>
-          <a:bodyPr/>
-          <a:lstStyle/>
-          <a:p>
-            <a:endParaRPr lang="en-US"/>
-          </a:p>
-        </p:txBody>
-      </p:sp>
-      <p:sp>
-        <p:nvSpPr>
-          <p:cNvPr id="5" name="Slide Number Placeholder 4"/>
-          <p:cNvSpPr>
-            <a:spLocks noGrp="1"/>
-          </p:cNvSpPr>
-          <p:nvPr>
-            <p:ph type="sldNum" sz="quarter" idx="12"/>
-          </p:nvPr>
-        </p:nvSpPr>
-        <p:spPr/>
-        <p:txBody>
-          <a:bodyPr/>
-          <a:lstStyle/>
-          <a:p>
-            <a:fld id="{4FAB73BC-B049-4115-A692-8D63A059BFB8}" type="slidenum">
-              <a:rPr lang="en-US" smtClean="0"/>
-              <a:pPr/>
-              <a:t>32</a:t>
-            </a:fld>
-            <a:endParaRPr lang="en-US" dirty="0"/>
-          </a:p>
-        </p:txBody>
-      </p:sp>
-    </p:spTree>
-    <p:extLst>
-      <p:ext uri="{BB962C8B-B14F-4D97-AF65-F5344CB8AC3E}">
-        <p14:creationId xmlns:p14="http://schemas.microsoft.com/office/powerpoint/2010/main" val="1660382598"/>
-      </p:ext>
-    </p:extLst>
-  </p:cSld>
-  <p:clrMapOvr>
-    <a:masterClrMapping/>
-  </p:clrMapOvr>
-</p:sld>
-</file>
-
-<file path=ppt/slides/slide33.xml><?xml version="1.0" encoding="utf-8"?>
-<p:sld xmlns:a="http://schemas.openxmlformats.org/drawingml/2006/main" xmlns:r="http://schemas.openxmlformats.org/officeDocument/2006/relationships" xmlns:p="http://schemas.openxmlformats.org/presentationml/2006/main">
-  <p:cSld>
-    <p:spTree>
-      <p:nvGrpSpPr>
-        <p:cNvPr id="1" name=""/>
-        <p:cNvGrpSpPr/>
-        <p:nvPr/>
-      </p:nvGrpSpPr>
-      <p:grpSpPr>
-        <a:xfrm>
-          <a:off x="0" y="0"/>
-          <a:ext cx="0" cy="0"/>
-          <a:chOff x="0" y="0"/>
-          <a:chExt cx="0" cy="0"/>
-        </a:xfrm>
-      </p:grpSpPr>
-      <p:sp>
-        <p:nvSpPr>
-          <p:cNvPr id="2" name="Title 1"/>
-          <p:cNvSpPr>
-            <a:spLocks noGrp="1"/>
-          </p:cNvSpPr>
-          <p:nvPr>
-            <p:ph type="title"/>
-          </p:nvPr>
-        </p:nvSpPr>
-        <p:spPr/>
-        <p:txBody>
-          <a:bodyPr>
-            <a:normAutofit/>
-          </a:bodyPr>
-          <a:lstStyle/>
-          <a:p>
-            <a:r>
-              <a:rPr lang="en-US" dirty="0"/>
-              <a:t>Microcontrollers and computers</a:t>
-            </a:r>
-          </a:p>
-        </p:txBody>
-      </p:sp>
-      <p:pic>
-        <p:nvPicPr>
-          <p:cNvPr id="5" name="Picture 3"/>
-          <p:cNvPicPr>
-            <a:picLocks noChangeAspect="1" noChangeArrowheads="1"/>
-          </p:cNvPicPr>
-          <p:nvPr/>
-        </p:nvPicPr>
-        <p:blipFill>
-          <a:blip r:embed="rId2">
-            <a:extLst>
-              <a:ext uri="{28A0092B-C50C-407E-A947-70E740481C1C}">
-                <a14:useLocalDpi xmlns:a14="http://schemas.microsoft.com/office/drawing/2010/main" val="0"/>
-              </a:ext>
-            </a:extLst>
-          </a:blip>
-          <a:srcRect/>
-          <a:stretch>
-            <a:fillRect/>
-          </a:stretch>
-        </p:blipFill>
-        <p:spPr bwMode="auto">
-          <a:xfrm>
-            <a:off x="6539015" y="2923669"/>
-            <a:ext cx="2753152" cy="1652496"/>
-          </a:xfrm>
-          <a:prstGeom prst="rect">
-            <a:avLst/>
-          </a:prstGeom>
-          <a:noFill/>
-          <a:ln>
-            <a:noFill/>
-          </a:ln>
-          <a:extLst>
-            <a:ext uri="{909E8E84-426E-40dd-AFC4-6F175D3DCCD1}">
-              <a14:hiddenFill xmlns="" xmlns:a14="http://schemas.microsoft.com/office/drawing/2010/main">
-                <a:solidFill>
-                  <a:srgbClr val="FFFFFF"/>
-                </a:solidFill>
-              </a14:hiddenFill>
-            </a:ext>
-            <a:ext uri="{91240B29-F687-4f45-9708-019B960494DF}">
-              <a14:hiddenLine xmlns="" xmlns:a14="http://schemas.microsoft.com/office/drawing/2010/main" w="12700" cap="flat">
-                <a:solidFill>
-                  <a:schemeClr val="tx1"/>
-                </a:solidFill>
-                <a:miter lim="800000"/>
-                <a:headEnd/>
-                <a:tailEnd/>
-              </a14:hiddenLine>
-            </a:ext>
-          </a:extLst>
-        </p:spPr>
-      </p:pic>
-      <p:pic>
-        <p:nvPicPr>
-          <p:cNvPr id="6" name="Picture 3"/>
-          <p:cNvPicPr>
-            <a:picLocks noChangeAspect="1" noChangeArrowheads="1"/>
-          </p:cNvPicPr>
-          <p:nvPr/>
-        </p:nvPicPr>
-        <p:blipFill>
-          <a:blip r:embed="rId3">
-            <a:extLst>
-              <a:ext uri="{28A0092B-C50C-407E-A947-70E740481C1C}">
-                <a14:useLocalDpi xmlns:a14="http://schemas.microsoft.com/office/drawing/2010/main" val="0"/>
-              </a:ext>
-            </a:extLst>
-          </a:blip>
-          <a:stretch>
-            <a:fillRect/>
-          </a:stretch>
-        </p:blipFill>
-        <p:spPr bwMode="auto">
-          <a:xfrm>
-            <a:off x="2597041" y="2814244"/>
-            <a:ext cx="2514709" cy="1886032"/>
-          </a:xfrm>
-          <a:prstGeom prst="rect">
-            <a:avLst/>
-          </a:prstGeom>
-          <a:noFill/>
-          <a:ln>
-            <a:noFill/>
-          </a:ln>
-          <a:extLst>
-            <a:ext uri="{909E8E84-426E-40dd-AFC4-6F175D3DCCD1}">
-              <a14:hiddenFill xmlns="" xmlns:a14="http://schemas.microsoft.com/office/drawing/2010/main">
-                <a:solidFill>
-                  <a:srgbClr val="FFFFFF"/>
-                </a:solidFill>
-              </a14:hiddenFill>
-            </a:ext>
-            <a:ext uri="{91240B29-F687-4f45-9708-019B960494DF}">
-              <a14:hiddenLine xmlns="" xmlns:a14="http://schemas.microsoft.com/office/drawing/2010/main" w="12700" cap="flat">
-                <a:solidFill>
-                  <a:schemeClr val="tx1"/>
-                </a:solidFill>
-                <a:miter lim="800000"/>
-                <a:headEnd/>
-                <a:tailEnd/>
-              </a14:hiddenLine>
-            </a:ext>
-          </a:extLst>
-        </p:spPr>
-      </p:pic>
-      <p:sp>
-        <p:nvSpPr>
-          <p:cNvPr id="7" name="TextBox 6"/>
-          <p:cNvSpPr txBox="1"/>
-          <p:nvPr/>
-        </p:nvSpPr>
-        <p:spPr>
-          <a:xfrm>
-            <a:off x="3160086" y="4941750"/>
-            <a:ext cx="1079480" cy="369332"/>
-          </a:xfrm>
-          <a:prstGeom prst="rect">
-            <a:avLst/>
-          </a:prstGeom>
-          <a:noFill/>
-        </p:spPr>
-        <p:txBody>
-          <a:bodyPr wrap="none" rtlCol="0">
-            <a:spAutoFit/>
-          </a:bodyPr>
-          <a:lstStyle/>
-          <a:p>
-            <a:r>
-              <a:rPr lang="en-US" dirty="0"/>
-              <a:t>Firmware</a:t>
-            </a:r>
-          </a:p>
-        </p:txBody>
-      </p:sp>
-      <p:sp>
-        <p:nvSpPr>
-          <p:cNvPr id="9" name="TextBox 8"/>
-          <p:cNvSpPr txBox="1"/>
-          <p:nvPr/>
-        </p:nvSpPr>
-        <p:spPr>
-          <a:xfrm>
-            <a:off x="7266867" y="4941750"/>
-            <a:ext cx="1025491" cy="369332"/>
-          </a:xfrm>
-          <a:prstGeom prst="rect">
-            <a:avLst/>
-          </a:prstGeom>
-          <a:noFill/>
-        </p:spPr>
-        <p:txBody>
-          <a:bodyPr wrap="none" rtlCol="0">
-            <a:spAutoFit/>
-          </a:bodyPr>
-          <a:lstStyle/>
-          <a:p>
-            <a:r>
-              <a:rPr lang="en-US" dirty="0"/>
-              <a:t>Software</a:t>
-            </a:r>
-          </a:p>
-        </p:txBody>
-      </p:sp>
-    </p:spTree>
-    <p:extLst>
-      <p:ext uri="{BB962C8B-B14F-4D97-AF65-F5344CB8AC3E}">
-        <p14:creationId xmlns:p14="http://schemas.microsoft.com/office/powerpoint/2010/main" val="3531695299"/>
       </p:ext>
     </p:extLst>
   </p:cSld>
@@ -11339,77 +10638,24 @@
           <a:p>
             <a:r>
               <a:rPr lang="en-US" dirty="0"/>
-              <a:t>Electricity Equations</a:t>
-            </a:r>
-          </a:p>
-        </p:txBody>
-      </p:sp>
-      <p:graphicFrame>
-        <p:nvGraphicFramePr>
-          <p:cNvPr id="6" name="Content Placeholder 5"/>
-          <p:cNvGraphicFramePr>
-            <a:graphicFrameLocks noGrp="1" noChangeAspect="1"/>
-          </p:cNvGraphicFramePr>
-          <p:nvPr>
-            <p:ph idx="1"/>
-            <p:extLst>
-              <p:ext uri="{D42A27DB-BD31-4B8C-83A1-F6EECF244321}">
-                <p14:modId xmlns:p14="http://schemas.microsoft.com/office/powerpoint/2010/main" val="585216173"/>
-              </p:ext>
-            </p:extLst>
-          </p:nvPr>
-        </p:nvGraphicFramePr>
-        <p:xfrm>
-          <a:off x="5795963" y="2057400"/>
-          <a:ext cx="3249612" cy="3141663"/>
-        </p:xfrm>
-        <a:graphic>
-          <a:graphicData uri="http://schemas.openxmlformats.org/presentationml/2006/ole">
-            <mc:AlternateContent xmlns:mc="http://schemas.openxmlformats.org/markup-compatibility/2006">
-              <mc:Choice xmlns:v="urn:schemas-microsoft-com:vml" Requires="v">
-                <p:oleObj spid="_x0000_s1056" name="Equation" r:id="rId3" imgW="1143000" imgH="1104840" progId="Equation.3">
-                  <p:embed/>
-                </p:oleObj>
-              </mc:Choice>
-              <mc:Fallback>
-                <p:oleObj name="Equation" r:id="rId3" imgW="1143000" imgH="1104840" progId="Equation.3">
-                  <p:embed/>
-                  <p:pic>
-                    <p:nvPicPr>
-                      <p:cNvPr id="0" name=""/>
-                      <p:cNvPicPr/>
-                      <p:nvPr/>
-                    </p:nvPicPr>
-                    <p:blipFill>
-                      <a:blip r:embed="rId4"/>
-                      <a:stretch>
-                        <a:fillRect/>
-                      </a:stretch>
-                    </p:blipFill>
-                    <p:spPr>
-                      <a:xfrm>
-                        <a:off x="5795963" y="2057400"/>
-                        <a:ext cx="3249612" cy="3141663"/>
-                      </a:xfrm>
-                      <a:prstGeom prst="rect">
-                        <a:avLst/>
-                      </a:prstGeom>
-                    </p:spPr>
-                  </p:pic>
-                </p:oleObj>
-              </mc:Fallback>
-            </mc:AlternateContent>
-          </a:graphicData>
-        </a:graphic>
-      </p:graphicFrame>
-      <p:sp>
-        <p:nvSpPr>
-          <p:cNvPr id="4" name="Text Placeholder 3"/>
-          <p:cNvSpPr>
-            <a:spLocks noGrp="1"/>
-          </p:cNvSpPr>
-          <p:nvPr>
-            <p:ph type="body" sz="half" idx="2"/>
+              <a:t>Analog and Digital </a:t>
+            </a:r>
+            <a:r>
+              <a:rPr lang="en-US" dirty="0" err="1"/>
+              <a:t>Convertsion</a:t>
+            </a:r>
+            <a:endParaRPr lang="en-US" dirty="0"/>
+          </a:p>
+        </p:txBody>
+      </p:sp>
+      <p:sp>
+        <p:nvSpPr>
+          <p:cNvPr id="3" name="Content Placeholder 2"/>
+          <p:cNvSpPr>
+            <a:spLocks noGrp="1"/>
+          </p:cNvSpPr>
+          <p:nvPr>
+            <p:ph sz="half" idx="1"/>
           </p:nvPr>
         </p:nvSpPr>
         <p:spPr/>
@@ -11417,13 +10663,103 @@
           <a:bodyPr/>
           <a:lstStyle/>
           <a:p>
+            <a:r>
+              <a:rPr lang="en-US" dirty="0"/>
+              <a:t>Measure voltage</a:t>
+            </a:r>
+          </a:p>
+          <a:p>
+            <a:r>
+              <a:rPr lang="en-US" dirty="0"/>
+              <a:t>Parameters</a:t>
+            </a:r>
+          </a:p>
+          <a:p>
+            <a:pPr lvl="1"/>
+            <a:r>
+              <a:rPr lang="en-US" dirty="0"/>
+              <a:t>Bits per sample</a:t>
+            </a:r>
+          </a:p>
+          <a:p>
+            <a:pPr lvl="1"/>
+            <a:r>
+              <a:rPr lang="en-US" dirty="0"/>
+              <a:t>Sampling rate</a:t>
+            </a:r>
+          </a:p>
+          <a:p>
+            <a:r>
+              <a:rPr lang="en-US" dirty="0"/>
+              <a:t>For 1 bit we have …</a:t>
+            </a:r>
+          </a:p>
+          <a:p>
+            <a:pPr lvl="1"/>
+            <a:r>
+              <a:rPr lang="en-US" dirty="0"/>
+              <a:t>GPIO Input</a:t>
+            </a:r>
+          </a:p>
+          <a:p>
+            <a:r>
+              <a:rPr lang="en-US" dirty="0"/>
+              <a:t>For n bits we have …</a:t>
+            </a:r>
+          </a:p>
+          <a:p>
+            <a:pPr lvl="1"/>
+            <a:r>
+              <a:rPr lang="en-US" dirty="0"/>
+              <a:t>0 – 2</a:t>
+            </a:r>
+            <a:r>
+              <a:rPr lang="en-US" baseline="30000" dirty="0"/>
+              <a:t>n</a:t>
+            </a:r>
+            <a:r>
+              <a:rPr lang="en-US" dirty="0"/>
+              <a:t>-1</a:t>
+            </a:r>
+          </a:p>
+          <a:p>
             <a:endParaRPr lang="en-US" dirty="0"/>
           </a:p>
         </p:txBody>
       </p:sp>
-      <p:sp>
-        <p:nvSpPr>
-          <p:cNvPr id="5" name="Slide Number Placeholder 4"/>
+      <p:pic>
+        <p:nvPicPr>
+          <p:cNvPr id="12" name="Content Placeholder 11" descr="Analog-Digital frequency examples.png"/>
+          <p:cNvPicPr>
+            <a:picLocks noGrp="1" noChangeAspect="1"/>
+          </p:cNvPicPr>
+          <p:nvPr>
+            <p:ph sz="half" idx="2"/>
+          </p:nvPr>
+        </p:nvPicPr>
+        <p:blipFill>
+          <a:blip r:embed="rId2">
+            <a:extLst>
+              <a:ext uri="{28A0092B-C50C-407E-A947-70E740481C1C}">
+                <a14:useLocalDpi xmlns:a14="http://schemas.microsoft.com/office/drawing/2010/main" val="0"/>
+              </a:ext>
+            </a:extLst>
+          </a:blip>
+          <a:srcRect t="-654" b="-654"/>
+          <a:stretch>
+            <a:fillRect/>
+          </a:stretch>
+        </p:blipFill>
+        <p:spPr>
+          <a:xfrm>
+            <a:off x="4656667" y="1846263"/>
+            <a:ext cx="6498696" cy="4022725"/>
+          </a:xfrm>
+        </p:spPr>
+      </p:pic>
+      <p:sp>
+        <p:nvSpPr>
+          <p:cNvPr id="6" name="Slide Number Placeholder 5"/>
           <p:cNvSpPr>
             <a:spLocks noGrp="1"/>
           </p:cNvSpPr>
@@ -11438,17 +10774,57 @@
           <a:p>
             <a:fld id="{4FAB73BC-B049-4115-A692-8D63A059BFB8}" type="slidenum">
               <a:rPr lang="en-US" smtClean="0"/>
-              <a:pPr/>
               <a:t>8</a:t>
             </a:fld>
             <a:endParaRPr lang="en-US" dirty="0"/>
           </a:p>
         </p:txBody>
       </p:sp>
+      <p:sp>
+        <p:nvSpPr>
+          <p:cNvPr id="8" name="Rectangle 7"/>
+          <p:cNvSpPr/>
+          <p:nvPr/>
+        </p:nvSpPr>
+        <p:spPr>
+          <a:xfrm>
+            <a:off x="6233584" y="6005668"/>
+            <a:ext cx="5810249" cy="249082"/>
+          </a:xfrm>
+          <a:prstGeom prst="rect">
+            <a:avLst/>
+          </a:prstGeom>
+        </p:spPr>
+        <p:txBody>
+          <a:bodyPr wrap="square">
+            <a:spAutoFit/>
+          </a:bodyPr>
+          <a:lstStyle/>
+          <a:p>
+            <a:r>
+              <a:rPr lang="en-US" sz="1000" dirty="0"/>
+              <a:t>Image from http://</a:t>
+            </a:r>
+            <a:r>
+              <a:rPr lang="en-US" sz="1000" dirty="0" err="1"/>
+              <a:t>www.centerpointaudio.com</a:t>
+            </a:r>
+            <a:r>
+              <a:rPr lang="en-US" sz="1000" dirty="0"/>
+              <a:t>/Analog-VS-</a:t>
+            </a:r>
+            <a:r>
+              <a:rPr lang="en-US" sz="1000" dirty="0" err="1"/>
+              <a:t>Digital.aspx</a:t>
+            </a:r>
+            <a:endParaRPr lang="en-US" sz="1000" dirty="0"/>
+          </a:p>
+        </p:txBody>
+      </p:sp>
     </p:spTree>
     <p:extLst>
       <p:ext uri="{BB962C8B-B14F-4D97-AF65-F5344CB8AC3E}">
-        <p14:creationId xmlns:p14="http://schemas.microsoft.com/office/powerpoint/2010/main" val="3369896628"/>
+        <p14:creationId xmlns:p14="http://schemas.microsoft.com/office/powerpoint/2010/main" val="3545237809"/>
       </p:ext>
     </p:extLst>
   </p:cSld>
@@ -11477,7 +10853,7 @@
       </p:grpSpPr>
       <p:sp>
         <p:nvSpPr>
-          <p:cNvPr id="6" name="Title 5"/>
+          <p:cNvPr id="2" name="Title 1"/>
           <p:cNvSpPr>
             <a:spLocks noGrp="1"/>
           </p:cNvSpPr>
@@ -11492,25 +10868,77 @@
           <a:p>
             <a:r>
               <a:rPr lang="en-US" dirty="0"/>
-              <a:t>Ohm’s Law</a:t>
-            </a:r>
-          </a:p>
-        </p:txBody>
-      </p:sp>
-      <p:sp>
-        <p:nvSpPr>
-          <p:cNvPr id="3" name="Content Placeholder 2">
-            <a:extLst>
-              <a:ext uri="{FF2B5EF4-FFF2-40B4-BE49-F238E27FC236}">
-                <a16:creationId xmlns:a16="http://schemas.microsoft.com/office/drawing/2014/main" id="{803BF3C6-7AA8-4EF7-A378-29F84B98AD4B}"/>
-              </a:ext>
-            </a:extLst>
-          </p:cNvPr>
-          <p:cNvSpPr>
-            <a:spLocks noGrp="1"/>
-          </p:cNvSpPr>
-          <p:nvPr>
-            <p:ph sz="half" idx="1"/>
+              <a:t>Electricity Equations</a:t>
+            </a:r>
+          </a:p>
+        </p:txBody>
+      </p:sp>
+      <p:graphicFrame>
+        <p:nvGraphicFramePr>
+          <p:cNvPr id="6" name="Content Placeholder 5"/>
+          <p:cNvGraphicFramePr>
+            <a:graphicFrameLocks noGrp="1" noChangeAspect="1"/>
+          </p:cNvGraphicFramePr>
+          <p:nvPr>
+            <p:ph idx="1"/>
+            <p:extLst>
+              <p:ext uri="{D42A27DB-BD31-4B8C-83A1-F6EECF244321}">
+                <p14:modId xmlns:p14="http://schemas.microsoft.com/office/powerpoint/2010/main" val="585216173"/>
+              </p:ext>
+            </p:extLst>
+          </p:nvPr>
+        </p:nvGraphicFramePr>
+        <p:xfrm>
+          <a:off x="5795963" y="2057400"/>
+          <a:ext cx="3249612" cy="3141663"/>
+        </p:xfrm>
+        <a:graphic>
+          <a:graphicData uri="http://schemas.openxmlformats.org/presentationml/2006/ole">
+            <mc:AlternateContent xmlns:mc="http://schemas.openxmlformats.org/markup-compatibility/2006">
+              <mc:Choice xmlns:v="urn:schemas-microsoft-com:vml" Requires="v">
+                <p:oleObj name="Equation" r:id="rId2" imgW="1143000" imgH="1104840" progId="Equation.3">
+                  <p:embed/>
+                </p:oleObj>
+              </mc:Choice>
+              <mc:Fallback>
+                <p:oleObj name="Equation" r:id="rId2" imgW="1143000" imgH="1104840" progId="Equation.3">
+                  <p:embed/>
+                  <p:pic>
+                    <p:nvPicPr>
+                      <p:cNvPr id="0" name=""/>
+                      <p:cNvPicPr/>
+                      <p:nvPr/>
+                    </p:nvPicPr>
+                    <p:blipFill>
+                      <a:blip r:embed="rId3"/>
+                      <a:stretch>
+                        <a:fillRect/>
+                      </a:stretch>
+                    </p:blipFill>
+                    <p:spPr>
+                      <a:xfrm>
+                        <a:off x="5795963" y="2057400"/>
+                        <a:ext cx="3249612" cy="3141663"/>
+                      </a:xfrm>
+                      <a:prstGeom prst="rect">
+                        <a:avLst/>
+                      </a:prstGeom>
+                    </p:spPr>
+                  </p:pic>
+                </p:oleObj>
+              </mc:Fallback>
+            </mc:AlternateContent>
+          </a:graphicData>
+        </a:graphic>
+      </p:graphicFrame>
+      <p:sp>
+        <p:nvSpPr>
+          <p:cNvPr id="4" name="Text Placeholder 3"/>
+          <p:cNvSpPr>
+            <a:spLocks noGrp="1"/>
+          </p:cNvSpPr>
+          <p:nvPr>
+            <p:ph type="body" sz="half" idx="2"/>
           </p:nvPr>
         </p:nvSpPr>
         <p:spPr/>
@@ -11518,39 +10946,10 @@
           <a:bodyPr/>
           <a:lstStyle/>
           <a:p>
-            <a:endParaRPr lang="en-IE"/>
-          </a:p>
-        </p:txBody>
-      </p:sp>
-      <p:pic>
-        <p:nvPicPr>
-          <p:cNvPr id="19" name="Content Placeholder 18" descr="second_law.png"/>
-          <p:cNvPicPr>
-            <a:picLocks noGrp="1" noChangeAspect="1"/>
-          </p:cNvPicPr>
-          <p:nvPr>
-            <p:ph sz="half" idx="2"/>
-          </p:nvPr>
-        </p:nvPicPr>
-        <p:blipFill>
-          <a:blip r:embed="rId2">
-            <a:extLst>
-              <a:ext uri="{28A0092B-C50C-407E-A947-70E740481C1C}">
-                <a14:useLocalDpi xmlns:a14="http://schemas.microsoft.com/office/drawing/2010/main" val="0"/>
-              </a:ext>
-            </a:extLst>
-          </a:blip>
-          <a:stretch>
-            <a:fillRect/>
-          </a:stretch>
-        </p:blipFill>
-        <p:spPr>
-          <a:xfrm>
-            <a:off x="6529387" y="2624931"/>
-            <a:ext cx="4467225" cy="2752725"/>
-          </a:xfrm>
-        </p:spPr>
-      </p:pic>
+            <a:endParaRPr lang="en-US" dirty="0"/>
+          </a:p>
+        </p:txBody>
+      </p:sp>
       <p:sp>
         <p:nvSpPr>
           <p:cNvPr id="5" name="Slide Number Placeholder 4"/>
@@ -11578,7 +10977,7 @@
     </p:spTree>
     <p:extLst>
       <p:ext uri="{BB962C8B-B14F-4D97-AF65-F5344CB8AC3E}">
-        <p14:creationId xmlns:p14="http://schemas.microsoft.com/office/powerpoint/2010/main" val="2634582687"/>
+        <p14:creationId xmlns:p14="http://schemas.microsoft.com/office/powerpoint/2010/main" val="3369896628"/>
       </p:ext>
     </p:extLst>
   </p:cSld>
@@ -12524,6 +11923,21 @@
 </file>
 
 <file path=customXml/item1.xml><?xml version="1.0" encoding="utf-8"?>
+<p:properties xmlns:p="http://schemas.microsoft.com/office/2006/metadata/properties" xmlns:xsi="http://www.w3.org/2001/XMLSchema-instance" xmlns:pc="http://schemas.microsoft.com/office/infopath/2007/PartnerControls">
+  <documentManagement/>
+</p:properties>
+</file>
+
+<file path=customXml/item2.xml><?xml version="1.0" encoding="utf-8"?>
+<?mso-contentType ?>
+<FormTemplates xmlns="http://schemas.microsoft.com/sharepoint/v3/contenttype/forms">
+  <Display>DocumentLibraryForm</Display>
+  <Edit>DocumentLibraryForm</Edit>
+  <New>DocumentLibraryForm</New>
+</FormTemplates>
+</file>
+
+<file path=customXml/item3.xml><?xml version="1.0" encoding="utf-8"?>
 <ct:contentTypeSchema xmlns:ct="http://schemas.microsoft.com/office/2006/metadata/contentType" xmlns:ma="http://schemas.microsoft.com/office/2006/metadata/properties/metaAttributes" ct:_="" ma:_="" ma:contentTypeName="Document" ma:contentTypeID="0x010100027B1FB1A458AA4FB1520DBCEEEF84AB" ma:contentTypeVersion="10" ma:contentTypeDescription="Create a new document." ma:contentTypeScope="" ma:versionID="80e6eefb936f797d5655855dd419b8d0">
   <xsd:schema xmlns:xsd="http://www.w3.org/2001/XMLSchema" xmlns:xs="http://www.w3.org/2001/XMLSchema" xmlns:p="http://schemas.microsoft.com/office/2006/metadata/properties" xmlns:ns3="2ce51dc8-c7fd-4e9f-aab7-66ee981bb74f" xmlns:ns4="4fa34961-db85-4b4a-bce8-6d4fac0faa91" targetNamespace="http://schemas.microsoft.com/office/2006/metadata/properties" ma:root="true" ma:fieldsID="5642072c215f5c8f7ec84511c98be178" ns3:_="" ns4:_="">
     <xsd:import namespace="2ce51dc8-c7fd-4e9f-aab7-66ee981bb74f"/>
@@ -12726,22 +12140,32 @@
 </ct:contentTypeSchema>
 </file>
 
-<file path=customXml/item2.xml><?xml version="1.0" encoding="utf-8"?>
-<?mso-contentType ?>
-<FormTemplates xmlns="http://schemas.microsoft.com/sharepoint/v3/contenttype/forms">
-  <Display>DocumentLibraryForm</Display>
-  <Edit>DocumentLibraryForm</Edit>
-  <New>DocumentLibraryForm</New>
-</FormTemplates>
+<file path=customXml/itemProps1.xml><?xml version="1.0" encoding="utf-8"?>
+<ds:datastoreItem xmlns:ds="http://schemas.openxmlformats.org/officeDocument/2006/customXml" ds:itemID="{6F45334A-F18C-41D7-9305-46778A2BB919}">
+  <ds:schemaRefs>
+    <ds:schemaRef ds:uri="http://www.w3.org/XML/1998/namespace"/>
+    <ds:schemaRef ds:uri="http://schemas.microsoft.com/office/2006/documentManagement/types"/>
+    <ds:schemaRef ds:uri="http://schemas.openxmlformats.org/package/2006/metadata/core-properties"/>
+    <ds:schemaRef ds:uri="2ce51dc8-c7fd-4e9f-aab7-66ee981bb74f"/>
+    <ds:schemaRef ds:uri="http://schemas.microsoft.com/office/2006/metadata/properties"/>
+    <ds:schemaRef ds:uri="http://purl.org/dc/elements/1.1/"/>
+    <ds:schemaRef ds:uri="4fa34961-db85-4b4a-bce8-6d4fac0faa91"/>
+    <ds:schemaRef ds:uri="http://purl.org/dc/dcmitype/"/>
+    <ds:schemaRef ds:uri="http://schemas.microsoft.com/office/infopath/2007/PartnerControls"/>
+    <ds:schemaRef ds:uri="http://purl.org/dc/terms/"/>
+  </ds:schemaRefs>
+</ds:datastoreItem>
 </file>
 
-<file path=customXml/item3.xml><?xml version="1.0" encoding="utf-8"?>
-<p:properties xmlns:p="http://schemas.microsoft.com/office/2006/metadata/properties" xmlns:xsi="http://www.w3.org/2001/XMLSchema-instance" xmlns:pc="http://schemas.microsoft.com/office/infopath/2007/PartnerControls">
-  <documentManagement/>
-</p:properties>
+<file path=customXml/itemProps2.xml><?xml version="1.0" encoding="utf-8"?>
+<ds:datastoreItem xmlns:ds="http://schemas.openxmlformats.org/officeDocument/2006/customXml" ds:itemID="{B3322A3E-8418-4730-B948-E34EBAB19441}">
+  <ds:schemaRefs>
+    <ds:schemaRef ds:uri="http://schemas.microsoft.com/sharepoint/v3/contenttype/forms"/>
+  </ds:schemaRefs>
+</ds:datastoreItem>
 </file>
 
-<file path=customXml/itemProps1.xml><?xml version="1.0" encoding="utf-8"?>
+<file path=customXml/itemProps3.xml><?xml version="1.0" encoding="utf-8"?>
 <ds:datastoreItem xmlns:ds="http://schemas.openxmlformats.org/officeDocument/2006/customXml" ds:itemID="{A170042D-DC3B-43E7-995C-01E170F6DAFE}">
   <ds:schemaRefs>
     <ds:schemaRef ds:uri="http://schemas.microsoft.com/office/2006/metadata/contentType"/>
@@ -12758,29 +12182,4 @@
     <ds:schemaRef ds:uri="http://schemas.microsoft.com/internal/obd"/>
   </ds:schemaRefs>
 </ds:datastoreItem>
-</file>
-
-<file path=customXml/itemProps2.xml><?xml version="1.0" encoding="utf-8"?>
-<ds:datastoreItem xmlns:ds="http://schemas.openxmlformats.org/officeDocument/2006/customXml" ds:itemID="{B3322A3E-8418-4730-B948-E34EBAB19441}">
-  <ds:schemaRefs>
-    <ds:schemaRef ds:uri="http://schemas.microsoft.com/sharepoint/v3/contenttype/forms"/>
-  </ds:schemaRefs>
-</ds:datastoreItem>
-</file>
-
-<file path=customXml/itemProps3.xml><?xml version="1.0" encoding="utf-8"?>
-<ds:datastoreItem xmlns:ds="http://schemas.openxmlformats.org/officeDocument/2006/customXml" ds:itemID="{6F45334A-F18C-41D7-9305-46778A2BB919}">
-  <ds:schemaRefs>
-    <ds:schemaRef ds:uri="http://www.w3.org/XML/1998/namespace"/>
-    <ds:schemaRef ds:uri="http://schemas.microsoft.com/office/2006/documentManagement/types"/>
-    <ds:schemaRef ds:uri="http://schemas.openxmlformats.org/package/2006/metadata/core-properties"/>
-    <ds:schemaRef ds:uri="2ce51dc8-c7fd-4e9f-aab7-66ee981bb74f"/>
-    <ds:schemaRef ds:uri="http://schemas.microsoft.com/office/2006/metadata/properties"/>
-    <ds:schemaRef ds:uri="http://purl.org/dc/elements/1.1/"/>
-    <ds:schemaRef ds:uri="4fa34961-db85-4b4a-bce8-6d4fac0faa91"/>
-    <ds:schemaRef ds:uri="http://purl.org/dc/dcmitype/"/>
-    <ds:schemaRef ds:uri="http://schemas.microsoft.com/office/infopath/2007/PartnerControls"/>
-    <ds:schemaRef ds:uri="http://purl.org/dc/terms/"/>
-  </ds:schemaRefs>
-</ds:datastoreItem>
 </file>
--- a/topic03/talk1/talk1.pptx
+++ b/topic03/talk1/talk1.pptx
@@ -194,6 +194,3673 @@
     </p:ext>
   </p:extLst>
 </p:presentation>
+</file>
+
+<file path=ppt/diagrams/colors1.xml><?xml version="1.0" encoding="utf-8"?>
+<dgm:colorsDef xmlns:dgm="http://schemas.openxmlformats.org/drawingml/2006/diagram" xmlns:a="http://schemas.openxmlformats.org/drawingml/2006/main" uniqueId="urn:microsoft.com/office/officeart/2005/8/colors/accent1_2">
+  <dgm:title val=""/>
+  <dgm:desc val=""/>
+  <dgm:catLst>
+    <dgm:cat type="accent1" pri="11200"/>
+  </dgm:catLst>
+  <dgm:styleLbl name="node0">
+    <dgm:fillClrLst meth="repeat">
+      <a:schemeClr val="accent1"/>
+    </dgm:fillClrLst>
+    <dgm:linClrLst meth="repeat">
+      <a:schemeClr val="lt1"/>
+    </dgm:linClrLst>
+    <dgm:effectClrLst/>
+    <dgm:txLinClrLst/>
+    <dgm:txFillClrLst/>
+    <dgm:txEffectClrLst/>
+  </dgm:styleLbl>
+  <dgm:styleLbl name="alignNode1">
+    <dgm:fillClrLst meth="repeat">
+      <a:schemeClr val="accent1"/>
+    </dgm:fillClrLst>
+    <dgm:linClrLst meth="repeat">
+      <a:schemeClr val="accent1"/>
+    </dgm:linClrLst>
+    <dgm:effectClrLst/>
+    <dgm:txLinClrLst/>
+    <dgm:txFillClrLst/>
+    <dgm:txEffectClrLst/>
+  </dgm:styleLbl>
+  <dgm:styleLbl name="node1">
+    <dgm:fillClrLst meth="repeat">
+      <a:schemeClr val="accent1"/>
+    </dgm:fillClrLst>
+    <dgm:linClrLst meth="repeat">
+      <a:schemeClr val="lt1"/>
+    </dgm:linClrLst>
+    <dgm:effectClrLst/>
+    <dgm:txLinClrLst/>
+    <dgm:txFillClrLst/>
+    <dgm:txEffectClrLst/>
+  </dgm:styleLbl>
+  <dgm:styleLbl name="lnNode1">
+    <dgm:fillClrLst meth="repeat">
+      <a:schemeClr val="accent1"/>
+    </dgm:fillClrLst>
+    <dgm:linClrLst meth="repeat">
+      <a:schemeClr val="lt1"/>
+    </dgm:linClrLst>
+    <dgm:effectClrLst/>
+    <dgm:txLinClrLst/>
+    <dgm:txFillClrLst/>
+    <dgm:txEffectClrLst/>
+  </dgm:styleLbl>
+  <dgm:styleLbl name="vennNode1">
+    <dgm:fillClrLst meth="repeat">
+      <a:schemeClr val="accent1">
+        <a:alpha val="50000"/>
+      </a:schemeClr>
+    </dgm:fillClrLst>
+    <dgm:linClrLst meth="repeat">
+      <a:schemeClr val="lt1"/>
+    </dgm:linClrLst>
+    <dgm:effectClrLst/>
+    <dgm:txLinClrLst/>
+    <dgm:txFillClrLst/>
+    <dgm:txEffectClrLst/>
+  </dgm:styleLbl>
+  <dgm:styleLbl name="node2">
+    <dgm:fillClrLst meth="repeat">
+      <a:schemeClr val="accent1"/>
+    </dgm:fillClrLst>
+    <dgm:linClrLst meth="repeat">
+      <a:schemeClr val="lt1"/>
+    </dgm:linClrLst>
+    <dgm:effectClrLst/>
+    <dgm:txLinClrLst/>
+    <dgm:txFillClrLst/>
+    <dgm:txEffectClrLst/>
+  </dgm:styleLbl>
+  <dgm:styleLbl name="node3">
+    <dgm:fillClrLst meth="repeat">
+      <a:schemeClr val="accent1"/>
+    </dgm:fillClrLst>
+    <dgm:linClrLst meth="repeat">
+      <a:schemeClr val="lt1"/>
+    </dgm:linClrLst>
+    <dgm:effectClrLst/>
+    <dgm:txLinClrLst/>
+    <dgm:txFillClrLst/>
+    <dgm:txEffectClrLst/>
+  </dgm:styleLbl>
+  <dgm:styleLbl name="node4">
+    <dgm:fillClrLst meth="repeat">
+      <a:schemeClr val="accent1"/>
+    </dgm:fillClrLst>
+    <dgm:linClrLst meth="repeat">
+      <a:schemeClr val="lt1"/>
+    </dgm:linClrLst>
+    <dgm:effectClrLst/>
+    <dgm:txLinClrLst/>
+    <dgm:txFillClrLst/>
+    <dgm:txEffectClrLst/>
+  </dgm:styleLbl>
+  <dgm:styleLbl name="fgImgPlace1">
+    <dgm:fillClrLst meth="repeat">
+      <a:schemeClr val="accent1">
+        <a:tint val="50000"/>
+      </a:schemeClr>
+    </dgm:fillClrLst>
+    <dgm:linClrLst meth="repeat">
+      <a:schemeClr val="lt1"/>
+    </dgm:linClrLst>
+    <dgm:effectClrLst/>
+    <dgm:txLinClrLst/>
+    <dgm:txFillClrLst meth="repeat">
+      <a:schemeClr val="lt1"/>
+    </dgm:txFillClrLst>
+    <dgm:txEffectClrLst/>
+  </dgm:styleLbl>
+  <dgm:styleLbl name="alignImgPlace1">
+    <dgm:fillClrLst meth="repeat">
+      <a:schemeClr val="accent1">
+        <a:tint val="50000"/>
+      </a:schemeClr>
+    </dgm:fillClrLst>
+    <dgm:linClrLst meth="repeat">
+      <a:schemeClr val="lt1"/>
+    </dgm:linClrLst>
+    <dgm:effectClrLst/>
+    <dgm:txLinClrLst/>
+    <dgm:txFillClrLst meth="repeat">
+      <a:schemeClr val="lt1"/>
+    </dgm:txFillClrLst>
+    <dgm:txEffectClrLst/>
+  </dgm:styleLbl>
+  <dgm:styleLbl name="bgImgPlace1">
+    <dgm:fillClrLst meth="repeat">
+      <a:schemeClr val="accent1">
+        <a:tint val="50000"/>
+      </a:schemeClr>
+    </dgm:fillClrLst>
+    <dgm:linClrLst meth="repeat">
+      <a:schemeClr val="lt1"/>
+    </dgm:linClrLst>
+    <dgm:effectClrLst/>
+    <dgm:txLinClrLst/>
+    <dgm:txFillClrLst meth="repeat">
+      <a:schemeClr val="lt1"/>
+    </dgm:txFillClrLst>
+    <dgm:txEffectClrLst/>
+  </dgm:styleLbl>
+  <dgm:styleLbl name="sibTrans2D1">
+    <dgm:fillClrLst meth="repeat">
+      <a:schemeClr val="accent1">
+        <a:tint val="60000"/>
+      </a:schemeClr>
+    </dgm:fillClrLst>
+    <dgm:linClrLst meth="repeat">
+      <a:schemeClr val="accent1">
+        <a:tint val="60000"/>
+      </a:schemeClr>
+    </dgm:linClrLst>
+    <dgm:effectClrLst/>
+    <dgm:txLinClrLst/>
+    <dgm:txFillClrLst/>
+    <dgm:txEffectClrLst/>
+  </dgm:styleLbl>
+  <dgm:styleLbl name="fgSibTrans2D1">
+    <dgm:fillClrLst meth="repeat">
+      <a:schemeClr val="accent1">
+        <a:tint val="60000"/>
+      </a:schemeClr>
+    </dgm:fillClrLst>
+    <dgm:linClrLst meth="repeat">
+      <a:schemeClr val="accent1">
+        <a:tint val="60000"/>
+      </a:schemeClr>
+    </dgm:linClrLst>
+    <dgm:effectClrLst/>
+    <dgm:txLinClrLst/>
+    <dgm:txFillClrLst/>
+    <dgm:txEffectClrLst/>
+  </dgm:styleLbl>
+  <dgm:styleLbl name="bgSibTrans2D1">
+    <dgm:fillClrLst meth="repeat">
+      <a:schemeClr val="accent1">
+        <a:tint val="60000"/>
+      </a:schemeClr>
+    </dgm:fillClrLst>
+    <dgm:linClrLst meth="repeat">
+      <a:schemeClr val="accent1">
+        <a:tint val="60000"/>
+      </a:schemeClr>
+    </dgm:linClrLst>
+    <dgm:effectClrLst/>
+    <dgm:txLinClrLst/>
+    <dgm:txFillClrLst/>
+    <dgm:txEffectClrLst/>
+  </dgm:styleLbl>
+  <dgm:styleLbl name="sibTrans1D1">
+    <dgm:fillClrLst meth="repeat">
+      <a:schemeClr val="accent1"/>
+    </dgm:fillClrLst>
+    <dgm:linClrLst meth="repeat">
+      <a:schemeClr val="accent1"/>
+    </dgm:linClrLst>
+    <dgm:effectClrLst/>
+    <dgm:txLinClrLst/>
+    <dgm:txFillClrLst meth="repeat">
+      <a:schemeClr val="tx1"/>
+    </dgm:txFillClrLst>
+    <dgm:txEffectClrLst/>
+  </dgm:styleLbl>
+  <dgm:styleLbl name="callout">
+    <dgm:fillClrLst meth="repeat">
+      <a:schemeClr val="accent1"/>
+    </dgm:fillClrLst>
+    <dgm:linClrLst meth="repeat">
+      <a:schemeClr val="accent1">
+        <a:tint val="50000"/>
+      </a:schemeClr>
+    </dgm:linClrLst>
+    <dgm:effectClrLst/>
+    <dgm:txLinClrLst/>
+    <dgm:txFillClrLst meth="repeat">
+      <a:schemeClr val="tx1"/>
+    </dgm:txFillClrLst>
+    <dgm:txEffectClrLst/>
+  </dgm:styleLbl>
+  <dgm:styleLbl name="asst0">
+    <dgm:fillClrLst meth="repeat">
+      <a:schemeClr val="accent1"/>
+    </dgm:fillClrLst>
+    <dgm:linClrLst meth="repeat">
+      <a:schemeClr val="lt1"/>
+    </dgm:linClrLst>
+    <dgm:effectClrLst/>
+    <dgm:txLinClrLst/>
+    <dgm:txFillClrLst/>
+    <dgm:txEffectClrLst/>
+  </dgm:styleLbl>
+  <dgm:styleLbl name="asst1">
+    <dgm:fillClrLst meth="repeat">
+      <a:schemeClr val="accent1"/>
+    </dgm:fillClrLst>
+    <dgm:linClrLst meth="repeat">
+      <a:schemeClr val="lt1"/>
+    </dgm:linClrLst>
+    <dgm:effectClrLst/>
+    <dgm:txLinClrLst/>
+    <dgm:txFillClrLst/>
+    <dgm:txEffectClrLst/>
+  </dgm:styleLbl>
+  <dgm:styleLbl name="asst2">
+    <dgm:fillClrLst meth="repeat">
+      <a:schemeClr val="accent1"/>
+    </dgm:fillClrLst>
+    <dgm:linClrLst meth="repeat">
+      <a:schemeClr val="lt1"/>
+    </dgm:linClrLst>
+    <dgm:effectClrLst/>
+    <dgm:txLinClrLst/>
+    <dgm:txFillClrLst/>
+    <dgm:txEffectClrLst/>
+  </dgm:styleLbl>
+  <dgm:styleLbl name="asst3">
+    <dgm:fillClrLst meth="repeat">
+      <a:schemeClr val="accent1"/>
+    </dgm:fillClrLst>
+    <dgm:linClrLst meth="repeat">
+      <a:schemeClr val="lt1"/>
+    </dgm:linClrLst>
+    <dgm:effectClrLst/>
+    <dgm:txLinClrLst/>
+    <dgm:txFillClrLst/>
+    <dgm:txEffectClrLst/>
+  </dgm:styleLbl>
+  <dgm:styleLbl name="asst4">
+    <dgm:fillClrLst meth="repeat">
+      <a:schemeClr val="accent1"/>
+    </dgm:fillClrLst>
+    <dgm:linClrLst meth="repeat">
+      <a:schemeClr val="lt1"/>
+    </dgm:linClrLst>
+    <dgm:effectClrLst/>
+    <dgm:txLinClrLst/>
+    <dgm:txFillClrLst/>
+    <dgm:txEffectClrLst/>
+  </dgm:styleLbl>
+  <dgm:styleLbl name="parChTrans2D1">
+    <dgm:fillClrLst meth="repeat">
+      <a:schemeClr val="accent1">
+        <a:tint val="60000"/>
+      </a:schemeClr>
+    </dgm:fillClrLst>
+    <dgm:linClrLst meth="repeat">
+      <a:schemeClr val="accent1">
+        <a:tint val="60000"/>
+      </a:schemeClr>
+    </dgm:linClrLst>
+    <dgm:effectClrLst/>
+    <dgm:txLinClrLst/>
+    <dgm:txFillClrLst meth="repeat">
+      <a:schemeClr val="lt1"/>
+    </dgm:txFillClrLst>
+    <dgm:txEffectClrLst/>
+  </dgm:styleLbl>
+  <dgm:styleLbl name="parChTrans2D2">
+    <dgm:fillClrLst meth="repeat">
+      <a:schemeClr val="accent1"/>
+    </dgm:fillClrLst>
+    <dgm:linClrLst meth="repeat">
+      <a:schemeClr val="accent1"/>
+    </dgm:linClrLst>
+    <dgm:effectClrLst/>
+    <dgm:txLinClrLst/>
+    <dgm:txFillClrLst meth="repeat">
+      <a:schemeClr val="lt1"/>
+    </dgm:txFillClrLst>
+    <dgm:txEffectClrLst/>
+  </dgm:styleLbl>
+  <dgm:styleLbl name="parChTrans2D3">
+    <dgm:fillClrLst meth="repeat">
+      <a:schemeClr val="accent1"/>
+    </dgm:fillClrLst>
+    <dgm:linClrLst meth="repeat">
+      <a:schemeClr val="accent1"/>
+    </dgm:linClrLst>
+    <dgm:effectClrLst/>
+    <dgm:txLinClrLst/>
+    <dgm:txFillClrLst meth="repeat">
+      <a:schemeClr val="lt1"/>
+    </dgm:txFillClrLst>
+    <dgm:txEffectClrLst/>
+  </dgm:styleLbl>
+  <dgm:styleLbl name="parChTrans2D4">
+    <dgm:fillClrLst meth="repeat">
+      <a:schemeClr val="accent1"/>
+    </dgm:fillClrLst>
+    <dgm:linClrLst meth="repeat">
+      <a:schemeClr val="accent1"/>
+    </dgm:linClrLst>
+    <dgm:effectClrLst/>
+    <dgm:txLinClrLst/>
+    <dgm:txFillClrLst meth="repeat">
+      <a:schemeClr val="lt1"/>
+    </dgm:txFillClrLst>
+    <dgm:txEffectClrLst/>
+  </dgm:styleLbl>
+  <dgm:styleLbl name="parChTrans1D1">
+    <dgm:fillClrLst meth="repeat">
+      <a:schemeClr val="accent1"/>
+    </dgm:fillClrLst>
+    <dgm:linClrLst meth="repeat">
+      <a:schemeClr val="accent1">
+        <a:shade val="60000"/>
+      </a:schemeClr>
+    </dgm:linClrLst>
+    <dgm:effectClrLst/>
+    <dgm:txLinClrLst/>
+    <dgm:txFillClrLst meth="repeat">
+      <a:schemeClr val="tx1"/>
+    </dgm:txFillClrLst>
+    <dgm:txEffectClrLst/>
+  </dgm:styleLbl>
+  <dgm:styleLbl name="parChTrans1D2">
+    <dgm:fillClrLst meth="repeat">
+      <a:schemeClr val="accent1"/>
+    </dgm:fillClrLst>
+    <dgm:linClrLst meth="repeat">
+      <a:schemeClr val="accent1">
+        <a:shade val="60000"/>
+      </a:schemeClr>
+    </dgm:linClrLst>
+    <dgm:effectClrLst/>
+    <dgm:txLinClrLst/>
+    <dgm:txFillClrLst meth="repeat">
+      <a:schemeClr val="tx1"/>
+    </dgm:txFillClrLst>
+    <dgm:txEffectClrLst/>
+  </dgm:styleLbl>
+  <dgm:styleLbl name="parChTrans1D3">
+    <dgm:fillClrLst meth="repeat">
+      <a:schemeClr val="accent1"/>
+    </dgm:fillClrLst>
+    <dgm:linClrLst meth="repeat">
+      <a:schemeClr val="accent1">
+        <a:shade val="80000"/>
+      </a:schemeClr>
+    </dgm:linClrLst>
+    <dgm:effectClrLst/>
+    <dgm:txLinClrLst/>
+    <dgm:txFillClrLst meth="repeat">
+      <a:schemeClr val="tx1"/>
+    </dgm:txFillClrLst>
+    <dgm:txEffectClrLst/>
+  </dgm:styleLbl>
+  <dgm:styleLbl name="parChTrans1D4">
+    <dgm:fillClrLst meth="repeat">
+      <a:schemeClr val="accent1"/>
+    </dgm:fillClrLst>
+    <dgm:linClrLst meth="repeat">
+      <a:schemeClr val="accent1">
+        <a:shade val="80000"/>
+      </a:schemeClr>
+    </dgm:linClrLst>
+    <dgm:effectClrLst/>
+    <dgm:txLinClrLst/>
+    <dgm:txFillClrLst meth="repeat">
+      <a:schemeClr val="tx1"/>
+    </dgm:txFillClrLst>
+    <dgm:txEffectClrLst/>
+  </dgm:styleLbl>
+  <dgm:styleLbl name="fgAcc1">
+    <dgm:fillClrLst meth="repeat">
+      <a:schemeClr val="lt1">
+        <a:alpha val="90000"/>
+      </a:schemeClr>
+    </dgm:fillClrLst>
+    <dgm:linClrLst meth="repeat">
+      <a:schemeClr val="accent1"/>
+    </dgm:linClrLst>
+    <dgm:effectClrLst/>
+    <dgm:txLinClrLst/>
+    <dgm:txFillClrLst meth="repeat">
+      <a:schemeClr val="dk1"/>
+    </dgm:txFillClrLst>
+    <dgm:txEffectClrLst/>
+  </dgm:styleLbl>
+  <dgm:styleLbl name="conFgAcc1">
+    <dgm:fillClrLst meth="repeat">
+      <a:schemeClr val="lt1">
+        <a:alpha val="90000"/>
+      </a:schemeClr>
+    </dgm:fillClrLst>
+    <dgm:linClrLst meth="repeat">
+      <a:schemeClr val="accent1"/>
+    </dgm:linClrLst>
+    <dgm:effectClrLst/>
+    <dgm:txLinClrLst/>
+    <dgm:txFillClrLst meth="repeat">
+      <a:schemeClr val="dk1"/>
+    </dgm:txFillClrLst>
+    <dgm:txEffectClrLst/>
+  </dgm:styleLbl>
+  <dgm:styleLbl name="alignAcc1">
+    <dgm:fillClrLst meth="repeat">
+      <a:schemeClr val="lt1">
+        <a:alpha val="90000"/>
+      </a:schemeClr>
+    </dgm:fillClrLst>
+    <dgm:linClrLst meth="repeat">
+      <a:schemeClr val="accent1"/>
+    </dgm:linClrLst>
+    <dgm:effectClrLst/>
+    <dgm:txLinClrLst/>
+    <dgm:txFillClrLst meth="repeat">
+      <a:schemeClr val="dk1"/>
+    </dgm:txFillClrLst>
+    <dgm:txEffectClrLst/>
+  </dgm:styleLbl>
+  <dgm:styleLbl name="trAlignAcc1">
+    <dgm:fillClrLst meth="repeat">
+      <a:schemeClr val="lt1">
+        <a:alpha val="40000"/>
+      </a:schemeClr>
+    </dgm:fillClrLst>
+    <dgm:linClrLst meth="repeat">
+      <a:schemeClr val="accent1"/>
+    </dgm:linClrLst>
+    <dgm:effectClrLst/>
+    <dgm:txLinClrLst/>
+    <dgm:txFillClrLst meth="repeat">
+      <a:schemeClr val="dk1"/>
+    </dgm:txFillClrLst>
+    <dgm:txEffectClrLst/>
+  </dgm:styleLbl>
+  <dgm:styleLbl name="bgAcc1">
+    <dgm:fillClrLst meth="repeat">
+      <a:schemeClr val="lt1">
+        <a:alpha val="90000"/>
+      </a:schemeClr>
+    </dgm:fillClrLst>
+    <dgm:linClrLst meth="repeat">
+      <a:schemeClr val="accent1"/>
+    </dgm:linClrLst>
+    <dgm:effectClrLst/>
+    <dgm:txLinClrLst/>
+    <dgm:txFillClrLst meth="repeat">
+      <a:schemeClr val="dk1"/>
+    </dgm:txFillClrLst>
+    <dgm:txEffectClrLst/>
+  </dgm:styleLbl>
+  <dgm:styleLbl name="solidFgAcc1">
+    <dgm:fillClrLst meth="repeat">
+      <a:schemeClr val="lt1"/>
+    </dgm:fillClrLst>
+    <dgm:linClrLst meth="repeat">
+      <a:schemeClr val="accent1"/>
+    </dgm:linClrLst>
+    <dgm:effectClrLst/>
+    <dgm:txLinClrLst/>
+    <dgm:txFillClrLst meth="repeat">
+      <a:schemeClr val="dk1"/>
+    </dgm:txFillClrLst>
+    <dgm:txEffectClrLst/>
+  </dgm:styleLbl>
+  <dgm:styleLbl name="solidAlignAcc1">
+    <dgm:fillClrLst meth="repeat">
+      <a:schemeClr val="lt1"/>
+    </dgm:fillClrLst>
+    <dgm:linClrLst meth="repeat">
+      <a:schemeClr val="accent1"/>
+    </dgm:linClrLst>
+    <dgm:effectClrLst/>
+    <dgm:txLinClrLst/>
+    <dgm:txFillClrLst meth="repeat">
+      <a:schemeClr val="dk1"/>
+    </dgm:txFillClrLst>
+    <dgm:txEffectClrLst/>
+  </dgm:styleLbl>
+  <dgm:styleLbl name="solidBgAcc1">
+    <dgm:fillClrLst meth="repeat">
+      <a:schemeClr val="lt1"/>
+    </dgm:fillClrLst>
+    <dgm:linClrLst meth="repeat">
+      <a:schemeClr val="accent1"/>
+    </dgm:linClrLst>
+    <dgm:effectClrLst/>
+    <dgm:txLinClrLst/>
+    <dgm:txFillClrLst meth="repeat">
+      <a:schemeClr val="dk1"/>
+    </dgm:txFillClrLst>
+    <dgm:txEffectClrLst/>
+  </dgm:styleLbl>
+  <dgm:styleLbl name="fgAccFollowNode1">
+    <dgm:fillClrLst meth="repeat">
+      <a:schemeClr val="accent1">
+        <a:alpha val="90000"/>
+        <a:tint val="40000"/>
+      </a:schemeClr>
+    </dgm:fillClrLst>
+    <dgm:linClrLst meth="repeat">
+      <a:schemeClr val="accent1">
+        <a:alpha val="90000"/>
+        <a:tint val="40000"/>
+      </a:schemeClr>
+    </dgm:linClrLst>
+    <dgm:effectClrLst/>
+    <dgm:txLinClrLst/>
+    <dgm:txFillClrLst meth="repeat">
+      <a:schemeClr val="dk1"/>
+    </dgm:txFillClrLst>
+    <dgm:txEffectClrLst/>
+  </dgm:styleLbl>
+  <dgm:styleLbl name="alignAccFollowNode1">
+    <dgm:fillClrLst meth="repeat">
+      <a:schemeClr val="accent1">
+        <a:alpha val="90000"/>
+        <a:tint val="40000"/>
+      </a:schemeClr>
+    </dgm:fillClrLst>
+    <dgm:linClrLst meth="repeat">
+      <a:schemeClr val="accent1">
+        <a:alpha val="90000"/>
+        <a:tint val="40000"/>
+      </a:schemeClr>
+    </dgm:linClrLst>
+    <dgm:effectClrLst/>
+    <dgm:txLinClrLst/>
+    <dgm:txFillClrLst meth="repeat">
+      <a:schemeClr val="dk1"/>
+    </dgm:txFillClrLst>
+    <dgm:txEffectClrLst/>
+  </dgm:styleLbl>
+  <dgm:styleLbl name="bgAccFollowNode1">
+    <dgm:fillClrLst meth="repeat">
+      <a:schemeClr val="accent1">
+        <a:alpha val="90000"/>
+        <a:tint val="40000"/>
+      </a:schemeClr>
+    </dgm:fillClrLst>
+    <dgm:linClrLst meth="repeat">
+      <a:schemeClr val="accent1">
+        <a:alpha val="90000"/>
+        <a:tint val="40000"/>
+      </a:schemeClr>
+    </dgm:linClrLst>
+    <dgm:effectClrLst/>
+    <dgm:txLinClrLst/>
+    <dgm:txFillClrLst meth="repeat">
+      <a:schemeClr val="dk1"/>
+    </dgm:txFillClrLst>
+    <dgm:txEffectClrLst/>
+  </dgm:styleLbl>
+  <dgm:styleLbl name="fgAcc0">
+    <dgm:fillClrLst meth="repeat">
+      <a:schemeClr val="lt1">
+        <a:alpha val="90000"/>
+      </a:schemeClr>
+    </dgm:fillClrLst>
+    <dgm:linClrLst meth="repeat">
+      <a:schemeClr val="accent1"/>
+    </dgm:linClrLst>
+    <dgm:effectClrLst/>
+    <dgm:txLinClrLst/>
+    <dgm:txFillClrLst meth="repeat">
+      <a:schemeClr val="dk1"/>
+    </dgm:txFillClrLst>
+    <dgm:txEffectClrLst/>
+  </dgm:styleLbl>
+  <dgm:styleLbl name="fgAcc2">
+    <dgm:fillClrLst meth="repeat">
+      <a:schemeClr val="lt1">
+        <a:alpha val="90000"/>
+      </a:schemeClr>
+    </dgm:fillClrLst>
+    <dgm:linClrLst meth="repeat">
+      <a:schemeClr val="accent1"/>
+    </dgm:linClrLst>
+    <dgm:effectClrLst/>
+    <dgm:txLinClrLst/>
+    <dgm:txFillClrLst meth="repeat">
+      <a:schemeClr val="dk1"/>
+    </dgm:txFillClrLst>
+    <dgm:txEffectClrLst/>
+  </dgm:styleLbl>
+  <dgm:styleLbl name="fgAcc3">
+    <dgm:fillClrLst meth="repeat">
+      <a:schemeClr val="lt1">
+        <a:alpha val="90000"/>
+      </a:schemeClr>
+    </dgm:fillClrLst>
+    <dgm:linClrLst meth="repeat">
+      <a:schemeClr val="accent1"/>
+    </dgm:linClrLst>
+    <dgm:effectClrLst/>
+    <dgm:txLinClrLst/>
+    <dgm:txFillClrLst meth="repeat">
+      <a:schemeClr val="dk1"/>
+    </dgm:txFillClrLst>
+    <dgm:txEffectClrLst/>
+  </dgm:styleLbl>
+  <dgm:styleLbl name="fgAcc4">
+    <dgm:fillClrLst meth="repeat">
+      <a:schemeClr val="lt1">
+        <a:alpha val="90000"/>
+      </a:schemeClr>
+    </dgm:fillClrLst>
+    <dgm:linClrLst meth="repeat">
+      <a:schemeClr val="accent1"/>
+    </dgm:linClrLst>
+    <dgm:effectClrLst/>
+    <dgm:txLinClrLst/>
+    <dgm:txFillClrLst meth="repeat">
+      <a:schemeClr val="dk1"/>
+    </dgm:txFillClrLst>
+    <dgm:txEffectClrLst/>
+  </dgm:styleLbl>
+  <dgm:styleLbl name="bgShp">
+    <dgm:fillClrLst meth="repeat">
+      <a:schemeClr val="accent1">
+        <a:tint val="40000"/>
+      </a:schemeClr>
+    </dgm:fillClrLst>
+    <dgm:linClrLst meth="repeat">
+      <a:schemeClr val="accent1"/>
+    </dgm:linClrLst>
+    <dgm:effectClrLst/>
+    <dgm:txLinClrLst/>
+    <dgm:txFillClrLst meth="repeat">
+      <a:schemeClr val="dk1"/>
+    </dgm:txFillClrLst>
+    <dgm:txEffectClrLst/>
+  </dgm:styleLbl>
+  <dgm:styleLbl name="dkBgShp">
+    <dgm:fillClrLst meth="repeat">
+      <a:schemeClr val="accent1">
+        <a:shade val="80000"/>
+      </a:schemeClr>
+    </dgm:fillClrLst>
+    <dgm:linClrLst meth="repeat">
+      <a:schemeClr val="accent1"/>
+    </dgm:linClrLst>
+    <dgm:effectClrLst/>
+    <dgm:txLinClrLst/>
+    <dgm:txFillClrLst meth="repeat">
+      <a:schemeClr val="lt1"/>
+    </dgm:txFillClrLst>
+    <dgm:txEffectClrLst/>
+  </dgm:styleLbl>
+  <dgm:styleLbl name="trBgShp">
+    <dgm:fillClrLst meth="repeat">
+      <a:schemeClr val="accent1">
+        <a:tint val="50000"/>
+        <a:alpha val="40000"/>
+      </a:schemeClr>
+    </dgm:fillClrLst>
+    <dgm:linClrLst meth="repeat">
+      <a:schemeClr val="accent1"/>
+    </dgm:linClrLst>
+    <dgm:effectClrLst/>
+    <dgm:txLinClrLst/>
+    <dgm:txFillClrLst meth="repeat">
+      <a:schemeClr val="lt1"/>
+    </dgm:txFillClrLst>
+    <dgm:txEffectClrLst/>
+  </dgm:styleLbl>
+  <dgm:styleLbl name="fgShp">
+    <dgm:fillClrLst meth="repeat">
+      <a:schemeClr val="accent1">
+        <a:tint val="60000"/>
+      </a:schemeClr>
+    </dgm:fillClrLst>
+    <dgm:linClrLst meth="repeat">
+      <a:schemeClr val="lt1"/>
+    </dgm:linClrLst>
+    <dgm:effectClrLst/>
+    <dgm:txLinClrLst/>
+    <dgm:txFillClrLst meth="repeat">
+      <a:schemeClr val="dk1"/>
+    </dgm:txFillClrLst>
+    <dgm:txEffectClrLst/>
+  </dgm:styleLbl>
+  <dgm:styleLbl name="revTx">
+    <dgm:fillClrLst meth="repeat">
+      <a:schemeClr val="lt1">
+        <a:alpha val="0"/>
+      </a:schemeClr>
+    </dgm:fillClrLst>
+    <dgm:linClrLst meth="repeat">
+      <a:schemeClr val="dk1">
+        <a:alpha val="0"/>
+      </a:schemeClr>
+    </dgm:linClrLst>
+    <dgm:effectClrLst/>
+    <dgm:txLinClrLst/>
+    <dgm:txFillClrLst meth="repeat">
+      <a:schemeClr val="tx1"/>
+    </dgm:txFillClrLst>
+    <dgm:txEffectClrLst/>
+  </dgm:styleLbl>
+</dgm:colorsDef>
+</file>
+
+<file path=ppt/diagrams/data1.xml><?xml version="1.0" encoding="utf-8"?>
+<dgm:dataModel xmlns:dgm="http://schemas.openxmlformats.org/drawingml/2006/diagram" xmlns:a="http://schemas.openxmlformats.org/drawingml/2006/main">
+  <dgm:ptLst>
+    <dgm:pt modelId="{F3908015-7465-432B-9E4E-05056DD92DF9}" type="doc">
+      <dgm:prSet loTypeId="urn:microsoft.com/office/officeart/2018/2/layout/IconVerticalSolidList" loCatId="icon" qsTypeId="urn:microsoft.com/office/officeart/2005/8/quickstyle/simple1" qsCatId="simple" csTypeId="urn:microsoft.com/office/officeart/2005/8/colors/accent1_2" csCatId="accent1" phldr="1"/>
+      <dgm:spPr/>
+      <dgm:t>
+        <a:bodyPr/>
+        <a:lstStyle/>
+        <a:p>
+          <a:endParaRPr lang="en-US"/>
+        </a:p>
+      </dgm:t>
+    </dgm:pt>
+    <dgm:pt modelId="{DAB7D360-F563-4EFC-A314-EAFE291EFBCF}">
+      <dgm:prSet/>
+      <dgm:spPr/>
+      <dgm:t>
+        <a:bodyPr/>
+        <a:lstStyle/>
+        <a:p>
+          <a:pPr>
+            <a:lnSpc>
+              <a:spcPct val="100000"/>
+            </a:lnSpc>
+          </a:pPr>
+          <a:r>
+            <a:rPr lang="en-US"/>
+            <a:t>What’s the difference between analog and digital signals</a:t>
+          </a:r>
+        </a:p>
+      </dgm:t>
+    </dgm:pt>
+    <dgm:pt modelId="{3BED2179-7F0C-47E1-B765-17AA96F6D680}" type="parTrans" cxnId="{D4F0391A-1E07-4AC4-9987-49303849F72D}">
+      <dgm:prSet/>
+      <dgm:spPr/>
+      <dgm:t>
+        <a:bodyPr/>
+        <a:lstStyle/>
+        <a:p>
+          <a:endParaRPr lang="en-US"/>
+        </a:p>
+      </dgm:t>
+    </dgm:pt>
+    <dgm:pt modelId="{55F14768-972F-4F02-88F1-06FB9D4BCABA}" type="sibTrans" cxnId="{D4F0391A-1E07-4AC4-9987-49303849F72D}">
+      <dgm:prSet/>
+      <dgm:spPr/>
+      <dgm:t>
+        <a:bodyPr/>
+        <a:lstStyle/>
+        <a:p>
+          <a:endParaRPr lang="en-US"/>
+        </a:p>
+      </dgm:t>
+    </dgm:pt>
+    <dgm:pt modelId="{7180BC11-DFD4-4557-9B6C-C6899F28EE2D}">
+      <dgm:prSet/>
+      <dgm:spPr/>
+      <dgm:t>
+        <a:bodyPr/>
+        <a:lstStyle/>
+        <a:p>
+          <a:pPr>
+            <a:lnSpc>
+              <a:spcPct val="100000"/>
+            </a:lnSpc>
+          </a:pPr>
+          <a:r>
+            <a:rPr lang="en-US"/>
+            <a:t>Review Electricity Equations</a:t>
+          </a:r>
+        </a:p>
+      </dgm:t>
+    </dgm:pt>
+    <dgm:pt modelId="{A9EB1267-97A6-40BA-965F-41909A401788}" type="parTrans" cxnId="{6EC10096-67B0-4DC4-99AB-EA1E6513B59E}">
+      <dgm:prSet/>
+      <dgm:spPr/>
+      <dgm:t>
+        <a:bodyPr/>
+        <a:lstStyle/>
+        <a:p>
+          <a:endParaRPr lang="en-US"/>
+        </a:p>
+      </dgm:t>
+    </dgm:pt>
+    <dgm:pt modelId="{326273A5-0D3A-4BDD-B660-9A156DEDB664}" type="sibTrans" cxnId="{6EC10096-67B0-4DC4-99AB-EA1E6513B59E}">
+      <dgm:prSet/>
+      <dgm:spPr/>
+      <dgm:t>
+        <a:bodyPr/>
+        <a:lstStyle/>
+        <a:p>
+          <a:endParaRPr lang="en-US"/>
+        </a:p>
+      </dgm:t>
+    </dgm:pt>
+    <dgm:pt modelId="{3D2525A2-BAF2-4258-A005-6EE461788D3B}">
+      <dgm:prSet/>
+      <dgm:spPr/>
+      <dgm:t>
+        <a:bodyPr/>
+        <a:lstStyle/>
+        <a:p>
+          <a:pPr>
+            <a:lnSpc>
+              <a:spcPct val="100000"/>
+            </a:lnSpc>
+          </a:pPr>
+          <a:r>
+            <a:rPr lang="en-US"/>
+            <a:t>General Purpose Input / Output (GPIO)</a:t>
+          </a:r>
+        </a:p>
+      </dgm:t>
+    </dgm:pt>
+    <dgm:pt modelId="{007C98DB-04EE-44A0-8262-74F5D9D29C3B}" type="parTrans" cxnId="{357402A2-1D96-4B66-856C-C57098049978}">
+      <dgm:prSet/>
+      <dgm:spPr/>
+      <dgm:t>
+        <a:bodyPr/>
+        <a:lstStyle/>
+        <a:p>
+          <a:endParaRPr lang="en-US"/>
+        </a:p>
+      </dgm:t>
+    </dgm:pt>
+    <dgm:pt modelId="{63D1F233-E12D-4514-B1C8-4F6765F89D6E}" type="sibTrans" cxnId="{357402A2-1D96-4B66-856C-C57098049978}">
+      <dgm:prSet/>
+      <dgm:spPr/>
+      <dgm:t>
+        <a:bodyPr/>
+        <a:lstStyle/>
+        <a:p>
+          <a:endParaRPr lang="en-US"/>
+        </a:p>
+      </dgm:t>
+    </dgm:pt>
+    <dgm:pt modelId="{8AF790CE-E181-46A8-88DB-AB9F3B1F078A}">
+      <dgm:prSet/>
+      <dgm:spPr/>
+      <dgm:t>
+        <a:bodyPr/>
+        <a:lstStyle/>
+        <a:p>
+          <a:pPr>
+            <a:lnSpc>
+              <a:spcPct val="100000"/>
+            </a:lnSpc>
+          </a:pPr>
+          <a:r>
+            <a:rPr lang="en-US"/>
+            <a:t>Pulse Width Modulation (PWM)</a:t>
+          </a:r>
+        </a:p>
+      </dgm:t>
+    </dgm:pt>
+    <dgm:pt modelId="{6A08B353-31E7-4121-9342-0F077A9F260A}" type="parTrans" cxnId="{1F66CCB9-9B55-412B-9E98-240D87DEF127}">
+      <dgm:prSet/>
+      <dgm:spPr/>
+      <dgm:t>
+        <a:bodyPr/>
+        <a:lstStyle/>
+        <a:p>
+          <a:endParaRPr lang="en-US"/>
+        </a:p>
+      </dgm:t>
+    </dgm:pt>
+    <dgm:pt modelId="{61FAD4C9-43B3-480B-83D5-C3D39D701CA8}" type="sibTrans" cxnId="{1F66CCB9-9B55-412B-9E98-240D87DEF127}">
+      <dgm:prSet/>
+      <dgm:spPr/>
+      <dgm:t>
+        <a:bodyPr/>
+        <a:lstStyle/>
+        <a:p>
+          <a:endParaRPr lang="en-US"/>
+        </a:p>
+      </dgm:t>
+    </dgm:pt>
+    <dgm:pt modelId="{80A06A71-3BED-4F51-BFFD-9077C68E2905}">
+      <dgm:prSet/>
+      <dgm:spPr/>
+      <dgm:t>
+        <a:bodyPr/>
+        <a:lstStyle/>
+        <a:p>
+          <a:pPr>
+            <a:lnSpc>
+              <a:spcPct val="100000"/>
+            </a:lnSpc>
+          </a:pPr>
+          <a:r>
+            <a:rPr lang="en-US"/>
+            <a:t>Analog to Digital Converters (ADC)</a:t>
+          </a:r>
+        </a:p>
+      </dgm:t>
+    </dgm:pt>
+    <dgm:pt modelId="{F53A8F2F-7152-4EE5-8FA0-28FA306730BE}" type="parTrans" cxnId="{D0F86B9D-F87E-4899-AC88-B9727E7FCD36}">
+      <dgm:prSet/>
+      <dgm:spPr/>
+      <dgm:t>
+        <a:bodyPr/>
+        <a:lstStyle/>
+        <a:p>
+          <a:endParaRPr lang="en-US"/>
+        </a:p>
+      </dgm:t>
+    </dgm:pt>
+    <dgm:pt modelId="{F777B929-718B-490A-A530-447A3A1A4138}" type="sibTrans" cxnId="{D0F86B9D-F87E-4899-AC88-B9727E7FCD36}">
+      <dgm:prSet/>
+      <dgm:spPr/>
+      <dgm:t>
+        <a:bodyPr/>
+        <a:lstStyle/>
+        <a:p>
+          <a:endParaRPr lang="en-US"/>
+        </a:p>
+      </dgm:t>
+    </dgm:pt>
+    <dgm:pt modelId="{784C38E1-3D87-486C-99A9-B12793229090}">
+      <dgm:prSet/>
+      <dgm:spPr/>
+      <dgm:t>
+        <a:bodyPr/>
+        <a:lstStyle/>
+        <a:p>
+          <a:pPr>
+            <a:lnSpc>
+              <a:spcPct val="100000"/>
+            </a:lnSpc>
+          </a:pPr>
+          <a:r>
+            <a:rPr lang="en-US"/>
+            <a:t>Microcontrollers and Computer</a:t>
+          </a:r>
+        </a:p>
+      </dgm:t>
+    </dgm:pt>
+    <dgm:pt modelId="{BEF382A2-5846-49B7-B6F2-DC680BDB444A}" type="parTrans" cxnId="{CABCEF2D-2969-4D05-9F7D-757C7016A3E1}">
+      <dgm:prSet/>
+      <dgm:spPr/>
+      <dgm:t>
+        <a:bodyPr/>
+        <a:lstStyle/>
+        <a:p>
+          <a:endParaRPr lang="en-US"/>
+        </a:p>
+      </dgm:t>
+    </dgm:pt>
+    <dgm:pt modelId="{5D28F48E-87CF-47AD-AF32-5AE7D6A39429}" type="sibTrans" cxnId="{CABCEF2D-2969-4D05-9F7D-757C7016A3E1}">
+      <dgm:prSet/>
+      <dgm:spPr/>
+      <dgm:t>
+        <a:bodyPr/>
+        <a:lstStyle/>
+        <a:p>
+          <a:endParaRPr lang="en-US"/>
+        </a:p>
+      </dgm:t>
+    </dgm:pt>
+    <dgm:pt modelId="{3B2EEC11-8D08-4D65-ABA8-1A90E50C7030}" type="pres">
+      <dgm:prSet presAssocID="{F3908015-7465-432B-9E4E-05056DD92DF9}" presName="root" presStyleCnt="0">
+        <dgm:presLayoutVars>
+          <dgm:dir/>
+          <dgm:resizeHandles val="exact"/>
+        </dgm:presLayoutVars>
+      </dgm:prSet>
+      <dgm:spPr/>
+    </dgm:pt>
+    <dgm:pt modelId="{8FAFBFF1-790A-4492-B048-5DA057B4F6CE}" type="pres">
+      <dgm:prSet presAssocID="{DAB7D360-F563-4EFC-A314-EAFE291EFBCF}" presName="compNode" presStyleCnt="0"/>
+      <dgm:spPr/>
+    </dgm:pt>
+    <dgm:pt modelId="{66159A6A-CD53-4595-9280-FABB7F376D60}" type="pres">
+      <dgm:prSet presAssocID="{DAB7D360-F563-4EFC-A314-EAFE291EFBCF}" presName="bgRect" presStyleLbl="bgShp" presStyleIdx="0" presStyleCnt="6"/>
+      <dgm:spPr/>
+    </dgm:pt>
+    <dgm:pt modelId="{8A566769-EDC5-4E16-87B2-C96C0CB2F2F9}" type="pres">
+      <dgm:prSet presAssocID="{DAB7D360-F563-4EFC-A314-EAFE291EFBCF}" presName="iconRect" presStyleLbl="node1" presStyleIdx="0" presStyleCnt="6"/>
+      <dgm:spPr>
+        <a:blipFill>
+          <a:blip xmlns:r="http://schemas.openxmlformats.org/officeDocument/2006/relationships" r:embed="rId1">
+            <a:extLst>
+              <a:ext uri="{28A0092B-C50C-407E-A947-70E740481C1C}">
+                <a14:useLocalDpi xmlns:a14="http://schemas.microsoft.com/office/drawing/2010/main" val="0"/>
+              </a:ext>
+              <a:ext uri="{96DAC541-7B7A-43D3-8B79-37D633B846F1}">
+                <asvg:svgBlip xmlns:asvg="http://schemas.microsoft.com/office/drawing/2016/SVG/main" r:embed="rId2"/>
+              </a:ext>
+            </a:extLst>
+          </a:blip>
+          <a:stretch>
+            <a:fillRect/>
+          </a:stretch>
+        </a:blipFill>
+      </dgm:spPr>
+      <dgm:extLst>
+        <a:ext uri="{E40237B7-FDA0-4F09-8148-C483321AD2D9}">
+          <dgm14:cNvPr xmlns:dgm14="http://schemas.microsoft.com/office/drawing/2010/diagram" id="0" name="" descr="Computer"/>
+        </a:ext>
+      </dgm:extLst>
+    </dgm:pt>
+    <dgm:pt modelId="{262BD844-3017-4733-AE25-CDB9454488D7}" type="pres">
+      <dgm:prSet presAssocID="{DAB7D360-F563-4EFC-A314-EAFE291EFBCF}" presName="spaceRect" presStyleCnt="0"/>
+      <dgm:spPr/>
+    </dgm:pt>
+    <dgm:pt modelId="{3FFAB5BF-B06E-43C4-B53D-F2F2DCAFA820}" type="pres">
+      <dgm:prSet presAssocID="{DAB7D360-F563-4EFC-A314-EAFE291EFBCF}" presName="parTx" presStyleLbl="revTx" presStyleIdx="0" presStyleCnt="6">
+        <dgm:presLayoutVars>
+          <dgm:chMax val="0"/>
+          <dgm:chPref val="0"/>
+        </dgm:presLayoutVars>
+      </dgm:prSet>
+      <dgm:spPr/>
+    </dgm:pt>
+    <dgm:pt modelId="{5D89C8E9-F6D4-4643-84CF-C212AB7960F9}" type="pres">
+      <dgm:prSet presAssocID="{55F14768-972F-4F02-88F1-06FB9D4BCABA}" presName="sibTrans" presStyleCnt="0"/>
+      <dgm:spPr/>
+    </dgm:pt>
+    <dgm:pt modelId="{885A6285-05D3-4D5F-A734-51776E3B9F98}" type="pres">
+      <dgm:prSet presAssocID="{7180BC11-DFD4-4557-9B6C-C6899F28EE2D}" presName="compNode" presStyleCnt="0"/>
+      <dgm:spPr/>
+    </dgm:pt>
+    <dgm:pt modelId="{96EA1F90-36E2-478F-A0C4-E28CBFC190CE}" type="pres">
+      <dgm:prSet presAssocID="{7180BC11-DFD4-4557-9B6C-C6899F28EE2D}" presName="bgRect" presStyleLbl="bgShp" presStyleIdx="1" presStyleCnt="6"/>
+      <dgm:spPr/>
+    </dgm:pt>
+    <dgm:pt modelId="{96D7F51E-D344-44DC-B6C8-A7443E532857}" type="pres">
+      <dgm:prSet presAssocID="{7180BC11-DFD4-4557-9B6C-C6899F28EE2D}" presName="iconRect" presStyleLbl="node1" presStyleIdx="1" presStyleCnt="6"/>
+      <dgm:spPr>
+        <a:blipFill>
+          <a:blip xmlns:r="http://schemas.openxmlformats.org/officeDocument/2006/relationships" r:embed="rId3">
+            <a:extLst>
+              <a:ext uri="{28A0092B-C50C-407E-A947-70E740481C1C}">
+                <a14:useLocalDpi xmlns:a14="http://schemas.microsoft.com/office/drawing/2010/main" val="0"/>
+              </a:ext>
+              <a:ext uri="{96DAC541-7B7A-43D3-8B79-37D633B846F1}">
+                <asvg:svgBlip xmlns:asvg="http://schemas.microsoft.com/office/drawing/2016/SVG/main" r:embed="rId4"/>
+              </a:ext>
+            </a:extLst>
+          </a:blip>
+          <a:stretch>
+            <a:fillRect/>
+          </a:stretch>
+        </a:blipFill>
+      </dgm:spPr>
+      <dgm:extLst>
+        <a:ext uri="{E40237B7-FDA0-4F09-8148-C483321AD2D9}">
+          <dgm14:cNvPr xmlns:dgm14="http://schemas.microsoft.com/office/drawing/2010/diagram" id="0" name="" descr="Checkmark"/>
+        </a:ext>
+      </dgm:extLst>
+    </dgm:pt>
+    <dgm:pt modelId="{59ACE76C-4F6F-4F01-A883-A1D39FEF435A}" type="pres">
+      <dgm:prSet presAssocID="{7180BC11-DFD4-4557-9B6C-C6899F28EE2D}" presName="spaceRect" presStyleCnt="0"/>
+      <dgm:spPr/>
+    </dgm:pt>
+    <dgm:pt modelId="{C93D171E-B9DF-4AA1-83E3-C532CDFDAEBB}" type="pres">
+      <dgm:prSet presAssocID="{7180BC11-DFD4-4557-9B6C-C6899F28EE2D}" presName="parTx" presStyleLbl="revTx" presStyleIdx="1" presStyleCnt="6">
+        <dgm:presLayoutVars>
+          <dgm:chMax val="0"/>
+          <dgm:chPref val="0"/>
+        </dgm:presLayoutVars>
+      </dgm:prSet>
+      <dgm:spPr/>
+    </dgm:pt>
+    <dgm:pt modelId="{AC73E80F-4540-4FA1-95AD-A016E62A5C6D}" type="pres">
+      <dgm:prSet presAssocID="{326273A5-0D3A-4BDD-B660-9A156DEDB664}" presName="sibTrans" presStyleCnt="0"/>
+      <dgm:spPr/>
+    </dgm:pt>
+    <dgm:pt modelId="{82C736E7-7358-4620-A90A-1883FF045AF3}" type="pres">
+      <dgm:prSet presAssocID="{3D2525A2-BAF2-4258-A005-6EE461788D3B}" presName="compNode" presStyleCnt="0"/>
+      <dgm:spPr/>
+    </dgm:pt>
+    <dgm:pt modelId="{1B4004BB-5EB4-427F-BDD3-94559EB096BD}" type="pres">
+      <dgm:prSet presAssocID="{3D2525A2-BAF2-4258-A005-6EE461788D3B}" presName="bgRect" presStyleLbl="bgShp" presStyleIdx="2" presStyleCnt="6"/>
+      <dgm:spPr/>
+    </dgm:pt>
+    <dgm:pt modelId="{3CBCE9D2-D597-44E7-8B96-9FE36F11A69D}" type="pres">
+      <dgm:prSet presAssocID="{3D2525A2-BAF2-4258-A005-6EE461788D3B}" presName="iconRect" presStyleLbl="node1" presStyleIdx="2" presStyleCnt="6"/>
+      <dgm:spPr>
+        <a:blipFill>
+          <a:blip xmlns:r="http://schemas.openxmlformats.org/officeDocument/2006/relationships" r:embed="rId5">
+            <a:extLst>
+              <a:ext uri="{28A0092B-C50C-407E-A947-70E740481C1C}">
+                <a14:useLocalDpi xmlns:a14="http://schemas.microsoft.com/office/drawing/2010/main" val="0"/>
+              </a:ext>
+              <a:ext uri="{96DAC541-7B7A-43D3-8B79-37D633B846F1}">
+                <asvg:svgBlip xmlns:asvg="http://schemas.microsoft.com/office/drawing/2016/SVG/main" r:embed="rId6"/>
+              </a:ext>
+            </a:extLst>
+          </a:blip>
+          <a:stretch>
+            <a:fillRect/>
+          </a:stretch>
+        </a:blipFill>
+      </dgm:spPr>
+      <dgm:extLst>
+        <a:ext uri="{E40237B7-FDA0-4F09-8148-C483321AD2D9}">
+          <dgm14:cNvPr xmlns:dgm14="http://schemas.microsoft.com/office/drawing/2010/diagram" id="0" name="" descr="Gears"/>
+        </a:ext>
+      </dgm:extLst>
+    </dgm:pt>
+    <dgm:pt modelId="{17036C9C-4D02-4C0B-8E23-C27280C1F855}" type="pres">
+      <dgm:prSet presAssocID="{3D2525A2-BAF2-4258-A005-6EE461788D3B}" presName="spaceRect" presStyleCnt="0"/>
+      <dgm:spPr/>
+    </dgm:pt>
+    <dgm:pt modelId="{D1438871-39A3-4849-A26D-999C85A8386F}" type="pres">
+      <dgm:prSet presAssocID="{3D2525A2-BAF2-4258-A005-6EE461788D3B}" presName="parTx" presStyleLbl="revTx" presStyleIdx="2" presStyleCnt="6">
+        <dgm:presLayoutVars>
+          <dgm:chMax val="0"/>
+          <dgm:chPref val="0"/>
+        </dgm:presLayoutVars>
+      </dgm:prSet>
+      <dgm:spPr/>
+    </dgm:pt>
+    <dgm:pt modelId="{B99F85ED-CA24-4739-B7B4-8440D3E80D33}" type="pres">
+      <dgm:prSet presAssocID="{63D1F233-E12D-4514-B1C8-4F6765F89D6E}" presName="sibTrans" presStyleCnt="0"/>
+      <dgm:spPr/>
+    </dgm:pt>
+    <dgm:pt modelId="{97353E5E-0CE3-4458-910D-C5EBD3E4DA15}" type="pres">
+      <dgm:prSet presAssocID="{8AF790CE-E181-46A8-88DB-AB9F3B1F078A}" presName="compNode" presStyleCnt="0"/>
+      <dgm:spPr/>
+    </dgm:pt>
+    <dgm:pt modelId="{10C7B0FB-17E7-42C1-9F5A-6595AE4F1265}" type="pres">
+      <dgm:prSet presAssocID="{8AF790CE-E181-46A8-88DB-AB9F3B1F078A}" presName="bgRect" presStyleLbl="bgShp" presStyleIdx="3" presStyleCnt="6"/>
+      <dgm:spPr/>
+    </dgm:pt>
+    <dgm:pt modelId="{2EE6C836-FFA7-433B-8B80-2DE3BAFD82DB}" type="pres">
+      <dgm:prSet presAssocID="{8AF790CE-E181-46A8-88DB-AB9F3B1F078A}" presName="iconRect" presStyleLbl="node1" presStyleIdx="3" presStyleCnt="6"/>
+      <dgm:spPr>
+        <a:blipFill>
+          <a:blip xmlns:r="http://schemas.openxmlformats.org/officeDocument/2006/relationships" r:embed="rId7">
+            <a:extLst>
+              <a:ext uri="{28A0092B-C50C-407E-A947-70E740481C1C}">
+                <a14:useLocalDpi xmlns:a14="http://schemas.microsoft.com/office/drawing/2010/main" val="0"/>
+              </a:ext>
+              <a:ext uri="{96DAC541-7B7A-43D3-8B79-37D633B846F1}">
+                <asvg:svgBlip xmlns:asvg="http://schemas.microsoft.com/office/drawing/2016/SVG/main" r:embed="rId8"/>
+              </a:ext>
+            </a:extLst>
+          </a:blip>
+          <a:stretch>
+            <a:fillRect/>
+          </a:stretch>
+        </a:blipFill>
+      </dgm:spPr>
+      <dgm:extLst>
+        <a:ext uri="{E40237B7-FDA0-4F09-8148-C483321AD2D9}">
+          <dgm14:cNvPr xmlns:dgm14="http://schemas.microsoft.com/office/drawing/2010/diagram" id="0" name="" descr="Heart with Pulse"/>
+        </a:ext>
+      </dgm:extLst>
+    </dgm:pt>
+    <dgm:pt modelId="{3EEF3B2E-AEFA-482C-9EC3-4E0131806E18}" type="pres">
+      <dgm:prSet presAssocID="{8AF790CE-E181-46A8-88DB-AB9F3B1F078A}" presName="spaceRect" presStyleCnt="0"/>
+      <dgm:spPr/>
+    </dgm:pt>
+    <dgm:pt modelId="{98703186-FBCD-4651-A55A-418324ABAD03}" type="pres">
+      <dgm:prSet presAssocID="{8AF790CE-E181-46A8-88DB-AB9F3B1F078A}" presName="parTx" presStyleLbl="revTx" presStyleIdx="3" presStyleCnt="6">
+        <dgm:presLayoutVars>
+          <dgm:chMax val="0"/>
+          <dgm:chPref val="0"/>
+        </dgm:presLayoutVars>
+      </dgm:prSet>
+      <dgm:spPr/>
+    </dgm:pt>
+    <dgm:pt modelId="{F6D45813-D9F5-4035-8FEA-0C2C68742D84}" type="pres">
+      <dgm:prSet presAssocID="{61FAD4C9-43B3-480B-83D5-C3D39D701CA8}" presName="sibTrans" presStyleCnt="0"/>
+      <dgm:spPr/>
+    </dgm:pt>
+    <dgm:pt modelId="{A5EF01E8-CA64-413C-BCF9-41723078E6FA}" type="pres">
+      <dgm:prSet presAssocID="{80A06A71-3BED-4F51-BFFD-9077C68E2905}" presName="compNode" presStyleCnt="0"/>
+      <dgm:spPr/>
+    </dgm:pt>
+    <dgm:pt modelId="{F444FD42-3865-4DCC-9493-02255D61C0B9}" type="pres">
+      <dgm:prSet presAssocID="{80A06A71-3BED-4F51-BFFD-9077C68E2905}" presName="bgRect" presStyleLbl="bgShp" presStyleIdx="4" presStyleCnt="6"/>
+      <dgm:spPr/>
+    </dgm:pt>
+    <dgm:pt modelId="{64A269F8-31B5-40AA-B591-6FA2B95F4DCD}" type="pres">
+      <dgm:prSet presAssocID="{80A06A71-3BED-4F51-BFFD-9077C68E2905}" presName="iconRect" presStyleLbl="node1" presStyleIdx="4" presStyleCnt="6"/>
+      <dgm:spPr>
+        <a:blipFill>
+          <a:blip xmlns:r="http://schemas.openxmlformats.org/officeDocument/2006/relationships" r:embed="rId9">
+            <a:extLst>
+              <a:ext uri="{28A0092B-C50C-407E-A947-70E740481C1C}">
+                <a14:useLocalDpi xmlns:a14="http://schemas.microsoft.com/office/drawing/2010/main" val="0"/>
+              </a:ext>
+              <a:ext uri="{96DAC541-7B7A-43D3-8B79-37D633B846F1}">
+                <asvg:svgBlip xmlns:asvg="http://schemas.microsoft.com/office/drawing/2016/SVG/main" r:embed="rId10"/>
+              </a:ext>
+            </a:extLst>
+          </a:blip>
+          <a:stretch>
+            <a:fillRect/>
+          </a:stretch>
+        </a:blipFill>
+      </dgm:spPr>
+      <dgm:extLst>
+        <a:ext uri="{E40237B7-FDA0-4F09-8148-C483321AD2D9}">
+          <dgm14:cNvPr xmlns:dgm14="http://schemas.microsoft.com/office/drawing/2010/diagram" id="0" name="" descr="Beaker"/>
+        </a:ext>
+      </dgm:extLst>
+    </dgm:pt>
+    <dgm:pt modelId="{9394554B-638A-44AD-9471-6AC27CFC682E}" type="pres">
+      <dgm:prSet presAssocID="{80A06A71-3BED-4F51-BFFD-9077C68E2905}" presName="spaceRect" presStyleCnt="0"/>
+      <dgm:spPr/>
+    </dgm:pt>
+    <dgm:pt modelId="{D2827C13-1287-4B92-B50B-8815553A2065}" type="pres">
+      <dgm:prSet presAssocID="{80A06A71-3BED-4F51-BFFD-9077C68E2905}" presName="parTx" presStyleLbl="revTx" presStyleIdx="4" presStyleCnt="6">
+        <dgm:presLayoutVars>
+          <dgm:chMax val="0"/>
+          <dgm:chPref val="0"/>
+        </dgm:presLayoutVars>
+      </dgm:prSet>
+      <dgm:spPr/>
+    </dgm:pt>
+    <dgm:pt modelId="{E2CF9F5A-DAF4-4B69-AE8D-C063E9E7FD64}" type="pres">
+      <dgm:prSet presAssocID="{F777B929-718B-490A-A530-447A3A1A4138}" presName="sibTrans" presStyleCnt="0"/>
+      <dgm:spPr/>
+    </dgm:pt>
+    <dgm:pt modelId="{20FA4572-3A28-49B0-A00E-B1852F6EBFBF}" type="pres">
+      <dgm:prSet presAssocID="{784C38E1-3D87-486C-99A9-B12793229090}" presName="compNode" presStyleCnt="0"/>
+      <dgm:spPr/>
+    </dgm:pt>
+    <dgm:pt modelId="{B860D185-FA60-460F-8C71-236CD8057D2C}" type="pres">
+      <dgm:prSet presAssocID="{784C38E1-3D87-486C-99A9-B12793229090}" presName="bgRect" presStyleLbl="bgShp" presStyleIdx="5" presStyleCnt="6"/>
+      <dgm:spPr/>
+    </dgm:pt>
+    <dgm:pt modelId="{44466192-A68E-465C-9F16-9EC1271745EB}" type="pres">
+      <dgm:prSet presAssocID="{784C38E1-3D87-486C-99A9-B12793229090}" presName="iconRect" presStyleLbl="node1" presStyleIdx="5" presStyleCnt="6"/>
+      <dgm:spPr>
+        <a:blipFill>
+          <a:blip xmlns:r="http://schemas.openxmlformats.org/officeDocument/2006/relationships" r:embed="rId11">
+            <a:extLst>
+              <a:ext uri="{28A0092B-C50C-407E-A947-70E740481C1C}">
+                <a14:useLocalDpi xmlns:a14="http://schemas.microsoft.com/office/drawing/2010/main" val="0"/>
+              </a:ext>
+              <a:ext uri="{96DAC541-7B7A-43D3-8B79-37D633B846F1}">
+                <asvg:svgBlip xmlns:asvg="http://schemas.microsoft.com/office/drawing/2016/SVG/main" r:embed="rId12"/>
+              </a:ext>
+            </a:extLst>
+          </a:blip>
+          <a:stretch>
+            <a:fillRect/>
+          </a:stretch>
+        </a:blipFill>
+      </dgm:spPr>
+      <dgm:extLst>
+        <a:ext uri="{E40237B7-FDA0-4F09-8148-C483321AD2D9}">
+          <dgm14:cNvPr xmlns:dgm14="http://schemas.microsoft.com/office/drawing/2010/diagram" id="0" name="" descr="Laptop"/>
+        </a:ext>
+      </dgm:extLst>
+    </dgm:pt>
+    <dgm:pt modelId="{71C38BB4-D400-49EC-B8C5-32D2D99A1EB8}" type="pres">
+      <dgm:prSet presAssocID="{784C38E1-3D87-486C-99A9-B12793229090}" presName="spaceRect" presStyleCnt="0"/>
+      <dgm:spPr/>
+    </dgm:pt>
+    <dgm:pt modelId="{884841A4-0D48-425B-989D-139B3BBC8410}" type="pres">
+      <dgm:prSet presAssocID="{784C38E1-3D87-486C-99A9-B12793229090}" presName="parTx" presStyleLbl="revTx" presStyleIdx="5" presStyleCnt="6">
+        <dgm:presLayoutVars>
+          <dgm:chMax val="0"/>
+          <dgm:chPref val="0"/>
+        </dgm:presLayoutVars>
+      </dgm:prSet>
+      <dgm:spPr/>
+    </dgm:pt>
+  </dgm:ptLst>
+  <dgm:cxnLst>
+    <dgm:cxn modelId="{EB1B2809-08FD-45C4-B198-0AB080DEC3A6}" type="presOf" srcId="{7180BC11-DFD4-4557-9B6C-C6899F28EE2D}" destId="{C93D171E-B9DF-4AA1-83E3-C532CDFDAEBB}" srcOrd="0" destOrd="0" presId="urn:microsoft.com/office/officeart/2018/2/layout/IconVerticalSolidList"/>
+    <dgm:cxn modelId="{D4F0391A-1E07-4AC4-9987-49303849F72D}" srcId="{F3908015-7465-432B-9E4E-05056DD92DF9}" destId="{DAB7D360-F563-4EFC-A314-EAFE291EFBCF}" srcOrd="0" destOrd="0" parTransId="{3BED2179-7F0C-47E1-B765-17AA96F6D680}" sibTransId="{55F14768-972F-4F02-88F1-06FB9D4BCABA}"/>
+    <dgm:cxn modelId="{CABCEF2D-2969-4D05-9F7D-757C7016A3E1}" srcId="{F3908015-7465-432B-9E4E-05056DD92DF9}" destId="{784C38E1-3D87-486C-99A9-B12793229090}" srcOrd="5" destOrd="0" parTransId="{BEF382A2-5846-49B7-B6F2-DC680BDB444A}" sibTransId="{5D28F48E-87CF-47AD-AF32-5AE7D6A39429}"/>
+    <dgm:cxn modelId="{E1BF4F3C-E5CF-462F-9CDB-7C075C6C3C63}" type="presOf" srcId="{DAB7D360-F563-4EFC-A314-EAFE291EFBCF}" destId="{3FFAB5BF-B06E-43C4-B53D-F2F2DCAFA820}" srcOrd="0" destOrd="0" presId="urn:microsoft.com/office/officeart/2018/2/layout/IconVerticalSolidList"/>
+    <dgm:cxn modelId="{E21F8287-52B2-4B86-87D6-BB2BCAB8DB97}" type="presOf" srcId="{8AF790CE-E181-46A8-88DB-AB9F3B1F078A}" destId="{98703186-FBCD-4651-A55A-418324ABAD03}" srcOrd="0" destOrd="0" presId="urn:microsoft.com/office/officeart/2018/2/layout/IconVerticalSolidList"/>
+    <dgm:cxn modelId="{6EC10096-67B0-4DC4-99AB-EA1E6513B59E}" srcId="{F3908015-7465-432B-9E4E-05056DD92DF9}" destId="{7180BC11-DFD4-4557-9B6C-C6899F28EE2D}" srcOrd="1" destOrd="0" parTransId="{A9EB1267-97A6-40BA-965F-41909A401788}" sibTransId="{326273A5-0D3A-4BDD-B660-9A156DEDB664}"/>
+    <dgm:cxn modelId="{D0F86B9D-F87E-4899-AC88-B9727E7FCD36}" srcId="{F3908015-7465-432B-9E4E-05056DD92DF9}" destId="{80A06A71-3BED-4F51-BFFD-9077C68E2905}" srcOrd="4" destOrd="0" parTransId="{F53A8F2F-7152-4EE5-8FA0-28FA306730BE}" sibTransId="{F777B929-718B-490A-A530-447A3A1A4138}"/>
+    <dgm:cxn modelId="{357402A2-1D96-4B66-856C-C57098049978}" srcId="{F3908015-7465-432B-9E4E-05056DD92DF9}" destId="{3D2525A2-BAF2-4258-A005-6EE461788D3B}" srcOrd="2" destOrd="0" parTransId="{007C98DB-04EE-44A0-8262-74F5D9D29C3B}" sibTransId="{63D1F233-E12D-4514-B1C8-4F6765F89D6E}"/>
+    <dgm:cxn modelId="{61FA86A3-139A-4253-9130-C18D580B1373}" type="presOf" srcId="{3D2525A2-BAF2-4258-A005-6EE461788D3B}" destId="{D1438871-39A3-4849-A26D-999C85A8386F}" srcOrd="0" destOrd="0" presId="urn:microsoft.com/office/officeart/2018/2/layout/IconVerticalSolidList"/>
+    <dgm:cxn modelId="{1F66CCB9-9B55-412B-9E98-240D87DEF127}" srcId="{F3908015-7465-432B-9E4E-05056DD92DF9}" destId="{8AF790CE-E181-46A8-88DB-AB9F3B1F078A}" srcOrd="3" destOrd="0" parTransId="{6A08B353-31E7-4121-9342-0F077A9F260A}" sibTransId="{61FAD4C9-43B3-480B-83D5-C3D39D701CA8}"/>
+    <dgm:cxn modelId="{5958E2C0-CFB1-4CC2-898E-D3179AB6B601}" type="presOf" srcId="{784C38E1-3D87-486C-99A9-B12793229090}" destId="{884841A4-0D48-425B-989D-139B3BBC8410}" srcOrd="0" destOrd="0" presId="urn:microsoft.com/office/officeart/2018/2/layout/IconVerticalSolidList"/>
+    <dgm:cxn modelId="{7A14C0CF-90C1-4A17-A909-C62358574C9F}" type="presOf" srcId="{F3908015-7465-432B-9E4E-05056DD92DF9}" destId="{3B2EEC11-8D08-4D65-ABA8-1A90E50C7030}" srcOrd="0" destOrd="0" presId="urn:microsoft.com/office/officeart/2018/2/layout/IconVerticalSolidList"/>
+    <dgm:cxn modelId="{D7D325EC-27B1-4B46-888E-3CE2BD042BAB}" type="presOf" srcId="{80A06A71-3BED-4F51-BFFD-9077C68E2905}" destId="{D2827C13-1287-4B92-B50B-8815553A2065}" srcOrd="0" destOrd="0" presId="urn:microsoft.com/office/officeart/2018/2/layout/IconVerticalSolidList"/>
+    <dgm:cxn modelId="{AA9D97AF-AAE4-490F-BB5B-89849AEA8417}" type="presParOf" srcId="{3B2EEC11-8D08-4D65-ABA8-1A90E50C7030}" destId="{8FAFBFF1-790A-4492-B048-5DA057B4F6CE}" srcOrd="0" destOrd="0" presId="urn:microsoft.com/office/officeart/2018/2/layout/IconVerticalSolidList"/>
+    <dgm:cxn modelId="{92C8F24A-3669-4650-9EF2-8C3F59F76988}" type="presParOf" srcId="{8FAFBFF1-790A-4492-B048-5DA057B4F6CE}" destId="{66159A6A-CD53-4595-9280-FABB7F376D60}" srcOrd="0" destOrd="0" presId="urn:microsoft.com/office/officeart/2018/2/layout/IconVerticalSolidList"/>
+    <dgm:cxn modelId="{5BDD4547-7F31-4A32-A792-087DF51DD744}" type="presParOf" srcId="{8FAFBFF1-790A-4492-B048-5DA057B4F6CE}" destId="{8A566769-EDC5-4E16-87B2-C96C0CB2F2F9}" srcOrd="1" destOrd="0" presId="urn:microsoft.com/office/officeart/2018/2/layout/IconVerticalSolidList"/>
+    <dgm:cxn modelId="{64F1562F-85C8-48BD-B0B9-2068FCFA7E99}" type="presParOf" srcId="{8FAFBFF1-790A-4492-B048-5DA057B4F6CE}" destId="{262BD844-3017-4733-AE25-CDB9454488D7}" srcOrd="2" destOrd="0" presId="urn:microsoft.com/office/officeart/2018/2/layout/IconVerticalSolidList"/>
+    <dgm:cxn modelId="{F51D41EA-F350-4EAE-9229-8E5BFC3EE10A}" type="presParOf" srcId="{8FAFBFF1-790A-4492-B048-5DA057B4F6CE}" destId="{3FFAB5BF-B06E-43C4-B53D-F2F2DCAFA820}" srcOrd="3" destOrd="0" presId="urn:microsoft.com/office/officeart/2018/2/layout/IconVerticalSolidList"/>
+    <dgm:cxn modelId="{FB9E2D75-20C5-4B94-9DDF-BD7244991DD1}" type="presParOf" srcId="{3B2EEC11-8D08-4D65-ABA8-1A90E50C7030}" destId="{5D89C8E9-F6D4-4643-84CF-C212AB7960F9}" srcOrd="1" destOrd="0" presId="urn:microsoft.com/office/officeart/2018/2/layout/IconVerticalSolidList"/>
+    <dgm:cxn modelId="{C5C8F80D-68E1-4313-8886-2349AE003021}" type="presParOf" srcId="{3B2EEC11-8D08-4D65-ABA8-1A90E50C7030}" destId="{885A6285-05D3-4D5F-A734-51776E3B9F98}" srcOrd="2" destOrd="0" presId="urn:microsoft.com/office/officeart/2018/2/layout/IconVerticalSolidList"/>
+    <dgm:cxn modelId="{2B60B0BE-6727-44AF-A71D-F8B69A65C508}" type="presParOf" srcId="{885A6285-05D3-4D5F-A734-51776E3B9F98}" destId="{96EA1F90-36E2-478F-A0C4-E28CBFC190CE}" srcOrd="0" destOrd="0" presId="urn:microsoft.com/office/officeart/2018/2/layout/IconVerticalSolidList"/>
+    <dgm:cxn modelId="{3E9782D3-2AB5-424F-BC87-D6D9FC0B9C2E}" type="presParOf" srcId="{885A6285-05D3-4D5F-A734-51776E3B9F98}" destId="{96D7F51E-D344-44DC-B6C8-A7443E532857}" srcOrd="1" destOrd="0" presId="urn:microsoft.com/office/officeart/2018/2/layout/IconVerticalSolidList"/>
+    <dgm:cxn modelId="{4AF2E504-E7C1-42C8-8A3E-2634169FC677}" type="presParOf" srcId="{885A6285-05D3-4D5F-A734-51776E3B9F98}" destId="{59ACE76C-4F6F-4F01-A883-A1D39FEF435A}" srcOrd="2" destOrd="0" presId="urn:microsoft.com/office/officeart/2018/2/layout/IconVerticalSolidList"/>
+    <dgm:cxn modelId="{F6FBF264-C500-4831-99FF-2DCC447A2D6A}" type="presParOf" srcId="{885A6285-05D3-4D5F-A734-51776E3B9F98}" destId="{C93D171E-B9DF-4AA1-83E3-C532CDFDAEBB}" srcOrd="3" destOrd="0" presId="urn:microsoft.com/office/officeart/2018/2/layout/IconVerticalSolidList"/>
+    <dgm:cxn modelId="{812F6539-302E-4E06-816D-CADC9ACD0991}" type="presParOf" srcId="{3B2EEC11-8D08-4D65-ABA8-1A90E50C7030}" destId="{AC73E80F-4540-4FA1-95AD-A016E62A5C6D}" srcOrd="3" destOrd="0" presId="urn:microsoft.com/office/officeart/2018/2/layout/IconVerticalSolidList"/>
+    <dgm:cxn modelId="{383518C6-A8AE-47A9-97A2-552816C46507}" type="presParOf" srcId="{3B2EEC11-8D08-4D65-ABA8-1A90E50C7030}" destId="{82C736E7-7358-4620-A90A-1883FF045AF3}" srcOrd="4" destOrd="0" presId="urn:microsoft.com/office/officeart/2018/2/layout/IconVerticalSolidList"/>
+    <dgm:cxn modelId="{99F96F52-FE9C-4866-904D-DE9EE4C4C0E1}" type="presParOf" srcId="{82C736E7-7358-4620-A90A-1883FF045AF3}" destId="{1B4004BB-5EB4-427F-BDD3-94559EB096BD}" srcOrd="0" destOrd="0" presId="urn:microsoft.com/office/officeart/2018/2/layout/IconVerticalSolidList"/>
+    <dgm:cxn modelId="{64D32CA6-5AC2-4287-9919-4DB85C90A184}" type="presParOf" srcId="{82C736E7-7358-4620-A90A-1883FF045AF3}" destId="{3CBCE9D2-D597-44E7-8B96-9FE36F11A69D}" srcOrd="1" destOrd="0" presId="urn:microsoft.com/office/officeart/2018/2/layout/IconVerticalSolidList"/>
+    <dgm:cxn modelId="{A8CAFB21-23B5-4E57-BB66-A3E187A2CA5B}" type="presParOf" srcId="{82C736E7-7358-4620-A90A-1883FF045AF3}" destId="{17036C9C-4D02-4C0B-8E23-C27280C1F855}" srcOrd="2" destOrd="0" presId="urn:microsoft.com/office/officeart/2018/2/layout/IconVerticalSolidList"/>
+    <dgm:cxn modelId="{94E59CF3-139B-41C8-83CA-085676791A71}" type="presParOf" srcId="{82C736E7-7358-4620-A90A-1883FF045AF3}" destId="{D1438871-39A3-4849-A26D-999C85A8386F}" srcOrd="3" destOrd="0" presId="urn:microsoft.com/office/officeart/2018/2/layout/IconVerticalSolidList"/>
+    <dgm:cxn modelId="{596BF500-4372-400A-8A95-A56504B9F42A}" type="presParOf" srcId="{3B2EEC11-8D08-4D65-ABA8-1A90E50C7030}" destId="{B99F85ED-CA24-4739-B7B4-8440D3E80D33}" srcOrd="5" destOrd="0" presId="urn:microsoft.com/office/officeart/2018/2/layout/IconVerticalSolidList"/>
+    <dgm:cxn modelId="{C4B7FAF8-A7DC-4DCB-95D6-05E1A03F698A}" type="presParOf" srcId="{3B2EEC11-8D08-4D65-ABA8-1A90E50C7030}" destId="{97353E5E-0CE3-4458-910D-C5EBD3E4DA15}" srcOrd="6" destOrd="0" presId="urn:microsoft.com/office/officeart/2018/2/layout/IconVerticalSolidList"/>
+    <dgm:cxn modelId="{C0C38BC8-F9F0-43CE-B701-D2585DBE0E49}" type="presParOf" srcId="{97353E5E-0CE3-4458-910D-C5EBD3E4DA15}" destId="{10C7B0FB-17E7-42C1-9F5A-6595AE4F1265}" srcOrd="0" destOrd="0" presId="urn:microsoft.com/office/officeart/2018/2/layout/IconVerticalSolidList"/>
+    <dgm:cxn modelId="{BA8B7B31-E231-4A28-AEBC-56764DE79101}" type="presParOf" srcId="{97353E5E-0CE3-4458-910D-C5EBD3E4DA15}" destId="{2EE6C836-FFA7-433B-8B80-2DE3BAFD82DB}" srcOrd="1" destOrd="0" presId="urn:microsoft.com/office/officeart/2018/2/layout/IconVerticalSolidList"/>
+    <dgm:cxn modelId="{803C97D0-383D-4226-99C8-2059AAEB5388}" type="presParOf" srcId="{97353E5E-0CE3-4458-910D-C5EBD3E4DA15}" destId="{3EEF3B2E-AEFA-482C-9EC3-4E0131806E18}" srcOrd="2" destOrd="0" presId="urn:microsoft.com/office/officeart/2018/2/layout/IconVerticalSolidList"/>
+    <dgm:cxn modelId="{7444C890-5B78-4E25-8389-A1F24E4FBC9D}" type="presParOf" srcId="{97353E5E-0CE3-4458-910D-C5EBD3E4DA15}" destId="{98703186-FBCD-4651-A55A-418324ABAD03}" srcOrd="3" destOrd="0" presId="urn:microsoft.com/office/officeart/2018/2/layout/IconVerticalSolidList"/>
+    <dgm:cxn modelId="{819A928A-9DB8-4B52-9AF3-4A5B46C7BE7A}" type="presParOf" srcId="{3B2EEC11-8D08-4D65-ABA8-1A90E50C7030}" destId="{F6D45813-D9F5-4035-8FEA-0C2C68742D84}" srcOrd="7" destOrd="0" presId="urn:microsoft.com/office/officeart/2018/2/layout/IconVerticalSolidList"/>
+    <dgm:cxn modelId="{811A43F5-C804-43D1-883C-02AF729A997D}" type="presParOf" srcId="{3B2EEC11-8D08-4D65-ABA8-1A90E50C7030}" destId="{A5EF01E8-CA64-413C-BCF9-41723078E6FA}" srcOrd="8" destOrd="0" presId="urn:microsoft.com/office/officeart/2018/2/layout/IconVerticalSolidList"/>
+    <dgm:cxn modelId="{CD245B99-CB84-4C9E-918E-B0FBCE932CCF}" type="presParOf" srcId="{A5EF01E8-CA64-413C-BCF9-41723078E6FA}" destId="{F444FD42-3865-4DCC-9493-02255D61C0B9}" srcOrd="0" destOrd="0" presId="urn:microsoft.com/office/officeart/2018/2/layout/IconVerticalSolidList"/>
+    <dgm:cxn modelId="{C93D7ED7-FC3F-4C4F-B3ED-475ABA8A3E7A}" type="presParOf" srcId="{A5EF01E8-CA64-413C-BCF9-41723078E6FA}" destId="{64A269F8-31B5-40AA-B591-6FA2B95F4DCD}" srcOrd="1" destOrd="0" presId="urn:microsoft.com/office/officeart/2018/2/layout/IconVerticalSolidList"/>
+    <dgm:cxn modelId="{6B85EC47-E462-4217-9AED-6ECD05691FB8}" type="presParOf" srcId="{A5EF01E8-CA64-413C-BCF9-41723078E6FA}" destId="{9394554B-638A-44AD-9471-6AC27CFC682E}" srcOrd="2" destOrd="0" presId="urn:microsoft.com/office/officeart/2018/2/layout/IconVerticalSolidList"/>
+    <dgm:cxn modelId="{54FC783F-B8D5-4A02-8177-F85C94474C5D}" type="presParOf" srcId="{A5EF01E8-CA64-413C-BCF9-41723078E6FA}" destId="{D2827C13-1287-4B92-B50B-8815553A2065}" srcOrd="3" destOrd="0" presId="urn:microsoft.com/office/officeart/2018/2/layout/IconVerticalSolidList"/>
+    <dgm:cxn modelId="{C49A1B26-4C26-4478-94B5-5F67FD7A4C3E}" type="presParOf" srcId="{3B2EEC11-8D08-4D65-ABA8-1A90E50C7030}" destId="{E2CF9F5A-DAF4-4B69-AE8D-C063E9E7FD64}" srcOrd="9" destOrd="0" presId="urn:microsoft.com/office/officeart/2018/2/layout/IconVerticalSolidList"/>
+    <dgm:cxn modelId="{EBFB364B-5986-42AD-80C7-1298D07B8B58}" type="presParOf" srcId="{3B2EEC11-8D08-4D65-ABA8-1A90E50C7030}" destId="{20FA4572-3A28-49B0-A00E-B1852F6EBFBF}" srcOrd="10" destOrd="0" presId="urn:microsoft.com/office/officeart/2018/2/layout/IconVerticalSolidList"/>
+    <dgm:cxn modelId="{94460BEA-75B7-42C7-9B8D-EA075EC9C19C}" type="presParOf" srcId="{20FA4572-3A28-49B0-A00E-B1852F6EBFBF}" destId="{B860D185-FA60-460F-8C71-236CD8057D2C}" srcOrd="0" destOrd="0" presId="urn:microsoft.com/office/officeart/2018/2/layout/IconVerticalSolidList"/>
+    <dgm:cxn modelId="{226D9290-E891-4812-A2E1-BDBCAE729332}" type="presParOf" srcId="{20FA4572-3A28-49B0-A00E-B1852F6EBFBF}" destId="{44466192-A68E-465C-9F16-9EC1271745EB}" srcOrd="1" destOrd="0" presId="urn:microsoft.com/office/officeart/2018/2/layout/IconVerticalSolidList"/>
+    <dgm:cxn modelId="{F924C0FC-09CD-40CC-9426-D6F382F5AAE6}" type="presParOf" srcId="{20FA4572-3A28-49B0-A00E-B1852F6EBFBF}" destId="{71C38BB4-D400-49EC-B8C5-32D2D99A1EB8}" srcOrd="2" destOrd="0" presId="urn:microsoft.com/office/officeart/2018/2/layout/IconVerticalSolidList"/>
+    <dgm:cxn modelId="{97075226-62C5-4668-8250-C3833844E078}" type="presParOf" srcId="{20FA4572-3A28-49B0-A00E-B1852F6EBFBF}" destId="{884841A4-0D48-425B-989D-139B3BBC8410}" srcOrd="3" destOrd="0" presId="urn:microsoft.com/office/officeart/2018/2/layout/IconVerticalSolidList"/>
+  </dgm:cxnLst>
+  <dgm:bg/>
+  <dgm:whole/>
+  <dgm:extLst>
+    <a:ext uri="http://schemas.microsoft.com/office/drawing/2008/diagram">
+      <dsp:dataModelExt xmlns:dsp="http://schemas.microsoft.com/office/drawing/2008/diagram" relId="rId6" minVer="http://schemas.openxmlformats.org/drawingml/2006/diagram"/>
+    </a:ext>
+  </dgm:extLst>
+</dgm:dataModel>
+</file>
+
+<file path=ppt/diagrams/drawing1.xml><?xml version="1.0" encoding="utf-8"?>
+<dsp:drawing xmlns:dgm="http://schemas.openxmlformats.org/drawingml/2006/diagram" xmlns:dsp="http://schemas.microsoft.com/office/drawing/2008/diagram" xmlns:a="http://schemas.openxmlformats.org/drawingml/2006/main">
+  <dsp:spTree>
+    <dsp:nvGrpSpPr>
+      <dsp:cNvPr id="0" name=""/>
+      <dsp:cNvGrpSpPr/>
+    </dsp:nvGrpSpPr>
+    <dsp:grpSpPr/>
+    <dsp:sp modelId="{66159A6A-CD53-4595-9280-FABB7F376D60}">
+      <dsp:nvSpPr>
+        <dsp:cNvPr id="0" name=""/>
+        <dsp:cNvSpPr/>
+      </dsp:nvSpPr>
+      <dsp:spPr>
+        <a:xfrm>
+          <a:off x="0" y="1576"/>
+          <a:ext cx="6172199" cy="671789"/>
+        </a:xfrm>
+        <a:prstGeom prst="roundRect">
+          <a:avLst>
+            <a:gd name="adj" fmla="val 10000"/>
+          </a:avLst>
+        </a:prstGeom>
+        <a:solidFill>
+          <a:schemeClr val="accent1">
+            <a:tint val="40000"/>
+            <a:hueOff val="0"/>
+            <a:satOff val="0"/>
+            <a:lumOff val="0"/>
+            <a:alphaOff val="0"/>
+          </a:schemeClr>
+        </a:solidFill>
+        <a:ln>
+          <a:noFill/>
+        </a:ln>
+        <a:effectLst/>
+      </dsp:spPr>
+      <dsp:style>
+        <a:lnRef idx="0">
+          <a:scrgbClr r="0" g="0" b="0"/>
+        </a:lnRef>
+        <a:fillRef idx="1">
+          <a:scrgbClr r="0" g="0" b="0"/>
+        </a:fillRef>
+        <a:effectRef idx="0">
+          <a:scrgbClr r="0" g="0" b="0"/>
+        </a:effectRef>
+        <a:fontRef idx="minor"/>
+      </dsp:style>
+    </dsp:sp>
+    <dsp:sp modelId="{8A566769-EDC5-4E16-87B2-C96C0CB2F2F9}">
+      <dsp:nvSpPr>
+        <dsp:cNvPr id="0" name=""/>
+        <dsp:cNvSpPr/>
+      </dsp:nvSpPr>
+      <dsp:spPr>
+        <a:xfrm>
+          <a:off x="203216" y="152729"/>
+          <a:ext cx="369484" cy="369484"/>
+        </a:xfrm>
+        <a:prstGeom prst="rect">
+          <a:avLst/>
+        </a:prstGeom>
+        <a:blipFill>
+          <a:blip xmlns:r="http://schemas.openxmlformats.org/officeDocument/2006/relationships" r:embed="rId1">
+            <a:extLst>
+              <a:ext uri="{28A0092B-C50C-407E-A947-70E740481C1C}">
+                <a14:useLocalDpi xmlns:a14="http://schemas.microsoft.com/office/drawing/2010/main" val="0"/>
+              </a:ext>
+              <a:ext uri="{96DAC541-7B7A-43D3-8B79-37D633B846F1}">
+                <asvg:svgBlip xmlns:asvg="http://schemas.microsoft.com/office/drawing/2016/SVG/main" r:embed="rId2"/>
+              </a:ext>
+            </a:extLst>
+          </a:blip>
+          <a:stretch>
+            <a:fillRect/>
+          </a:stretch>
+        </a:blipFill>
+        <a:ln w="12700" cap="flat" cmpd="sng" algn="ctr">
+          <a:solidFill>
+            <a:schemeClr val="lt1">
+              <a:hueOff val="0"/>
+              <a:satOff val="0"/>
+              <a:lumOff val="0"/>
+              <a:alphaOff val="0"/>
+            </a:schemeClr>
+          </a:solidFill>
+          <a:prstDash val="solid"/>
+          <a:miter lim="800000"/>
+        </a:ln>
+        <a:effectLst/>
+      </dsp:spPr>
+      <dsp:style>
+        <a:lnRef idx="2">
+          <a:scrgbClr r="0" g="0" b="0"/>
+        </a:lnRef>
+        <a:fillRef idx="1">
+          <a:scrgbClr r="0" g="0" b="0"/>
+        </a:fillRef>
+        <a:effectRef idx="0">
+          <a:scrgbClr r="0" g="0" b="0"/>
+        </a:effectRef>
+        <a:fontRef idx="minor">
+          <a:schemeClr val="lt1"/>
+        </a:fontRef>
+      </dsp:style>
+    </dsp:sp>
+    <dsp:sp modelId="{3FFAB5BF-B06E-43C4-B53D-F2F2DCAFA820}">
+      <dsp:nvSpPr>
+        <dsp:cNvPr id="0" name=""/>
+        <dsp:cNvSpPr/>
+      </dsp:nvSpPr>
+      <dsp:spPr>
+        <a:xfrm>
+          <a:off x="775916" y="1576"/>
+          <a:ext cx="5396283" cy="671789"/>
+        </a:xfrm>
+        <a:prstGeom prst="rect">
+          <a:avLst/>
+        </a:prstGeom>
+        <a:noFill/>
+        <a:ln>
+          <a:noFill/>
+        </a:ln>
+        <a:effectLst/>
+      </dsp:spPr>
+      <dsp:style>
+        <a:lnRef idx="0">
+          <a:scrgbClr r="0" g="0" b="0"/>
+        </a:lnRef>
+        <a:fillRef idx="0">
+          <a:scrgbClr r="0" g="0" b="0"/>
+        </a:fillRef>
+        <a:effectRef idx="0">
+          <a:scrgbClr r="0" g="0" b="0"/>
+        </a:effectRef>
+        <a:fontRef idx="minor"/>
+      </dsp:style>
+      <dsp:txBody>
+        <a:bodyPr spcFirstLastPara="0" vert="horz" wrap="square" lIns="71098" tIns="71098" rIns="71098" bIns="71098" numCol="1" spcCol="1270" anchor="ctr" anchorCtr="0">
+          <a:noAutofit/>
+        </a:bodyPr>
+        <a:lstStyle/>
+        <a:p>
+          <a:pPr marL="0" lvl="0" indent="0" algn="l" defTabSz="800100">
+            <a:lnSpc>
+              <a:spcPct val="100000"/>
+            </a:lnSpc>
+            <a:spcBef>
+              <a:spcPct val="0"/>
+            </a:spcBef>
+            <a:spcAft>
+              <a:spcPct val="35000"/>
+            </a:spcAft>
+            <a:buNone/>
+          </a:pPr>
+          <a:r>
+            <a:rPr lang="en-US" sz="1800" kern="1200"/>
+            <a:t>What’s the difference between analog and digital signals</a:t>
+          </a:r>
+        </a:p>
+      </dsp:txBody>
+      <dsp:txXfrm>
+        <a:off x="775916" y="1576"/>
+        <a:ext cx="5396283" cy="671789"/>
+      </dsp:txXfrm>
+    </dsp:sp>
+    <dsp:sp modelId="{96EA1F90-36E2-478F-A0C4-E28CBFC190CE}">
+      <dsp:nvSpPr>
+        <dsp:cNvPr id="0" name=""/>
+        <dsp:cNvSpPr/>
+      </dsp:nvSpPr>
+      <dsp:spPr>
+        <a:xfrm>
+          <a:off x="0" y="841313"/>
+          <a:ext cx="6172199" cy="671789"/>
+        </a:xfrm>
+        <a:prstGeom prst="roundRect">
+          <a:avLst>
+            <a:gd name="adj" fmla="val 10000"/>
+          </a:avLst>
+        </a:prstGeom>
+        <a:solidFill>
+          <a:schemeClr val="accent1">
+            <a:tint val="40000"/>
+            <a:hueOff val="0"/>
+            <a:satOff val="0"/>
+            <a:lumOff val="0"/>
+            <a:alphaOff val="0"/>
+          </a:schemeClr>
+        </a:solidFill>
+        <a:ln>
+          <a:noFill/>
+        </a:ln>
+        <a:effectLst/>
+      </dsp:spPr>
+      <dsp:style>
+        <a:lnRef idx="0">
+          <a:scrgbClr r="0" g="0" b="0"/>
+        </a:lnRef>
+        <a:fillRef idx="1">
+          <a:scrgbClr r="0" g="0" b="0"/>
+        </a:fillRef>
+        <a:effectRef idx="0">
+          <a:scrgbClr r="0" g="0" b="0"/>
+        </a:effectRef>
+        <a:fontRef idx="minor"/>
+      </dsp:style>
+    </dsp:sp>
+    <dsp:sp modelId="{96D7F51E-D344-44DC-B6C8-A7443E532857}">
+      <dsp:nvSpPr>
+        <dsp:cNvPr id="0" name=""/>
+        <dsp:cNvSpPr/>
+      </dsp:nvSpPr>
+      <dsp:spPr>
+        <a:xfrm>
+          <a:off x="203216" y="992465"/>
+          <a:ext cx="369484" cy="369484"/>
+        </a:xfrm>
+        <a:prstGeom prst="rect">
+          <a:avLst/>
+        </a:prstGeom>
+        <a:blipFill>
+          <a:blip xmlns:r="http://schemas.openxmlformats.org/officeDocument/2006/relationships" r:embed="rId3">
+            <a:extLst>
+              <a:ext uri="{28A0092B-C50C-407E-A947-70E740481C1C}">
+                <a14:useLocalDpi xmlns:a14="http://schemas.microsoft.com/office/drawing/2010/main" val="0"/>
+              </a:ext>
+              <a:ext uri="{96DAC541-7B7A-43D3-8B79-37D633B846F1}">
+                <asvg:svgBlip xmlns:asvg="http://schemas.microsoft.com/office/drawing/2016/SVG/main" r:embed="rId4"/>
+              </a:ext>
+            </a:extLst>
+          </a:blip>
+          <a:stretch>
+            <a:fillRect/>
+          </a:stretch>
+        </a:blipFill>
+        <a:ln w="12700" cap="flat" cmpd="sng" algn="ctr">
+          <a:solidFill>
+            <a:schemeClr val="lt1">
+              <a:hueOff val="0"/>
+              <a:satOff val="0"/>
+              <a:lumOff val="0"/>
+              <a:alphaOff val="0"/>
+            </a:schemeClr>
+          </a:solidFill>
+          <a:prstDash val="solid"/>
+          <a:miter lim="800000"/>
+        </a:ln>
+        <a:effectLst/>
+      </dsp:spPr>
+      <dsp:style>
+        <a:lnRef idx="2">
+          <a:scrgbClr r="0" g="0" b="0"/>
+        </a:lnRef>
+        <a:fillRef idx="1">
+          <a:scrgbClr r="0" g="0" b="0"/>
+        </a:fillRef>
+        <a:effectRef idx="0">
+          <a:scrgbClr r="0" g="0" b="0"/>
+        </a:effectRef>
+        <a:fontRef idx="minor">
+          <a:schemeClr val="lt1"/>
+        </a:fontRef>
+      </dsp:style>
+    </dsp:sp>
+    <dsp:sp modelId="{C93D171E-B9DF-4AA1-83E3-C532CDFDAEBB}">
+      <dsp:nvSpPr>
+        <dsp:cNvPr id="0" name=""/>
+        <dsp:cNvSpPr/>
+      </dsp:nvSpPr>
+      <dsp:spPr>
+        <a:xfrm>
+          <a:off x="775916" y="841313"/>
+          <a:ext cx="5396283" cy="671789"/>
+        </a:xfrm>
+        <a:prstGeom prst="rect">
+          <a:avLst/>
+        </a:prstGeom>
+        <a:noFill/>
+        <a:ln>
+          <a:noFill/>
+        </a:ln>
+        <a:effectLst/>
+      </dsp:spPr>
+      <dsp:style>
+        <a:lnRef idx="0">
+          <a:scrgbClr r="0" g="0" b="0"/>
+        </a:lnRef>
+        <a:fillRef idx="0">
+          <a:scrgbClr r="0" g="0" b="0"/>
+        </a:fillRef>
+        <a:effectRef idx="0">
+          <a:scrgbClr r="0" g="0" b="0"/>
+        </a:effectRef>
+        <a:fontRef idx="minor"/>
+      </dsp:style>
+      <dsp:txBody>
+        <a:bodyPr spcFirstLastPara="0" vert="horz" wrap="square" lIns="71098" tIns="71098" rIns="71098" bIns="71098" numCol="1" spcCol="1270" anchor="ctr" anchorCtr="0">
+          <a:noAutofit/>
+        </a:bodyPr>
+        <a:lstStyle/>
+        <a:p>
+          <a:pPr marL="0" lvl="0" indent="0" algn="l" defTabSz="800100">
+            <a:lnSpc>
+              <a:spcPct val="100000"/>
+            </a:lnSpc>
+            <a:spcBef>
+              <a:spcPct val="0"/>
+            </a:spcBef>
+            <a:spcAft>
+              <a:spcPct val="35000"/>
+            </a:spcAft>
+            <a:buNone/>
+          </a:pPr>
+          <a:r>
+            <a:rPr lang="en-US" sz="1800" kern="1200"/>
+            <a:t>Review Electricity Equations</a:t>
+          </a:r>
+        </a:p>
+      </dsp:txBody>
+      <dsp:txXfrm>
+        <a:off x="775916" y="841313"/>
+        <a:ext cx="5396283" cy="671789"/>
+      </dsp:txXfrm>
+    </dsp:sp>
+    <dsp:sp modelId="{1B4004BB-5EB4-427F-BDD3-94559EB096BD}">
+      <dsp:nvSpPr>
+        <dsp:cNvPr id="0" name=""/>
+        <dsp:cNvSpPr/>
+      </dsp:nvSpPr>
+      <dsp:spPr>
+        <a:xfrm>
+          <a:off x="0" y="1681049"/>
+          <a:ext cx="6172199" cy="671789"/>
+        </a:xfrm>
+        <a:prstGeom prst="roundRect">
+          <a:avLst>
+            <a:gd name="adj" fmla="val 10000"/>
+          </a:avLst>
+        </a:prstGeom>
+        <a:solidFill>
+          <a:schemeClr val="accent1">
+            <a:tint val="40000"/>
+            <a:hueOff val="0"/>
+            <a:satOff val="0"/>
+            <a:lumOff val="0"/>
+            <a:alphaOff val="0"/>
+          </a:schemeClr>
+        </a:solidFill>
+        <a:ln>
+          <a:noFill/>
+        </a:ln>
+        <a:effectLst/>
+      </dsp:spPr>
+      <dsp:style>
+        <a:lnRef idx="0">
+          <a:scrgbClr r="0" g="0" b="0"/>
+        </a:lnRef>
+        <a:fillRef idx="1">
+          <a:scrgbClr r="0" g="0" b="0"/>
+        </a:fillRef>
+        <a:effectRef idx="0">
+          <a:scrgbClr r="0" g="0" b="0"/>
+        </a:effectRef>
+        <a:fontRef idx="minor"/>
+      </dsp:style>
+    </dsp:sp>
+    <dsp:sp modelId="{3CBCE9D2-D597-44E7-8B96-9FE36F11A69D}">
+      <dsp:nvSpPr>
+        <dsp:cNvPr id="0" name=""/>
+        <dsp:cNvSpPr/>
+      </dsp:nvSpPr>
+      <dsp:spPr>
+        <a:xfrm>
+          <a:off x="203216" y="1832202"/>
+          <a:ext cx="369484" cy="369484"/>
+        </a:xfrm>
+        <a:prstGeom prst="rect">
+          <a:avLst/>
+        </a:prstGeom>
+        <a:blipFill>
+          <a:blip xmlns:r="http://schemas.openxmlformats.org/officeDocument/2006/relationships" r:embed="rId5">
+            <a:extLst>
+              <a:ext uri="{28A0092B-C50C-407E-A947-70E740481C1C}">
+                <a14:useLocalDpi xmlns:a14="http://schemas.microsoft.com/office/drawing/2010/main" val="0"/>
+              </a:ext>
+              <a:ext uri="{96DAC541-7B7A-43D3-8B79-37D633B846F1}">
+                <asvg:svgBlip xmlns:asvg="http://schemas.microsoft.com/office/drawing/2016/SVG/main" r:embed="rId6"/>
+              </a:ext>
+            </a:extLst>
+          </a:blip>
+          <a:stretch>
+            <a:fillRect/>
+          </a:stretch>
+        </a:blipFill>
+        <a:ln w="12700" cap="flat" cmpd="sng" algn="ctr">
+          <a:solidFill>
+            <a:schemeClr val="lt1">
+              <a:hueOff val="0"/>
+              <a:satOff val="0"/>
+              <a:lumOff val="0"/>
+              <a:alphaOff val="0"/>
+            </a:schemeClr>
+          </a:solidFill>
+          <a:prstDash val="solid"/>
+          <a:miter lim="800000"/>
+        </a:ln>
+        <a:effectLst/>
+      </dsp:spPr>
+      <dsp:style>
+        <a:lnRef idx="2">
+          <a:scrgbClr r="0" g="0" b="0"/>
+        </a:lnRef>
+        <a:fillRef idx="1">
+          <a:scrgbClr r="0" g="0" b="0"/>
+        </a:fillRef>
+        <a:effectRef idx="0">
+          <a:scrgbClr r="0" g="0" b="0"/>
+        </a:effectRef>
+        <a:fontRef idx="minor">
+          <a:schemeClr val="lt1"/>
+        </a:fontRef>
+      </dsp:style>
+    </dsp:sp>
+    <dsp:sp modelId="{D1438871-39A3-4849-A26D-999C85A8386F}">
+      <dsp:nvSpPr>
+        <dsp:cNvPr id="0" name=""/>
+        <dsp:cNvSpPr/>
+      </dsp:nvSpPr>
+      <dsp:spPr>
+        <a:xfrm>
+          <a:off x="775916" y="1681049"/>
+          <a:ext cx="5396283" cy="671789"/>
+        </a:xfrm>
+        <a:prstGeom prst="rect">
+          <a:avLst/>
+        </a:prstGeom>
+        <a:noFill/>
+        <a:ln>
+          <a:noFill/>
+        </a:ln>
+        <a:effectLst/>
+      </dsp:spPr>
+      <dsp:style>
+        <a:lnRef idx="0">
+          <a:scrgbClr r="0" g="0" b="0"/>
+        </a:lnRef>
+        <a:fillRef idx="0">
+          <a:scrgbClr r="0" g="0" b="0"/>
+        </a:fillRef>
+        <a:effectRef idx="0">
+          <a:scrgbClr r="0" g="0" b="0"/>
+        </a:effectRef>
+        <a:fontRef idx="minor"/>
+      </dsp:style>
+      <dsp:txBody>
+        <a:bodyPr spcFirstLastPara="0" vert="horz" wrap="square" lIns="71098" tIns="71098" rIns="71098" bIns="71098" numCol="1" spcCol="1270" anchor="ctr" anchorCtr="0">
+          <a:noAutofit/>
+        </a:bodyPr>
+        <a:lstStyle/>
+        <a:p>
+          <a:pPr marL="0" lvl="0" indent="0" algn="l" defTabSz="800100">
+            <a:lnSpc>
+              <a:spcPct val="100000"/>
+            </a:lnSpc>
+            <a:spcBef>
+              <a:spcPct val="0"/>
+            </a:spcBef>
+            <a:spcAft>
+              <a:spcPct val="35000"/>
+            </a:spcAft>
+            <a:buNone/>
+          </a:pPr>
+          <a:r>
+            <a:rPr lang="en-US" sz="1800" kern="1200"/>
+            <a:t>General Purpose Input / Output (GPIO)</a:t>
+          </a:r>
+        </a:p>
+      </dsp:txBody>
+      <dsp:txXfrm>
+        <a:off x="775916" y="1681049"/>
+        <a:ext cx="5396283" cy="671789"/>
+      </dsp:txXfrm>
+    </dsp:sp>
+    <dsp:sp modelId="{10C7B0FB-17E7-42C1-9F5A-6595AE4F1265}">
+      <dsp:nvSpPr>
+        <dsp:cNvPr id="0" name=""/>
+        <dsp:cNvSpPr/>
+      </dsp:nvSpPr>
+      <dsp:spPr>
+        <a:xfrm>
+          <a:off x="0" y="2520786"/>
+          <a:ext cx="6172199" cy="671789"/>
+        </a:xfrm>
+        <a:prstGeom prst="roundRect">
+          <a:avLst>
+            <a:gd name="adj" fmla="val 10000"/>
+          </a:avLst>
+        </a:prstGeom>
+        <a:solidFill>
+          <a:schemeClr val="accent1">
+            <a:tint val="40000"/>
+            <a:hueOff val="0"/>
+            <a:satOff val="0"/>
+            <a:lumOff val="0"/>
+            <a:alphaOff val="0"/>
+          </a:schemeClr>
+        </a:solidFill>
+        <a:ln>
+          <a:noFill/>
+        </a:ln>
+        <a:effectLst/>
+      </dsp:spPr>
+      <dsp:style>
+        <a:lnRef idx="0">
+          <a:scrgbClr r="0" g="0" b="0"/>
+        </a:lnRef>
+        <a:fillRef idx="1">
+          <a:scrgbClr r="0" g="0" b="0"/>
+        </a:fillRef>
+        <a:effectRef idx="0">
+          <a:scrgbClr r="0" g="0" b="0"/>
+        </a:effectRef>
+        <a:fontRef idx="minor"/>
+      </dsp:style>
+    </dsp:sp>
+    <dsp:sp modelId="{2EE6C836-FFA7-433B-8B80-2DE3BAFD82DB}">
+      <dsp:nvSpPr>
+        <dsp:cNvPr id="0" name=""/>
+        <dsp:cNvSpPr/>
+      </dsp:nvSpPr>
+      <dsp:spPr>
+        <a:xfrm>
+          <a:off x="203216" y="2671938"/>
+          <a:ext cx="369484" cy="369484"/>
+        </a:xfrm>
+        <a:prstGeom prst="rect">
+          <a:avLst/>
+        </a:prstGeom>
+        <a:blipFill>
+          <a:blip xmlns:r="http://schemas.openxmlformats.org/officeDocument/2006/relationships" r:embed="rId7">
+            <a:extLst>
+              <a:ext uri="{28A0092B-C50C-407E-A947-70E740481C1C}">
+                <a14:useLocalDpi xmlns:a14="http://schemas.microsoft.com/office/drawing/2010/main" val="0"/>
+              </a:ext>
+              <a:ext uri="{96DAC541-7B7A-43D3-8B79-37D633B846F1}">
+                <asvg:svgBlip xmlns:asvg="http://schemas.microsoft.com/office/drawing/2016/SVG/main" r:embed="rId8"/>
+              </a:ext>
+            </a:extLst>
+          </a:blip>
+          <a:stretch>
+            <a:fillRect/>
+          </a:stretch>
+        </a:blipFill>
+        <a:ln w="12700" cap="flat" cmpd="sng" algn="ctr">
+          <a:solidFill>
+            <a:schemeClr val="lt1">
+              <a:hueOff val="0"/>
+              <a:satOff val="0"/>
+              <a:lumOff val="0"/>
+              <a:alphaOff val="0"/>
+            </a:schemeClr>
+          </a:solidFill>
+          <a:prstDash val="solid"/>
+          <a:miter lim="800000"/>
+        </a:ln>
+        <a:effectLst/>
+      </dsp:spPr>
+      <dsp:style>
+        <a:lnRef idx="2">
+          <a:scrgbClr r="0" g="0" b="0"/>
+        </a:lnRef>
+        <a:fillRef idx="1">
+          <a:scrgbClr r="0" g="0" b="0"/>
+        </a:fillRef>
+        <a:effectRef idx="0">
+          <a:scrgbClr r="0" g="0" b="0"/>
+        </a:effectRef>
+        <a:fontRef idx="minor">
+          <a:schemeClr val="lt1"/>
+        </a:fontRef>
+      </dsp:style>
+    </dsp:sp>
+    <dsp:sp modelId="{98703186-FBCD-4651-A55A-418324ABAD03}">
+      <dsp:nvSpPr>
+        <dsp:cNvPr id="0" name=""/>
+        <dsp:cNvSpPr/>
+      </dsp:nvSpPr>
+      <dsp:spPr>
+        <a:xfrm>
+          <a:off x="775916" y="2520786"/>
+          <a:ext cx="5396283" cy="671789"/>
+        </a:xfrm>
+        <a:prstGeom prst="rect">
+          <a:avLst/>
+        </a:prstGeom>
+        <a:noFill/>
+        <a:ln>
+          <a:noFill/>
+        </a:ln>
+        <a:effectLst/>
+      </dsp:spPr>
+      <dsp:style>
+        <a:lnRef idx="0">
+          <a:scrgbClr r="0" g="0" b="0"/>
+        </a:lnRef>
+        <a:fillRef idx="0">
+          <a:scrgbClr r="0" g="0" b="0"/>
+        </a:fillRef>
+        <a:effectRef idx="0">
+          <a:scrgbClr r="0" g="0" b="0"/>
+        </a:effectRef>
+        <a:fontRef idx="minor"/>
+      </dsp:style>
+      <dsp:txBody>
+        <a:bodyPr spcFirstLastPara="0" vert="horz" wrap="square" lIns="71098" tIns="71098" rIns="71098" bIns="71098" numCol="1" spcCol="1270" anchor="ctr" anchorCtr="0">
+          <a:noAutofit/>
+        </a:bodyPr>
+        <a:lstStyle/>
+        <a:p>
+          <a:pPr marL="0" lvl="0" indent="0" algn="l" defTabSz="800100">
+            <a:lnSpc>
+              <a:spcPct val="100000"/>
+            </a:lnSpc>
+            <a:spcBef>
+              <a:spcPct val="0"/>
+            </a:spcBef>
+            <a:spcAft>
+              <a:spcPct val="35000"/>
+            </a:spcAft>
+            <a:buNone/>
+          </a:pPr>
+          <a:r>
+            <a:rPr lang="en-US" sz="1800" kern="1200"/>
+            <a:t>Pulse Width Modulation (PWM)</a:t>
+          </a:r>
+        </a:p>
+      </dsp:txBody>
+      <dsp:txXfrm>
+        <a:off x="775916" y="2520786"/>
+        <a:ext cx="5396283" cy="671789"/>
+      </dsp:txXfrm>
+    </dsp:sp>
+    <dsp:sp modelId="{F444FD42-3865-4DCC-9493-02255D61C0B9}">
+      <dsp:nvSpPr>
+        <dsp:cNvPr id="0" name=""/>
+        <dsp:cNvSpPr/>
+      </dsp:nvSpPr>
+      <dsp:spPr>
+        <a:xfrm>
+          <a:off x="0" y="3360522"/>
+          <a:ext cx="6172199" cy="671789"/>
+        </a:xfrm>
+        <a:prstGeom prst="roundRect">
+          <a:avLst>
+            <a:gd name="adj" fmla="val 10000"/>
+          </a:avLst>
+        </a:prstGeom>
+        <a:solidFill>
+          <a:schemeClr val="accent1">
+            <a:tint val="40000"/>
+            <a:hueOff val="0"/>
+            <a:satOff val="0"/>
+            <a:lumOff val="0"/>
+            <a:alphaOff val="0"/>
+          </a:schemeClr>
+        </a:solidFill>
+        <a:ln>
+          <a:noFill/>
+        </a:ln>
+        <a:effectLst/>
+      </dsp:spPr>
+      <dsp:style>
+        <a:lnRef idx="0">
+          <a:scrgbClr r="0" g="0" b="0"/>
+        </a:lnRef>
+        <a:fillRef idx="1">
+          <a:scrgbClr r="0" g="0" b="0"/>
+        </a:fillRef>
+        <a:effectRef idx="0">
+          <a:scrgbClr r="0" g="0" b="0"/>
+        </a:effectRef>
+        <a:fontRef idx="minor"/>
+      </dsp:style>
+    </dsp:sp>
+    <dsp:sp modelId="{64A269F8-31B5-40AA-B591-6FA2B95F4DCD}">
+      <dsp:nvSpPr>
+        <dsp:cNvPr id="0" name=""/>
+        <dsp:cNvSpPr/>
+      </dsp:nvSpPr>
+      <dsp:spPr>
+        <a:xfrm>
+          <a:off x="203216" y="3511675"/>
+          <a:ext cx="369484" cy="369484"/>
+        </a:xfrm>
+        <a:prstGeom prst="rect">
+          <a:avLst/>
+        </a:prstGeom>
+        <a:blipFill>
+          <a:blip xmlns:r="http://schemas.openxmlformats.org/officeDocument/2006/relationships" r:embed="rId9">
+            <a:extLst>
+              <a:ext uri="{28A0092B-C50C-407E-A947-70E740481C1C}">
+                <a14:useLocalDpi xmlns:a14="http://schemas.microsoft.com/office/drawing/2010/main" val="0"/>
+              </a:ext>
+              <a:ext uri="{96DAC541-7B7A-43D3-8B79-37D633B846F1}">
+                <asvg:svgBlip xmlns:asvg="http://schemas.microsoft.com/office/drawing/2016/SVG/main" r:embed="rId10"/>
+              </a:ext>
+            </a:extLst>
+          </a:blip>
+          <a:stretch>
+            <a:fillRect/>
+          </a:stretch>
+        </a:blipFill>
+        <a:ln w="12700" cap="flat" cmpd="sng" algn="ctr">
+          <a:solidFill>
+            <a:schemeClr val="lt1">
+              <a:hueOff val="0"/>
+              <a:satOff val="0"/>
+              <a:lumOff val="0"/>
+              <a:alphaOff val="0"/>
+            </a:schemeClr>
+          </a:solidFill>
+          <a:prstDash val="solid"/>
+          <a:miter lim="800000"/>
+        </a:ln>
+        <a:effectLst/>
+      </dsp:spPr>
+      <dsp:style>
+        <a:lnRef idx="2">
+          <a:scrgbClr r="0" g="0" b="0"/>
+        </a:lnRef>
+        <a:fillRef idx="1">
+          <a:scrgbClr r="0" g="0" b="0"/>
+        </a:fillRef>
+        <a:effectRef idx="0">
+          <a:scrgbClr r="0" g="0" b="0"/>
+        </a:effectRef>
+        <a:fontRef idx="minor">
+          <a:schemeClr val="lt1"/>
+        </a:fontRef>
+      </dsp:style>
+    </dsp:sp>
+    <dsp:sp modelId="{D2827C13-1287-4B92-B50B-8815553A2065}">
+      <dsp:nvSpPr>
+        <dsp:cNvPr id="0" name=""/>
+        <dsp:cNvSpPr/>
+      </dsp:nvSpPr>
+      <dsp:spPr>
+        <a:xfrm>
+          <a:off x="775916" y="3360522"/>
+          <a:ext cx="5396283" cy="671789"/>
+        </a:xfrm>
+        <a:prstGeom prst="rect">
+          <a:avLst/>
+        </a:prstGeom>
+        <a:noFill/>
+        <a:ln>
+          <a:noFill/>
+        </a:ln>
+        <a:effectLst/>
+      </dsp:spPr>
+      <dsp:style>
+        <a:lnRef idx="0">
+          <a:scrgbClr r="0" g="0" b="0"/>
+        </a:lnRef>
+        <a:fillRef idx="0">
+          <a:scrgbClr r="0" g="0" b="0"/>
+        </a:fillRef>
+        <a:effectRef idx="0">
+          <a:scrgbClr r="0" g="0" b="0"/>
+        </a:effectRef>
+        <a:fontRef idx="minor"/>
+      </dsp:style>
+      <dsp:txBody>
+        <a:bodyPr spcFirstLastPara="0" vert="horz" wrap="square" lIns="71098" tIns="71098" rIns="71098" bIns="71098" numCol="1" spcCol="1270" anchor="ctr" anchorCtr="0">
+          <a:noAutofit/>
+        </a:bodyPr>
+        <a:lstStyle/>
+        <a:p>
+          <a:pPr marL="0" lvl="0" indent="0" algn="l" defTabSz="800100">
+            <a:lnSpc>
+              <a:spcPct val="100000"/>
+            </a:lnSpc>
+            <a:spcBef>
+              <a:spcPct val="0"/>
+            </a:spcBef>
+            <a:spcAft>
+              <a:spcPct val="35000"/>
+            </a:spcAft>
+            <a:buNone/>
+          </a:pPr>
+          <a:r>
+            <a:rPr lang="en-US" sz="1800" kern="1200"/>
+            <a:t>Analog to Digital Converters (ADC)</a:t>
+          </a:r>
+        </a:p>
+      </dsp:txBody>
+      <dsp:txXfrm>
+        <a:off x="775916" y="3360522"/>
+        <a:ext cx="5396283" cy="671789"/>
+      </dsp:txXfrm>
+    </dsp:sp>
+    <dsp:sp modelId="{B860D185-FA60-460F-8C71-236CD8057D2C}">
+      <dsp:nvSpPr>
+        <dsp:cNvPr id="0" name=""/>
+        <dsp:cNvSpPr/>
+      </dsp:nvSpPr>
+      <dsp:spPr>
+        <a:xfrm>
+          <a:off x="0" y="4200259"/>
+          <a:ext cx="6172199" cy="671789"/>
+        </a:xfrm>
+        <a:prstGeom prst="roundRect">
+          <a:avLst>
+            <a:gd name="adj" fmla="val 10000"/>
+          </a:avLst>
+        </a:prstGeom>
+        <a:solidFill>
+          <a:schemeClr val="accent1">
+            <a:tint val="40000"/>
+            <a:hueOff val="0"/>
+            <a:satOff val="0"/>
+            <a:lumOff val="0"/>
+            <a:alphaOff val="0"/>
+          </a:schemeClr>
+        </a:solidFill>
+        <a:ln>
+          <a:noFill/>
+        </a:ln>
+        <a:effectLst/>
+      </dsp:spPr>
+      <dsp:style>
+        <a:lnRef idx="0">
+          <a:scrgbClr r="0" g="0" b="0"/>
+        </a:lnRef>
+        <a:fillRef idx="1">
+          <a:scrgbClr r="0" g="0" b="0"/>
+        </a:fillRef>
+        <a:effectRef idx="0">
+          <a:scrgbClr r="0" g="0" b="0"/>
+        </a:effectRef>
+        <a:fontRef idx="minor"/>
+      </dsp:style>
+    </dsp:sp>
+    <dsp:sp modelId="{44466192-A68E-465C-9F16-9EC1271745EB}">
+      <dsp:nvSpPr>
+        <dsp:cNvPr id="0" name=""/>
+        <dsp:cNvSpPr/>
+      </dsp:nvSpPr>
+      <dsp:spPr>
+        <a:xfrm>
+          <a:off x="203216" y="4351411"/>
+          <a:ext cx="369484" cy="369484"/>
+        </a:xfrm>
+        <a:prstGeom prst="rect">
+          <a:avLst/>
+        </a:prstGeom>
+        <a:blipFill>
+          <a:blip xmlns:r="http://schemas.openxmlformats.org/officeDocument/2006/relationships" r:embed="rId11">
+            <a:extLst>
+              <a:ext uri="{28A0092B-C50C-407E-A947-70E740481C1C}">
+                <a14:useLocalDpi xmlns:a14="http://schemas.microsoft.com/office/drawing/2010/main" val="0"/>
+              </a:ext>
+              <a:ext uri="{96DAC541-7B7A-43D3-8B79-37D633B846F1}">
+                <asvg:svgBlip xmlns:asvg="http://schemas.microsoft.com/office/drawing/2016/SVG/main" r:embed="rId12"/>
+              </a:ext>
+            </a:extLst>
+          </a:blip>
+          <a:stretch>
+            <a:fillRect/>
+          </a:stretch>
+        </a:blipFill>
+        <a:ln w="12700" cap="flat" cmpd="sng" algn="ctr">
+          <a:solidFill>
+            <a:schemeClr val="lt1">
+              <a:hueOff val="0"/>
+              <a:satOff val="0"/>
+              <a:lumOff val="0"/>
+              <a:alphaOff val="0"/>
+            </a:schemeClr>
+          </a:solidFill>
+          <a:prstDash val="solid"/>
+          <a:miter lim="800000"/>
+        </a:ln>
+        <a:effectLst/>
+      </dsp:spPr>
+      <dsp:style>
+        <a:lnRef idx="2">
+          <a:scrgbClr r="0" g="0" b="0"/>
+        </a:lnRef>
+        <a:fillRef idx="1">
+          <a:scrgbClr r="0" g="0" b="0"/>
+        </a:fillRef>
+        <a:effectRef idx="0">
+          <a:scrgbClr r="0" g="0" b="0"/>
+        </a:effectRef>
+        <a:fontRef idx="minor">
+          <a:schemeClr val="lt1"/>
+        </a:fontRef>
+      </dsp:style>
+    </dsp:sp>
+    <dsp:sp modelId="{884841A4-0D48-425B-989D-139B3BBC8410}">
+      <dsp:nvSpPr>
+        <dsp:cNvPr id="0" name=""/>
+        <dsp:cNvSpPr/>
+      </dsp:nvSpPr>
+      <dsp:spPr>
+        <a:xfrm>
+          <a:off x="775916" y="4200259"/>
+          <a:ext cx="5396283" cy="671789"/>
+        </a:xfrm>
+        <a:prstGeom prst="rect">
+          <a:avLst/>
+        </a:prstGeom>
+        <a:noFill/>
+        <a:ln>
+          <a:noFill/>
+        </a:ln>
+        <a:effectLst/>
+      </dsp:spPr>
+      <dsp:style>
+        <a:lnRef idx="0">
+          <a:scrgbClr r="0" g="0" b="0"/>
+        </a:lnRef>
+        <a:fillRef idx="0">
+          <a:scrgbClr r="0" g="0" b="0"/>
+        </a:fillRef>
+        <a:effectRef idx="0">
+          <a:scrgbClr r="0" g="0" b="0"/>
+        </a:effectRef>
+        <a:fontRef idx="minor"/>
+      </dsp:style>
+      <dsp:txBody>
+        <a:bodyPr spcFirstLastPara="0" vert="horz" wrap="square" lIns="71098" tIns="71098" rIns="71098" bIns="71098" numCol="1" spcCol="1270" anchor="ctr" anchorCtr="0">
+          <a:noAutofit/>
+        </a:bodyPr>
+        <a:lstStyle/>
+        <a:p>
+          <a:pPr marL="0" lvl="0" indent="0" algn="l" defTabSz="800100">
+            <a:lnSpc>
+              <a:spcPct val="100000"/>
+            </a:lnSpc>
+            <a:spcBef>
+              <a:spcPct val="0"/>
+            </a:spcBef>
+            <a:spcAft>
+              <a:spcPct val="35000"/>
+            </a:spcAft>
+            <a:buNone/>
+          </a:pPr>
+          <a:r>
+            <a:rPr lang="en-US" sz="1800" kern="1200"/>
+            <a:t>Microcontrollers and Computer</a:t>
+          </a:r>
+        </a:p>
+      </dsp:txBody>
+      <dsp:txXfrm>
+        <a:off x="775916" y="4200259"/>
+        <a:ext cx="5396283" cy="671789"/>
+      </dsp:txXfrm>
+    </dsp:sp>
+  </dsp:spTree>
+</dsp:drawing>
+</file>
+
+<file path=ppt/diagrams/layout1.xml><?xml version="1.0" encoding="utf-8"?>
+<dgm:layoutDef xmlns:dgm="http://schemas.openxmlformats.org/drawingml/2006/diagram" xmlns:a="http://schemas.openxmlformats.org/drawingml/2006/main" uniqueId="urn:microsoft.com/office/officeart/2018/2/layout/IconVerticalSolidList">
+  <dgm:title val="Icon Vertical Solid List"/>
+  <dgm:desc val="Use to show a series of visuals from top to bottom with Level 1 or Level 1 and Level 2 text grouped in a shape. Works best with icons or small pictures with lengthier descriptions."/>
+  <dgm:catLst>
+    <dgm:cat type="icon" pri="500"/>
+  </dgm:catLst>
+  <dgm:sampData useDef="1">
+    <dgm:dataModel>
+      <dgm:ptLst/>
+      <dgm:bg/>
+      <dgm:whole/>
+    </dgm:dataModel>
+  </dgm:sampData>
+  <dgm:styleData useDef="1">
+    <dgm:dataModel>
+      <dgm:ptLst/>
+      <dgm:bg/>
+      <dgm:whole/>
+    </dgm:dataModel>
+  </dgm:styleData>
+  <dgm:clrData useDef="1">
+    <dgm:dataModel>
+      <dgm:ptLst/>
+      <dgm:bg/>
+      <dgm:whole/>
+    </dgm:dataModel>
+  </dgm:clrData>
+  <dgm:layoutNode name="root">
+    <dgm:varLst>
+      <dgm:dir/>
+      <dgm:resizeHandles val="exact"/>
+    </dgm:varLst>
+    <dgm:choose name="Name0">
+      <dgm:if name="Name1" axis="self" func="var" arg="dir" op="equ" val="norm">
+        <dgm:alg type="lin">
+          <dgm:param type="linDir" val="fromT"/>
+          <dgm:param type="nodeHorzAlign" val="l"/>
+        </dgm:alg>
+      </dgm:if>
+      <dgm:else name="Name2">
+        <dgm:alg type="lin">
+          <dgm:param type="linDir" val="fromT"/>
+          <dgm:param type="nodeHorzAlign" val="r"/>
+        </dgm:alg>
+      </dgm:else>
+    </dgm:choose>
+    <dgm:shape xmlns:r="http://schemas.openxmlformats.org/officeDocument/2006/relationships" r:blip="">
+      <dgm:adjLst/>
+    </dgm:shape>
+    <dgm:presOf/>
+    <dgm:choose name="Name3">
+      <dgm:if name="Name4" axis="ch" ptType="node" func="cnt" op="lte" val="3">
+        <dgm:constrLst>
+          <dgm:constr type="h" for="ch" forName="compNode" refType="h" fact="0.3"/>
+          <dgm:constr type="w" for="ch" forName="compNode" refType="w"/>
+          <dgm:constr type="h" for="ch" forName="sibTrans" refType="h" refFor="ch" refForName="compNode" fact="0.25"/>
+          <dgm:constr type="primFontSz" for="des" forName="parTx" val="25"/>
+          <dgm:constr type="primFontSz" for="des" forName="desTx" refType="primFontSz" refFor="des" refForName="parTx" op="lte" fact="0.75"/>
+          <dgm:constr type="h" for="des" forName="compNode" op="equ"/>
+          <dgm:constr type="h" for="des" forName="bgRect" op="equ"/>
+          <dgm:constr type="h" for="des" forName="iconRect" op="equ"/>
+          <dgm:constr type="w" for="des" forName="iconRect" op="equ"/>
+          <dgm:constr type="h" for="des" forName="spaceRect" op="equ"/>
+          <dgm:constr type="h" for="des" forName="parTx" op="equ"/>
+          <dgm:constr type="h" for="des" forName="desTx" op="equ"/>
+        </dgm:constrLst>
+      </dgm:if>
+      <dgm:if name="Name5" axis="ch" ptType="node" func="cnt" op="lte" val="4">
+        <dgm:constrLst>
+          <dgm:constr type="h" for="ch" forName="compNode" refType="h" fact="0.3"/>
+          <dgm:constr type="w" for="ch" forName="compNode" refType="w"/>
+          <dgm:constr type="h" for="ch" forName="sibTrans" refType="h" refFor="ch" refForName="compNode" fact="0.25"/>
+          <dgm:constr type="primFontSz" for="des" forName="parTx" val="22"/>
+          <dgm:constr type="primFontSz" for="des" forName="desTx" refType="primFontSz" refFor="des" refForName="parTx" op="lte" fact="0.75"/>
+          <dgm:constr type="h" for="des" forName="compNode" op="equ"/>
+          <dgm:constr type="h" for="des" forName="bgRect" op="equ"/>
+          <dgm:constr type="h" for="des" forName="iconRect" op="equ"/>
+          <dgm:constr type="w" for="des" forName="iconRect" op="equ"/>
+          <dgm:constr type="h" for="des" forName="spaceRect" op="equ"/>
+          <dgm:constr type="h" for="des" forName="parTx" op="equ"/>
+          <dgm:constr type="h" for="des" forName="desTx" op="equ"/>
+        </dgm:constrLst>
+      </dgm:if>
+      <dgm:if name="Name6" axis="ch" ptType="node" func="cnt" op="lte" val="6">
+        <dgm:constrLst>
+          <dgm:constr type="h" for="ch" forName="compNode" refType="h" fact="0.3"/>
+          <dgm:constr type="w" for="ch" forName="compNode" refType="w"/>
+          <dgm:constr type="h" for="ch" forName="sibTrans" refType="h" refFor="ch" refForName="compNode" fact="0.25"/>
+          <dgm:constr type="primFontSz" for="des" forName="parTx" val="19"/>
+          <dgm:constr type="primFontSz" for="des" forName="desTx" refType="primFontSz" refFor="des" refForName="parTx" op="lte" fact="0.75"/>
+          <dgm:constr type="h" for="des" forName="compNode" op="equ"/>
+          <dgm:constr type="h" for="des" forName="bgRect" op="equ"/>
+          <dgm:constr type="h" for="des" forName="iconRect" op="equ"/>
+          <dgm:constr type="w" for="des" forName="iconRect" op="equ"/>
+          <dgm:constr type="h" for="des" forName="spaceRect" op="equ"/>
+          <dgm:constr type="h" for="des" forName="parTx" op="equ"/>
+          <dgm:constr type="h" for="des" forName="desTx" op="equ"/>
+        </dgm:constrLst>
+      </dgm:if>
+      <dgm:else name="Name7">
+        <dgm:constrLst>
+          <dgm:constr type="h" for="ch" forName="compNode" refType="h" fact="0.3"/>
+          <dgm:constr type="w" for="ch" forName="compNode" refType="w"/>
+          <dgm:constr type="h" for="ch" forName="sibTrans" refType="h" refFor="ch" refForName="compNode" fact="0.25"/>
+          <dgm:constr type="primFontSz" for="des" forName="parTx" val="16"/>
+          <dgm:constr type="primFontSz" for="des" forName="desTx" refType="primFontSz" refFor="des" refForName="parTx" op="lte" fact="0.75"/>
+          <dgm:constr type="h" for="des" forName="compNode" op="equ"/>
+          <dgm:constr type="h" for="des" forName="bgRect" op="equ"/>
+          <dgm:constr type="h" for="des" forName="iconRect" op="equ"/>
+          <dgm:constr type="w" for="des" forName="iconRect" op="equ"/>
+          <dgm:constr type="h" for="des" forName="spaceRect" op="equ"/>
+          <dgm:constr type="h" for="des" forName="parTx" op="equ"/>
+          <dgm:constr type="h" for="des" forName="desTx" op="equ"/>
+        </dgm:constrLst>
+      </dgm:else>
+    </dgm:choose>
+    <dgm:ruleLst>
+      <dgm:rule type="h" for="ch" forName="compNode" val="0" fact="NaN" max="NaN"/>
+    </dgm:ruleLst>
+    <dgm:forEach name="Name8" axis="ch" ptType="node">
+      <dgm:layoutNode name="compNode">
+        <dgm:alg type="composite"/>
+        <dgm:shape xmlns:r="http://schemas.openxmlformats.org/officeDocument/2006/relationships" r:blip="">
+          <dgm:adjLst/>
+        </dgm:shape>
+        <dgm:presOf axis="self"/>
+        <dgm:choose name="Name9">
+          <dgm:if name="Name10" axis="ch" ptType="node" func="cnt" op="gte" val="1">
+            <dgm:constrLst>
+              <dgm:constr type="w" for="ch" forName="bgRect" refType="w"/>
+              <dgm:constr type="h" for="ch" forName="bgRect" refType="h"/>
+              <dgm:constr type="l" for="ch" forName="bgRect"/>
+              <dgm:constr type="t" for="ch" forName="bgRect"/>
+              <dgm:constr type="h" for="ch" forName="iconRect" refType="h" fact="0.55"/>
+              <dgm:constr type="w" for="ch" forName="iconRect" refType="h" refFor="ch" refForName="iconRect"/>
+              <dgm:constr type="l" for="ch" forName="iconRect" refType="h" refFor="ch" refForName="iconRect" fact="0.55"/>
+              <dgm:constr type="ctrY" for="ch" forName="iconRect" refType="ctrY" refFor="ch" refForName="bgRect"/>
+              <dgm:constr type="w" for="ch" forName="spaceRect" refType="l" refFor="ch" refForName="iconRect"/>
+              <dgm:constr type="h" for="ch" forName="spaceRect" refType="h"/>
+              <dgm:constr type="l" for="ch" forName="spaceRect" refType="r" refFor="ch" refForName="iconRect"/>
+              <dgm:constr type="t" for="ch" forName="spaceRect"/>
+              <dgm:constr type="w" for="ch" forName="parTx" refType="w" fact="0.45"/>
+              <dgm:constr type="h" for="ch" forName="parTx" refType="h"/>
+              <dgm:constr type="l" for="ch" forName="parTx" refType="r" refFor="ch" refForName="spaceRect"/>
+              <dgm:constr type="t" for="ch" forName="parTx"/>
+              <dgm:constr type="h" for="ch" forName="desTx" refType="h"/>
+              <dgm:constr type="l" for="ch" forName="desTx" refType="r" refFor="ch" refForName="parTx"/>
+              <dgm:constr type="t" for="ch" forName="desTx"/>
+            </dgm:constrLst>
+          </dgm:if>
+          <dgm:else name="Name11">
+            <dgm:constrLst>
+              <dgm:constr type="w" for="ch" forName="bgRect" refType="w"/>
+              <dgm:constr type="h" for="ch" forName="bgRect" refType="h"/>
+              <dgm:constr type="l" for="ch" forName="bgRect"/>
+              <dgm:constr type="t" for="ch" forName="bgRect"/>
+              <dgm:constr type="h" for="ch" forName="iconRect" refType="h" fact="0.55"/>
+              <dgm:constr type="w" for="ch" forName="iconRect" refType="h" refFor="ch" refForName="iconRect"/>
+              <dgm:constr type="l" for="ch" forName="iconRect" refType="h" refFor="ch" refForName="iconRect" fact="0.55"/>
+              <dgm:constr type="ctrY" for="ch" forName="iconRect" refType="ctrY" refFor="ch" refForName="bgRect"/>
+              <dgm:constr type="w" for="ch" forName="spaceRect" refType="l" refFor="ch" refForName="iconRect"/>
+              <dgm:constr type="h" for="ch" forName="spaceRect" refType="h"/>
+              <dgm:constr type="l" for="ch" forName="spaceRect" refType="r" refFor="ch" refForName="iconRect"/>
+              <dgm:constr type="t" for="ch" forName="spaceRect"/>
+              <dgm:constr type="h" for="ch" forName="parTx" refType="h"/>
+              <dgm:constr type="l" for="ch" forName="parTx" refType="r" refFor="ch" refForName="spaceRect"/>
+              <dgm:constr type="t" for="ch" forName="parTx"/>
+            </dgm:constrLst>
+          </dgm:else>
+        </dgm:choose>
+        <dgm:ruleLst>
+          <dgm:rule type="h" val="INF" fact="NaN" max="NaN"/>
+        </dgm:ruleLst>
+        <dgm:layoutNode name="bgRect" styleLbl="bgShp">
+          <dgm:alg type="sp"/>
+          <dgm:shape xmlns:r="http://schemas.openxmlformats.org/officeDocument/2006/relationships" type="roundRect" r:blip="">
+            <dgm:adjLst>
+              <dgm:adj idx="1" val="0.1"/>
+            </dgm:adjLst>
+          </dgm:shape>
+          <dgm:presOf/>
+          <dgm:constrLst/>
+          <dgm:ruleLst/>
+        </dgm:layoutNode>
+        <dgm:layoutNode name="iconRect" styleLbl="node1">
+          <dgm:alg type="sp"/>
+          <dgm:shape xmlns:r="http://schemas.openxmlformats.org/officeDocument/2006/relationships" type="rect" r:blip="" blipPhldr="1">
+            <dgm:adjLst/>
+          </dgm:shape>
+          <dgm:presOf/>
+          <dgm:constrLst/>
+          <dgm:ruleLst/>
+        </dgm:layoutNode>
+        <dgm:layoutNode name="spaceRect">
+          <dgm:alg type="sp"/>
+          <dgm:shape xmlns:r="http://schemas.openxmlformats.org/officeDocument/2006/relationships" r:blip="">
+            <dgm:adjLst/>
+          </dgm:shape>
+          <dgm:presOf/>
+          <dgm:constrLst/>
+          <dgm:ruleLst/>
+        </dgm:layoutNode>
+        <dgm:layoutNode name="parTx" styleLbl="revTx">
+          <dgm:varLst>
+            <dgm:chMax val="0"/>
+            <dgm:chPref val="0"/>
+          </dgm:varLst>
+          <dgm:alg type="tx">
+            <dgm:param type="txAnchorVert" val="mid"/>
+            <dgm:param type="parTxLTRAlign" val="l"/>
+            <dgm:param type="shpTxLTRAlignCh" val="l"/>
+            <dgm:param type="parTxRTLAlign" val="r"/>
+            <dgm:param type="shpTxRTLAlignCh" val="r"/>
+          </dgm:alg>
+          <dgm:shape xmlns:r="http://schemas.openxmlformats.org/officeDocument/2006/relationships" type="rect" r:blip="">
+            <dgm:adjLst/>
+          </dgm:shape>
+          <dgm:presOf axis="self" ptType="node"/>
+          <dgm:constrLst>
+            <dgm:constr type="lMarg" refType="h" fact="0.3"/>
+            <dgm:constr type="rMarg" refType="h" fact="0.3"/>
+            <dgm:constr type="tMarg" refType="h" fact="0.3"/>
+            <dgm:constr type="bMarg" refType="h" fact="0.3"/>
+          </dgm:constrLst>
+          <dgm:ruleLst>
+            <dgm:rule type="primFontSz" val="14" fact="NaN" max="NaN"/>
+            <dgm:rule type="h" val="INF" fact="NaN" max="NaN"/>
+          </dgm:ruleLst>
+        </dgm:layoutNode>
+        <dgm:choose name="Name12">
+          <dgm:if name="Name13" axis="ch" ptType="node" func="cnt" op="gte" val="1">
+            <dgm:layoutNode name="desTx" styleLbl="revTx">
+              <dgm:varLst/>
+              <dgm:alg type="tx">
+                <dgm:param type="txAnchorVertCh" val="mid"/>
+                <dgm:param type="parTxLTRAlign" val="l"/>
+                <dgm:param type="shpTxLTRAlignCh" val="l"/>
+                <dgm:param type="parTxRTLAlign" val="r"/>
+                <dgm:param type="shpTxRTLAlignCh" val="r"/>
+                <dgm:param type="stBulletLvl" val="0"/>
+              </dgm:alg>
+              <dgm:shape xmlns:r="http://schemas.openxmlformats.org/officeDocument/2006/relationships" type="rect" r:blip="">
+                <dgm:adjLst/>
+              </dgm:shape>
+              <dgm:presOf axis="des" ptType="node"/>
+              <dgm:constrLst>
+                <dgm:constr type="primFontSz" val="18"/>
+                <dgm:constr type="secFontSz" refType="primFontSz"/>
+                <dgm:constr type="lMarg" refType="h" fact="0.3"/>
+                <dgm:constr type="rMarg" refType="h" fact="0.3"/>
+                <dgm:constr type="tMarg" refType="h" fact="0.3"/>
+                <dgm:constr type="bMarg" refType="h" fact="0.3"/>
+              </dgm:constrLst>
+              <dgm:ruleLst>
+                <dgm:rule type="primFontSz" val="11" fact="NaN" max="NaN"/>
+              </dgm:ruleLst>
+            </dgm:layoutNode>
+          </dgm:if>
+          <dgm:else name="Name14"/>
+        </dgm:choose>
+      </dgm:layoutNode>
+      <dgm:forEach name="Name15" axis="followSib" ptType="sibTrans" cnt="1">
+        <dgm:layoutNode name="sibTrans">
+          <dgm:alg type="sp"/>
+          <dgm:shape xmlns:r="http://schemas.openxmlformats.org/officeDocument/2006/relationships" r:blip="">
+            <dgm:adjLst/>
+          </dgm:shape>
+          <dgm:presOf axis="self"/>
+          <dgm:constrLst/>
+          <dgm:ruleLst/>
+        </dgm:layoutNode>
+      </dgm:forEach>
+    </dgm:forEach>
+  </dgm:layoutNode>
+  <dgm:extLst>
+    <a:ext uri="{68A01E43-0DF5-4B5B-8FA6-DAF915123BFB}">
+      <dgm1612:lstStyle xmlns:dgm1612="http://schemas.microsoft.com/office/drawing/2016/12/diagram">
+        <a:lvl1pPr>
+          <a:lnSpc>
+            <a:spcPct val="100000"/>
+          </a:lnSpc>
+        </a:lvl1pPr>
+        <a:lvl2pPr>
+          <a:lnSpc>
+            <a:spcPct val="100000"/>
+          </a:lnSpc>
+        </a:lvl2pPr>
+      </dgm1612:lstStyle>
+    </a:ext>
+  </dgm:extLst>
+</dgm:layoutDef>
+</file>
+
+<file path=ppt/diagrams/quickStyle1.xml><?xml version="1.0" encoding="utf-8"?>
+<dgm:styleDef xmlns:dgm="http://schemas.openxmlformats.org/drawingml/2006/diagram" xmlns:a="http://schemas.openxmlformats.org/drawingml/2006/main" uniqueId="urn:microsoft.com/office/officeart/2005/8/quickstyle/simple1">
+  <dgm:title val=""/>
+  <dgm:desc val=""/>
+  <dgm:catLst>
+    <dgm:cat type="simple" pri="10100"/>
+  </dgm:catLst>
+  <dgm:scene3d>
+    <a:camera prst="orthographicFront"/>
+    <a:lightRig rig="threePt" dir="t"/>
+  </dgm:scene3d>
+  <dgm:styleLbl name="node0">
+    <dgm:scene3d>
+      <a:camera prst="orthographicFront"/>
+      <a:lightRig rig="threePt" dir="t"/>
+    </dgm:scene3d>
+    <dgm:sp3d/>
+    <dgm:txPr/>
+    <dgm:style>
+      <a:lnRef idx="2">
+        <a:scrgbClr r="0" g="0" b="0"/>
+      </a:lnRef>
+      <a:fillRef idx="1">
+        <a:scrgbClr r="0" g="0" b="0"/>
+      </a:fillRef>
+      <a:effectRef idx="0">
+        <a:scrgbClr r="0" g="0" b="0"/>
+      </a:effectRef>
+      <a:fontRef idx="minor">
+        <a:schemeClr val="lt1"/>
+      </a:fontRef>
+    </dgm:style>
+  </dgm:styleLbl>
+  <dgm:styleLbl name="lnNode1">
+    <dgm:scene3d>
+      <a:camera prst="orthographicFront"/>
+      <a:lightRig rig="threePt" dir="t"/>
+    </dgm:scene3d>
+    <dgm:sp3d/>
+    <dgm:txPr/>
+    <dgm:style>
+      <a:lnRef idx="2">
+        <a:scrgbClr r="0" g="0" b="0"/>
+      </a:lnRef>
+      <a:fillRef idx="1">
+        <a:scrgbClr r="0" g="0" b="0"/>
+      </a:fillRef>
+      <a:effectRef idx="0">
+        <a:scrgbClr r="0" g="0" b="0"/>
+      </a:effectRef>
+      <a:fontRef idx="minor">
+        <a:schemeClr val="lt1"/>
+      </a:fontRef>
+    </dgm:style>
+  </dgm:styleLbl>
+  <dgm:styleLbl name="vennNode1">
+    <dgm:scene3d>
+      <a:camera prst="orthographicFront"/>
+      <a:lightRig rig="threePt" dir="t"/>
+    </dgm:scene3d>
+    <dgm:sp3d/>
+    <dgm:txPr/>
+    <dgm:style>
+      <a:lnRef idx="2">
+        <a:scrgbClr r="0" g="0" b="0"/>
+      </a:lnRef>
+      <a:fillRef idx="1">
+        <a:scrgbClr r="0" g="0" b="0"/>
+      </a:fillRef>
+      <a:effectRef idx="0">
+        <a:scrgbClr r="0" g="0" b="0"/>
+      </a:effectRef>
+      <a:fontRef idx="minor">
+        <a:schemeClr val="tx1"/>
+      </a:fontRef>
+    </dgm:style>
+  </dgm:styleLbl>
+  <dgm:styleLbl name="alignNode1">
+    <dgm:scene3d>
+      <a:camera prst="orthographicFront"/>
+      <a:lightRig rig="threePt" dir="t"/>
+    </dgm:scene3d>
+    <dgm:sp3d/>
+    <dgm:txPr/>
+    <dgm:style>
+      <a:lnRef idx="2">
+        <a:scrgbClr r="0" g="0" b="0"/>
+      </a:lnRef>
+      <a:fillRef idx="1">
+        <a:scrgbClr r="0" g="0" b="0"/>
+      </a:fillRef>
+      <a:effectRef idx="0">
+        <a:scrgbClr r="0" g="0" b="0"/>
+      </a:effectRef>
+      <a:fontRef idx="minor">
+        <a:schemeClr val="lt1"/>
+      </a:fontRef>
+    </dgm:style>
+  </dgm:styleLbl>
+  <dgm:styleLbl name="node1">
+    <dgm:scene3d>
+      <a:camera prst="orthographicFront"/>
+      <a:lightRig rig="threePt" dir="t"/>
+    </dgm:scene3d>
+    <dgm:sp3d/>
+    <dgm:txPr/>
+    <dgm:style>
+      <a:lnRef idx="2">
+        <a:scrgbClr r="0" g="0" b="0"/>
+      </a:lnRef>
+      <a:fillRef idx="1">
+        <a:scrgbClr r="0" g="0" b="0"/>
+      </a:fillRef>
+      <a:effectRef idx="0">
+        <a:scrgbClr r="0" g="0" b="0"/>
+      </a:effectRef>
+      <a:fontRef idx="minor">
+        <a:schemeClr val="lt1"/>
+      </a:fontRef>
+    </dgm:style>
+  </dgm:styleLbl>
+  <dgm:styleLbl name="node2">
+    <dgm:scene3d>
+      <a:camera prst="orthographicFront"/>
+      <a:lightRig rig="threePt" dir="t"/>
+    </dgm:scene3d>
+    <dgm:sp3d/>
+    <dgm:txPr/>
+    <dgm:style>
+      <a:lnRef idx="2">
+        <a:scrgbClr r="0" g="0" b="0"/>
+      </a:lnRef>
+      <a:fillRef idx="1">
+        <a:scrgbClr r="0" g="0" b="0"/>
+      </a:fillRef>
+      <a:effectRef idx="0">
+        <a:scrgbClr r="0" g="0" b="0"/>
+      </a:effectRef>
+      <a:fontRef idx="minor">
+        <a:schemeClr val="lt1"/>
+      </a:fontRef>
+    </dgm:style>
+  </dgm:styleLbl>
+  <dgm:styleLbl name="node3">
+    <dgm:scene3d>
+      <a:camera prst="orthographicFront"/>
+      <a:lightRig rig="threePt" dir="t"/>
+    </dgm:scene3d>
+    <dgm:sp3d/>
+    <dgm:txPr/>
+    <dgm:style>
+      <a:lnRef idx="2">
+        <a:scrgbClr r="0" g="0" b="0"/>
+      </a:lnRef>
+      <a:fillRef idx="1">
+        <a:scrgbClr r="0" g="0" b="0"/>
+      </a:fillRef>
+      <a:effectRef idx="0">
+        <a:scrgbClr r="0" g="0" b="0"/>
+      </a:effectRef>
+      <a:fontRef idx="minor">
+        <a:schemeClr val="lt1"/>
+      </a:fontRef>
+    </dgm:style>
+  </dgm:styleLbl>
+  <dgm:styleLbl name="node4">
+    <dgm:scene3d>
+      <a:camera prst="orthographicFront"/>
+      <a:lightRig rig="threePt" dir="t"/>
+    </dgm:scene3d>
+    <dgm:sp3d/>
+    <dgm:txPr/>
+    <dgm:style>
+      <a:lnRef idx="2">
+        <a:scrgbClr r="0" g="0" b="0"/>
+      </a:lnRef>
+      <a:fillRef idx="1">
+        <a:scrgbClr r="0" g="0" b="0"/>
+      </a:fillRef>
+      <a:effectRef idx="0">
+        <a:scrgbClr r="0" g="0" b="0"/>
+      </a:effectRef>
+      <a:fontRef idx="minor">
+        <a:schemeClr val="lt1"/>
+      </a:fontRef>
+    </dgm:style>
+  </dgm:styleLbl>
+  <dgm:styleLbl name="fgImgPlace1">
+    <dgm:scene3d>
+      <a:camera prst="orthographicFront"/>
+      <a:lightRig rig="threePt" dir="t"/>
+    </dgm:scene3d>
+    <dgm:sp3d/>
+    <dgm:txPr/>
+    <dgm:style>
+      <a:lnRef idx="2">
+        <a:scrgbClr r="0" g="0" b="0"/>
+      </a:lnRef>
+      <a:fillRef idx="1">
+        <a:scrgbClr r="0" g="0" b="0"/>
+      </a:fillRef>
+      <a:effectRef idx="0">
+        <a:scrgbClr r="0" g="0" b="0"/>
+      </a:effectRef>
+      <a:fontRef idx="minor"/>
+    </dgm:style>
+  </dgm:styleLbl>
+  <dgm:styleLbl name="alignImgPlace1">
+    <dgm:scene3d>
+      <a:camera prst="orthographicFront"/>
+      <a:lightRig rig="threePt" dir="t"/>
+    </dgm:scene3d>
+    <dgm:sp3d/>
+    <dgm:txPr/>
+    <dgm:style>
+      <a:lnRef idx="2">
+        <a:scrgbClr r="0" g="0" b="0"/>
+      </a:lnRef>
+      <a:fillRef idx="1">
+        <a:scrgbClr r="0" g="0" b="0"/>
+      </a:fillRef>
+      <a:effectRef idx="0">
+        <a:scrgbClr r="0" g="0" b="0"/>
+      </a:effectRef>
+      <a:fontRef idx="minor"/>
+    </dgm:style>
+  </dgm:styleLbl>
+  <dgm:styleLbl name="bgImgPlace1">
+    <dgm:scene3d>
+      <a:camera prst="orthographicFront"/>
+      <a:lightRig rig="threePt" dir="t"/>
+    </dgm:scene3d>
+    <dgm:sp3d/>
+    <dgm:txPr/>
+    <dgm:style>
+      <a:lnRef idx="2">
+        <a:scrgbClr r="0" g="0" b="0"/>
+      </a:lnRef>
+      <a:fillRef idx="1">
+        <a:scrgbClr r="0" g="0" b="0"/>
+      </a:fillRef>
+      <a:effectRef idx="0">
+        <a:scrgbClr r="0" g="0" b="0"/>
+      </a:effectRef>
+      <a:fontRef idx="minor"/>
+    </dgm:style>
+  </dgm:styleLbl>
+  <dgm:styleLbl name="sibTrans2D1">
+    <dgm:scene3d>
+      <a:camera prst="orthographicFront"/>
+      <a:lightRig rig="threePt" dir="t"/>
+    </dgm:scene3d>
+    <dgm:sp3d/>
+    <dgm:txPr/>
+    <dgm:style>
+      <a:lnRef idx="0">
+        <a:scrgbClr r="0" g="0" b="0"/>
+      </a:lnRef>
+      <a:fillRef idx="1">
+        <a:scrgbClr r="0" g="0" b="0"/>
+      </a:fillRef>
+      <a:effectRef idx="0">
+        <a:scrgbClr r="0" g="0" b="0"/>
+      </a:effectRef>
+      <a:fontRef idx="minor">
+        <a:schemeClr val="lt1"/>
+      </a:fontRef>
+    </dgm:style>
+  </dgm:styleLbl>
+  <dgm:styleLbl name="fgSibTrans2D1">
+    <dgm:scene3d>
+      <a:camera prst="orthographicFront"/>
+      <a:lightRig rig="threePt" dir="t"/>
+    </dgm:scene3d>
+    <dgm:sp3d/>
+    <dgm:txPr/>
+    <dgm:style>
+      <a:lnRef idx="0">
+        <a:scrgbClr r="0" g="0" b="0"/>
+      </a:lnRef>
+      <a:fillRef idx="1">
+        <a:scrgbClr r="0" g="0" b="0"/>
+      </a:fillRef>
+      <a:effectRef idx="0">
+        <a:scrgbClr r="0" g="0" b="0"/>
+      </a:effectRef>
+      <a:fontRef idx="minor">
+        <a:schemeClr val="lt1"/>
+      </a:fontRef>
+    </dgm:style>
+  </dgm:styleLbl>
+  <dgm:styleLbl name="bgSibTrans2D1">
+    <dgm:scene3d>
+      <a:camera prst="orthographicFront"/>
+      <a:lightRig rig="threePt" dir="t"/>
+    </dgm:scene3d>
+    <dgm:sp3d/>
+    <dgm:txPr/>
+    <dgm:style>
+      <a:lnRef idx="0">
+        <a:scrgbClr r="0" g="0" b="0"/>
+      </a:lnRef>
+      <a:fillRef idx="1">
+        <a:scrgbClr r="0" g="0" b="0"/>
+      </a:fillRef>
+      <a:effectRef idx="0">
+        <a:scrgbClr r="0" g="0" b="0"/>
+      </a:effectRef>
+      <a:fontRef idx="minor">
+        <a:schemeClr val="lt1"/>
+      </a:fontRef>
+    </dgm:style>
+  </dgm:styleLbl>
+  <dgm:styleLbl name="sibTrans1D1">
+    <dgm:scene3d>
+      <a:camera prst="orthographicFront"/>
+      <a:lightRig rig="threePt" dir="t"/>
+    </dgm:scene3d>
+    <dgm:sp3d/>
+    <dgm:txPr/>
+    <dgm:style>
+      <a:lnRef idx="1">
+        <a:scrgbClr r="0" g="0" b="0"/>
+      </a:lnRef>
+      <a:fillRef idx="0">
+        <a:scrgbClr r="0" g="0" b="0"/>
+      </a:fillRef>
+      <a:effectRef idx="0">
+        <a:scrgbClr r="0" g="0" b="0"/>
+      </a:effectRef>
+      <a:fontRef idx="minor"/>
+    </dgm:style>
+  </dgm:styleLbl>
+  <dgm:styleLbl name="callout">
+    <dgm:scene3d>
+      <a:camera prst="orthographicFront"/>
+      <a:lightRig rig="threePt" dir="t"/>
+    </dgm:scene3d>
+    <dgm:sp3d/>
+    <dgm:txPr/>
+    <dgm:style>
+      <a:lnRef idx="2">
+        <a:scrgbClr r="0" g="0" b="0"/>
+      </a:lnRef>
+      <a:fillRef idx="1">
+        <a:scrgbClr r="0" g="0" b="0"/>
+      </a:fillRef>
+      <a:effectRef idx="0">
+        <a:scrgbClr r="0" g="0" b="0"/>
+      </a:effectRef>
+      <a:fontRef idx="minor"/>
+    </dgm:style>
+  </dgm:styleLbl>
+  <dgm:styleLbl name="asst0">
+    <dgm:scene3d>
+      <a:camera prst="orthographicFront"/>
+      <a:lightRig rig="threePt" dir="t"/>
+    </dgm:scene3d>
+    <dgm:sp3d/>
+    <dgm:txPr/>
+    <dgm:style>
+      <a:lnRef idx="2">
+        <a:scrgbClr r="0" g="0" b="0"/>
+      </a:lnRef>
+      <a:fillRef idx="1">
+        <a:scrgbClr r="0" g="0" b="0"/>
+      </a:fillRef>
+      <a:effectRef idx="0">
+        <a:scrgbClr r="0" g="0" b="0"/>
+      </a:effectRef>
+      <a:fontRef idx="minor">
+        <a:schemeClr val="lt1"/>
+      </a:fontRef>
+    </dgm:style>
+  </dgm:styleLbl>
+  <dgm:styleLbl name="asst1">
+    <dgm:scene3d>
+      <a:camera prst="orthographicFront"/>
+      <a:lightRig rig="threePt" dir="t"/>
+    </dgm:scene3d>
+    <dgm:sp3d/>
+    <dgm:txPr/>
+    <dgm:style>
+      <a:lnRef idx="2">
+        <a:scrgbClr r="0" g="0" b="0"/>
+      </a:lnRef>
+      <a:fillRef idx="1">
+        <a:scrgbClr r="0" g="0" b="0"/>
+      </a:fillRef>
+      <a:effectRef idx="0">
+        <a:scrgbClr r="0" g="0" b="0"/>
+      </a:effectRef>
+      <a:fontRef idx="minor">
+        <a:schemeClr val="lt1"/>
+      </a:fontRef>
+    </dgm:style>
+  </dgm:styleLbl>
+  <dgm:styleLbl name="asst2">
+    <dgm:scene3d>
+      <a:camera prst="orthographicFront"/>
+      <a:lightRig rig="threePt" dir="t"/>
+    </dgm:scene3d>
+    <dgm:sp3d/>
+    <dgm:txPr/>
+    <dgm:style>
+      <a:lnRef idx="2">
+        <a:scrgbClr r="0" g="0" b="0"/>
+      </a:lnRef>
+      <a:fillRef idx="1">
+        <a:scrgbClr r="0" g="0" b="0"/>
+      </a:fillRef>
+      <a:effectRef idx="0">
+        <a:scrgbClr r="0" g="0" b="0"/>
+      </a:effectRef>
+      <a:fontRef idx="minor">
+        <a:schemeClr val="lt1"/>
+      </a:fontRef>
+    </dgm:style>
+  </dgm:styleLbl>
+  <dgm:styleLbl name="asst3">
+    <dgm:scene3d>
+      <a:camera prst="orthographicFront"/>
+      <a:lightRig rig="threePt" dir="t"/>
+    </dgm:scene3d>
+    <dgm:sp3d/>
+    <dgm:txPr/>
+    <dgm:style>
+      <a:lnRef idx="2">
+        <a:scrgbClr r="0" g="0" b="0"/>
+      </a:lnRef>
+      <a:fillRef idx="1">
+        <a:scrgbClr r="0" g="0" b="0"/>
+      </a:fillRef>
+      <a:effectRef idx="0">
+        <a:scrgbClr r="0" g="0" b="0"/>
+      </a:effectRef>
+      <a:fontRef idx="minor">
+        <a:schemeClr val="lt1"/>
+      </a:fontRef>
+    </dgm:style>
+  </dgm:styleLbl>
+  <dgm:styleLbl name="asst4">
+    <dgm:scene3d>
+      <a:camera prst="orthographicFront"/>
+      <a:lightRig rig="threePt" dir="t"/>
+    </dgm:scene3d>
+    <dgm:sp3d/>
+    <dgm:txPr/>
+    <dgm:style>
+      <a:lnRef idx="2">
+        <a:scrgbClr r="0" g="0" b="0"/>
+      </a:lnRef>
+      <a:fillRef idx="1">
+        <a:scrgbClr r="0" g="0" b="0"/>
+      </a:fillRef>
+      <a:effectRef idx="0">
+        <a:scrgbClr r="0" g="0" b="0"/>
+      </a:effectRef>
+      <a:fontRef idx="minor">
+        <a:schemeClr val="lt1"/>
+      </a:fontRef>
+    </dgm:style>
+  </dgm:styleLbl>
+  <dgm:styleLbl name="parChTrans2D1">
+    <dgm:scene3d>
+      <a:camera prst="orthographicFront"/>
+      <a:lightRig rig="threePt" dir="t"/>
+    </dgm:scene3d>
+    <dgm:sp3d/>
+    <dgm:txPr/>
+    <dgm:style>
+      <a:lnRef idx="2">
+        <a:scrgbClr r="0" g="0" b="0"/>
+      </a:lnRef>
+      <a:fillRef idx="1">
+        <a:scrgbClr r="0" g="0" b="0"/>
+      </a:fillRef>
+      <a:effectRef idx="0">
+        <a:scrgbClr r="0" g="0" b="0"/>
+      </a:effectRef>
+      <a:fontRef idx="minor">
+        <a:schemeClr val="lt1"/>
+      </a:fontRef>
+    </dgm:style>
+  </dgm:styleLbl>
+  <dgm:styleLbl name="parChTrans2D2">
+    <dgm:scene3d>
+      <a:camera prst="orthographicFront"/>
+      <a:lightRig rig="threePt" dir="t"/>
+    </dgm:scene3d>
+    <dgm:sp3d/>
+    <dgm:txPr/>
+    <dgm:style>
+      <a:lnRef idx="2">
+        <a:scrgbClr r="0" g="0" b="0"/>
+      </a:lnRef>
+      <a:fillRef idx="1">
+        <a:scrgbClr r="0" g="0" b="0"/>
+      </a:fillRef>
+      <a:effectRef idx="0">
+        <a:scrgbClr r="0" g="0" b="0"/>
+      </a:effectRef>
+      <a:fontRef idx="minor">
+        <a:schemeClr val="lt1"/>
+      </a:fontRef>
+    </dgm:style>
+  </dgm:styleLbl>
+  <dgm:styleLbl name="parChTrans2D3">
+    <dgm:scene3d>
+      <a:camera prst="orthographicFront"/>
+      <a:lightRig rig="threePt" dir="t"/>
+    </dgm:scene3d>
+    <dgm:sp3d/>
+    <dgm:txPr/>
+    <dgm:style>
+      <a:lnRef idx="2">
+        <a:scrgbClr r="0" g="0" b="0"/>
+      </a:lnRef>
+      <a:fillRef idx="1">
+        <a:scrgbClr r="0" g="0" b="0"/>
+      </a:fillRef>
+      <a:effectRef idx="0">
+        <a:scrgbClr r="0" g="0" b="0"/>
+      </a:effectRef>
+      <a:fontRef idx="minor">
+        <a:schemeClr val="lt1"/>
+      </a:fontRef>
+    </dgm:style>
+  </dgm:styleLbl>
+  <dgm:styleLbl name="parChTrans2D4">
+    <dgm:scene3d>
+      <a:camera prst="orthographicFront"/>
+      <a:lightRig rig="threePt" dir="t"/>
+    </dgm:scene3d>
+    <dgm:sp3d/>
+    <dgm:txPr/>
+    <dgm:style>
+      <a:lnRef idx="2">
+        <a:scrgbClr r="0" g="0" b="0"/>
+      </a:lnRef>
+      <a:fillRef idx="1">
+        <a:scrgbClr r="0" g="0" b="0"/>
+      </a:fillRef>
+      <a:effectRef idx="0">
+        <a:scrgbClr r="0" g="0" b="0"/>
+      </a:effectRef>
+      <a:fontRef idx="minor">
+        <a:schemeClr val="lt1"/>
+      </a:fontRef>
+    </dgm:style>
+  </dgm:styleLbl>
+  <dgm:styleLbl name="parChTrans1D1">
+    <dgm:scene3d>
+      <a:camera prst="orthographicFront"/>
+      <a:lightRig rig="threePt" dir="t"/>
+    </dgm:scene3d>
+    <dgm:sp3d/>
+    <dgm:txPr/>
+    <dgm:style>
+      <a:lnRef idx="2">
+        <a:scrgbClr r="0" g="0" b="0"/>
+      </a:lnRef>
+      <a:fillRef idx="0">
+        <a:scrgbClr r="0" g="0" b="0"/>
+      </a:fillRef>
+      <a:effectRef idx="0">
+        <a:scrgbClr r="0" g="0" b="0"/>
+      </a:effectRef>
+      <a:fontRef idx="minor"/>
+    </dgm:style>
+  </dgm:styleLbl>
+  <dgm:styleLbl name="parChTrans1D2">
+    <dgm:scene3d>
+      <a:camera prst="orthographicFront"/>
+      <a:lightRig rig="threePt" dir="t"/>
+    </dgm:scene3d>
+    <dgm:sp3d/>
+    <dgm:txPr/>
+    <dgm:style>
+      <a:lnRef idx="2">
+        <a:scrgbClr r="0" g="0" b="0"/>
+      </a:lnRef>
+      <a:fillRef idx="0">
+        <a:scrgbClr r="0" g="0" b="0"/>
+      </a:fillRef>
+      <a:effectRef idx="0">
+        <a:scrgbClr r="0" g="0" b="0"/>
+      </a:effectRef>
+      <a:fontRef idx="minor"/>
+    </dgm:style>
+  </dgm:styleLbl>
+  <dgm:styleLbl name="parChTrans1D3">
+    <dgm:scene3d>
+      <a:camera prst="orthographicFront"/>
+      <a:lightRig rig="threePt" dir="t"/>
+    </dgm:scene3d>
+    <dgm:sp3d/>
+    <dgm:txPr/>
+    <dgm:style>
+      <a:lnRef idx="2">
+        <a:scrgbClr r="0" g="0" b="0"/>
+      </a:lnRef>
+      <a:fillRef idx="0">
+        <a:scrgbClr r="0" g="0" b="0"/>
+      </a:fillRef>
+      <a:effectRef idx="0">
+        <a:scrgbClr r="0" g="0" b="0"/>
+      </a:effectRef>
+      <a:fontRef idx="minor"/>
+    </dgm:style>
+  </dgm:styleLbl>
+  <dgm:styleLbl name="parChTrans1D4">
+    <dgm:scene3d>
+      <a:camera prst="orthographicFront"/>
+      <a:lightRig rig="threePt" dir="t"/>
+    </dgm:scene3d>
+    <dgm:sp3d/>
+    <dgm:txPr/>
+    <dgm:style>
+      <a:lnRef idx="2">
+        <a:scrgbClr r="0" g="0" b="0"/>
+      </a:lnRef>
+      <a:fillRef idx="0">
+        <a:scrgbClr r="0" g="0" b="0"/>
+      </a:fillRef>
+      <a:effectRef idx="0">
+        <a:scrgbClr r="0" g="0" b="0"/>
+      </a:effectRef>
+      <a:fontRef idx="minor"/>
+    </dgm:style>
+  </dgm:styleLbl>
+  <dgm:styleLbl name="fgAcc1">
+    <dgm:scene3d>
+      <a:camera prst="orthographicFront"/>
+      <a:lightRig rig="threePt" dir="t"/>
+    </dgm:scene3d>
+    <dgm:sp3d/>
+    <dgm:txPr/>
+    <dgm:style>
+      <a:lnRef idx="2">
+        <a:scrgbClr r="0" g="0" b="0"/>
+      </a:lnRef>
+      <a:fillRef idx="1">
+        <a:scrgbClr r="0" g="0" b="0"/>
+      </a:fillRef>
+      <a:effectRef idx="0">
+        <a:scrgbClr r="0" g="0" b="0"/>
+      </a:effectRef>
+      <a:fontRef idx="minor"/>
+    </dgm:style>
+  </dgm:styleLbl>
+  <dgm:styleLbl name="conFgAcc1">
+    <dgm:scene3d>
+      <a:camera prst="orthographicFront"/>
+      <a:lightRig rig="threePt" dir="t"/>
+    </dgm:scene3d>
+    <dgm:sp3d/>
+    <dgm:txPr/>
+    <dgm:style>
+      <a:lnRef idx="2">
+        <a:scrgbClr r="0" g="0" b="0"/>
+      </a:lnRef>
+      <a:fillRef idx="1">
+        <a:scrgbClr r="0" g="0" b="0"/>
+      </a:fillRef>
+      <a:effectRef idx="0">
+        <a:scrgbClr r="0" g="0" b="0"/>
+      </a:effectRef>
+      <a:fontRef idx="minor"/>
+    </dgm:style>
+  </dgm:styleLbl>
+  <dgm:styleLbl name="alignAcc1">
+    <dgm:scene3d>
+      <a:camera prst="orthographicFront"/>
+      <a:lightRig rig="threePt" dir="t"/>
+    </dgm:scene3d>
+    <dgm:sp3d/>
+    <dgm:txPr/>
+    <dgm:style>
+      <a:lnRef idx="2">
+        <a:scrgbClr r="0" g="0" b="0"/>
+      </a:lnRef>
+      <a:fillRef idx="1">
+        <a:scrgbClr r="0" g="0" b="0"/>
+      </a:fillRef>
+      <a:effectRef idx="0">
+        <a:scrgbClr r="0" g="0" b="0"/>
+      </a:effectRef>
+      <a:fontRef idx="minor"/>
+    </dgm:style>
+  </dgm:styleLbl>
+  <dgm:styleLbl name="trAlignAcc1">
+    <dgm:scene3d>
+      <a:camera prst="orthographicFront"/>
+      <a:lightRig rig="threePt" dir="t"/>
+    </dgm:scene3d>
+    <dgm:sp3d/>
+    <dgm:txPr/>
+    <dgm:style>
+      <a:lnRef idx="1">
+        <a:scrgbClr r="0" g="0" b="0"/>
+      </a:lnRef>
+      <a:fillRef idx="1">
+        <a:scrgbClr r="0" g="0" b="0"/>
+      </a:fillRef>
+      <a:effectRef idx="0">
+        <a:scrgbClr r="0" g="0" b="0"/>
+      </a:effectRef>
+      <a:fontRef idx="minor"/>
+    </dgm:style>
+  </dgm:styleLbl>
+  <dgm:styleLbl name="bgAcc1">
+    <dgm:scene3d>
+      <a:camera prst="orthographicFront"/>
+      <a:lightRig rig="threePt" dir="t"/>
+    </dgm:scene3d>
+    <dgm:sp3d/>
+    <dgm:txPr/>
+    <dgm:style>
+      <a:lnRef idx="2">
+        <a:scrgbClr r="0" g="0" b="0"/>
+      </a:lnRef>
+      <a:fillRef idx="1">
+        <a:scrgbClr r="0" g="0" b="0"/>
+      </a:fillRef>
+      <a:effectRef idx="0">
+        <a:scrgbClr r="0" g="0" b="0"/>
+      </a:effectRef>
+      <a:fontRef idx="minor"/>
+    </dgm:style>
+  </dgm:styleLbl>
+  <dgm:styleLbl name="solidFgAcc1">
+    <dgm:scene3d>
+      <a:camera prst="orthographicFront"/>
+      <a:lightRig rig="threePt" dir="t"/>
+    </dgm:scene3d>
+    <dgm:sp3d/>
+    <dgm:txPr/>
+    <dgm:style>
+      <a:lnRef idx="2">
+        <a:scrgbClr r="0" g="0" b="0"/>
+      </a:lnRef>
+      <a:fillRef idx="1">
+        <a:scrgbClr r="0" g="0" b="0"/>
+      </a:fillRef>
+      <a:effectRef idx="0">
+        <a:scrgbClr r="0" g="0" b="0"/>
+      </a:effectRef>
+      <a:fontRef idx="minor"/>
+    </dgm:style>
+  </dgm:styleLbl>
+  <dgm:styleLbl name="solidAlignAcc1">
+    <dgm:scene3d>
+      <a:camera prst="orthographicFront"/>
+      <a:lightRig rig="threePt" dir="t"/>
+    </dgm:scene3d>
+    <dgm:sp3d/>
+    <dgm:txPr/>
+    <dgm:style>
+      <a:lnRef idx="2">
+        <a:scrgbClr r="0" g="0" b="0"/>
+      </a:lnRef>
+      <a:fillRef idx="1">
+        <a:scrgbClr r="0" g="0" b="0"/>
+      </a:fillRef>
+      <a:effectRef idx="0">
+        <a:scrgbClr r="0" g="0" b="0"/>
+      </a:effectRef>
+      <a:fontRef idx="minor"/>
+    </dgm:style>
+  </dgm:styleLbl>
+  <dgm:styleLbl name="solidBgAcc1">
+    <dgm:scene3d>
+      <a:camera prst="orthographicFront"/>
+      <a:lightRig rig="threePt" dir="t"/>
+    </dgm:scene3d>
+    <dgm:sp3d/>
+    <dgm:txPr/>
+    <dgm:style>
+      <a:lnRef idx="2">
+        <a:scrgbClr r="0" g="0" b="0"/>
+      </a:lnRef>
+      <a:fillRef idx="1">
+        <a:scrgbClr r="0" g="0" b="0"/>
+      </a:fillRef>
+      <a:effectRef idx="0">
+        <a:scrgbClr r="0" g="0" b="0"/>
+      </a:effectRef>
+      <a:fontRef idx="minor"/>
+    </dgm:style>
+  </dgm:styleLbl>
+  <dgm:styleLbl name="fgAccFollowNode1">
+    <dgm:scene3d>
+      <a:camera prst="orthographicFront"/>
+      <a:lightRig rig="threePt" dir="t"/>
+    </dgm:scene3d>
+    <dgm:sp3d/>
+    <dgm:txPr/>
+    <dgm:style>
+      <a:lnRef idx="2">
+        <a:scrgbClr r="0" g="0" b="0"/>
+      </a:lnRef>
+      <a:fillRef idx="1">
+        <a:scrgbClr r="0" g="0" b="0"/>
+      </a:fillRef>
+      <a:effectRef idx="0">
+        <a:scrgbClr r="0" g="0" b="0"/>
+      </a:effectRef>
+      <a:fontRef idx="minor"/>
+    </dgm:style>
+  </dgm:styleLbl>
+  <dgm:styleLbl name="alignAccFollowNode1">
+    <dgm:scene3d>
+      <a:camera prst="orthographicFront"/>
+      <a:lightRig rig="threePt" dir="t"/>
+    </dgm:scene3d>
+    <dgm:sp3d/>
+    <dgm:txPr/>
+    <dgm:style>
+      <a:lnRef idx="2">
+        <a:scrgbClr r="0" g="0" b="0"/>
+      </a:lnRef>
+      <a:fillRef idx="1">
+        <a:scrgbClr r="0" g="0" b="0"/>
+      </a:fillRef>
+      <a:effectRef idx="0">
+        <a:scrgbClr r="0" g="0" b="0"/>
+      </a:effectRef>
+      <a:fontRef idx="minor"/>
+    </dgm:style>
+  </dgm:styleLbl>
+  <dgm:styleLbl name="bgAccFollowNode1">
+    <dgm:scene3d>
+      <a:camera prst="orthographicFront"/>
+      <a:lightRig rig="threePt" dir="t"/>
+    </dgm:scene3d>
+    <dgm:sp3d/>
+    <dgm:txPr/>
+    <dgm:style>
+      <a:lnRef idx="2">
+        <a:scrgbClr r="0" g="0" b="0"/>
+      </a:lnRef>
+      <a:fillRef idx="1">
+        <a:scrgbClr r="0" g="0" b="0"/>
+      </a:fillRef>
+      <a:effectRef idx="0">
+        <a:scrgbClr r="0" g="0" b="0"/>
+      </a:effectRef>
+      <a:fontRef idx="minor"/>
+    </dgm:style>
+  </dgm:styleLbl>
+  <dgm:styleLbl name="fgAcc0">
+    <dgm:scene3d>
+      <a:camera prst="orthographicFront"/>
+      <a:lightRig rig="threePt" dir="t"/>
+    </dgm:scene3d>
+    <dgm:sp3d/>
+    <dgm:txPr/>
+    <dgm:style>
+      <a:lnRef idx="2">
+        <a:scrgbClr r="0" g="0" b="0"/>
+      </a:lnRef>
+      <a:fillRef idx="1">
+        <a:scrgbClr r="0" g="0" b="0"/>
+      </a:fillRef>
+      <a:effectRef idx="0">
+        <a:scrgbClr r="0" g="0" b="0"/>
+      </a:effectRef>
+      <a:fontRef idx="minor"/>
+    </dgm:style>
+  </dgm:styleLbl>
+  <dgm:styleLbl name="fgAcc2">
+    <dgm:scene3d>
+      <a:camera prst="orthographicFront"/>
+      <a:lightRig rig="threePt" dir="t"/>
+    </dgm:scene3d>
+    <dgm:sp3d/>
+    <dgm:txPr/>
+    <dgm:style>
+      <a:lnRef idx="2">
+        <a:scrgbClr r="0" g="0" b="0"/>
+      </a:lnRef>
+      <a:fillRef idx="1">
+        <a:scrgbClr r="0" g="0" b="0"/>
+      </a:fillRef>
+      <a:effectRef idx="0">
+        <a:scrgbClr r="0" g="0" b="0"/>
+      </a:effectRef>
+      <a:fontRef idx="minor"/>
+    </dgm:style>
+  </dgm:styleLbl>
+  <dgm:styleLbl name="fgAcc3">
+    <dgm:scene3d>
+      <a:camera prst="orthographicFront"/>
+      <a:lightRig rig="threePt" dir="t"/>
+    </dgm:scene3d>
+    <dgm:sp3d/>
+    <dgm:txPr/>
+    <dgm:style>
+      <a:lnRef idx="2">
+        <a:scrgbClr r="0" g="0" b="0"/>
+      </a:lnRef>
+      <a:fillRef idx="1">
+        <a:scrgbClr r="0" g="0" b="0"/>
+      </a:fillRef>
+      <a:effectRef idx="0">
+        <a:scrgbClr r="0" g="0" b="0"/>
+      </a:effectRef>
+      <a:fontRef idx="minor"/>
+    </dgm:style>
+  </dgm:styleLbl>
+  <dgm:styleLbl name="fgAcc4">
+    <dgm:scene3d>
+      <a:camera prst="orthographicFront"/>
+      <a:lightRig rig="threePt" dir="t"/>
+    </dgm:scene3d>
+    <dgm:sp3d/>
+    <dgm:txPr/>
+    <dgm:style>
+      <a:lnRef idx="2">
+        <a:scrgbClr r="0" g="0" b="0"/>
+      </a:lnRef>
+      <a:fillRef idx="1">
+        <a:scrgbClr r="0" g="0" b="0"/>
+      </a:fillRef>
+      <a:effectRef idx="0">
+        <a:scrgbClr r="0" g="0" b="0"/>
+      </a:effectRef>
+      <a:fontRef idx="minor"/>
+    </dgm:style>
+  </dgm:styleLbl>
+  <dgm:styleLbl name="bgShp">
+    <dgm:scene3d>
+      <a:camera prst="orthographicFront"/>
+      <a:lightRig rig="threePt" dir="t"/>
+    </dgm:scene3d>
+    <dgm:sp3d/>
+    <dgm:txPr/>
+    <dgm:style>
+      <a:lnRef idx="0">
+        <a:scrgbClr r="0" g="0" b="0"/>
+      </a:lnRef>
+      <a:fillRef idx="1">
+        <a:scrgbClr r="0" g="0" b="0"/>
+      </a:fillRef>
+      <a:effectRef idx="0">
+        <a:scrgbClr r="0" g="0" b="0"/>
+      </a:effectRef>
+      <a:fontRef idx="minor"/>
+    </dgm:style>
+  </dgm:styleLbl>
+  <dgm:styleLbl name="dkBgShp">
+    <dgm:scene3d>
+      <a:camera prst="orthographicFront"/>
+      <a:lightRig rig="threePt" dir="t"/>
+    </dgm:scene3d>
+    <dgm:sp3d/>
+    <dgm:txPr/>
+    <dgm:style>
+      <a:lnRef idx="0">
+        <a:scrgbClr r="0" g="0" b="0"/>
+      </a:lnRef>
+      <a:fillRef idx="1">
+        <a:scrgbClr r="0" g="0" b="0"/>
+      </a:fillRef>
+      <a:effectRef idx="0">
+        <a:scrgbClr r="0" g="0" b="0"/>
+      </a:effectRef>
+      <a:fontRef idx="minor"/>
+    </dgm:style>
+  </dgm:styleLbl>
+  <dgm:styleLbl name="trBgShp">
+    <dgm:scene3d>
+      <a:camera prst="orthographicFront"/>
+      <a:lightRig rig="threePt" dir="t"/>
+    </dgm:scene3d>
+    <dgm:sp3d/>
+    <dgm:txPr/>
+    <dgm:style>
+      <a:lnRef idx="0">
+        <a:scrgbClr r="0" g="0" b="0"/>
+      </a:lnRef>
+      <a:fillRef idx="1">
+        <a:scrgbClr r="0" g="0" b="0"/>
+      </a:fillRef>
+      <a:effectRef idx="0">
+        <a:scrgbClr r="0" g="0" b="0"/>
+      </a:effectRef>
+      <a:fontRef idx="minor"/>
+    </dgm:style>
+  </dgm:styleLbl>
+  <dgm:styleLbl name="fgShp">
+    <dgm:scene3d>
+      <a:camera prst="orthographicFront"/>
+      <a:lightRig rig="threePt" dir="t"/>
+    </dgm:scene3d>
+    <dgm:sp3d/>
+    <dgm:txPr/>
+    <dgm:style>
+      <a:lnRef idx="2">
+        <a:scrgbClr r="0" g="0" b="0"/>
+      </a:lnRef>
+      <a:fillRef idx="1">
+        <a:scrgbClr r="0" g="0" b="0"/>
+      </a:fillRef>
+      <a:effectRef idx="0">
+        <a:scrgbClr r="0" g="0" b="0"/>
+      </a:effectRef>
+      <a:fontRef idx="minor"/>
+    </dgm:style>
+  </dgm:styleLbl>
+  <dgm:styleLbl name="revTx">
+    <dgm:scene3d>
+      <a:camera prst="orthographicFront"/>
+      <a:lightRig rig="threePt" dir="t"/>
+    </dgm:scene3d>
+    <dgm:sp3d/>
+    <dgm:txPr/>
+    <dgm:style>
+      <a:lnRef idx="0">
+        <a:scrgbClr r="0" g="0" b="0"/>
+      </a:lnRef>
+      <a:fillRef idx="0">
+        <a:scrgbClr r="0" g="0" b="0"/>
+      </a:fillRef>
+      <a:effectRef idx="0">
+        <a:scrgbClr r="0" g="0" b="0"/>
+      </a:effectRef>
+      <a:fontRef idx="minor"/>
+    </dgm:style>
+  </dgm:styleLbl>
+</dgm:styleDef>
 </file>
 
 <file path=ppt/handoutMasters/handoutMaster1.xml><?xml version="1.0" encoding="utf-8"?>
@@ -4194,6 +7861,14 @@
 <file path=ppt/slides/slide1.xml><?xml version="1.0" encoding="utf-8"?>
 <p:sld xmlns:a="http://schemas.openxmlformats.org/drawingml/2006/main" xmlns:r="http://schemas.openxmlformats.org/officeDocument/2006/relationships" xmlns:p="http://schemas.openxmlformats.org/presentationml/2006/main">
   <p:cSld>
+    <p:bg>
+      <p:bgPr>
+        <a:solidFill>
+          <a:schemeClr val="bg1"/>
+        </a:solidFill>
+        <a:effectLst/>
+      </p:bgPr>
+    </p:bg>
     <p:spTree>
       <p:nvGrpSpPr>
         <p:cNvPr id="1" name=""/>
@@ -4208,6 +7883,128 @@
           <a:chExt cx="0" cy="0"/>
         </a:xfrm>
       </p:grpSpPr>
+      <p:pic>
+        <p:nvPicPr>
+          <p:cNvPr id="4" name="Picture 3" descr="A picture containing diagram&#10;&#10;Description automatically generated">
+            <a:extLst>
+              <a:ext uri="{FF2B5EF4-FFF2-40B4-BE49-F238E27FC236}">
+                <a16:creationId xmlns:a16="http://schemas.microsoft.com/office/drawing/2014/main" id="{EC2E8985-41F4-1341-F24D-E69611AC6F89}"/>
+              </a:ext>
+            </a:extLst>
+          </p:cNvPr>
+          <p:cNvPicPr>
+            <a:picLocks noChangeAspect="1"/>
+          </p:cNvPicPr>
+          <p:nvPr/>
+        </p:nvPicPr>
+        <p:blipFill>
+          <a:blip r:embed="rId2">
+            <a:extLst>
+              <a:ext uri="{837473B0-CC2E-450A-ABE3-18F120FF3D39}">
+                <a1611:picAttrSrcUrl xmlns:a1611="http://schemas.microsoft.com/office/drawing/2016/11/main" r:id="rId3"/>
+              </a:ext>
+            </a:extLst>
+          </a:blip>
+          <a:stretch>
+            <a:fillRect/>
+          </a:stretch>
+        </p:blipFill>
+        <p:spPr>
+          <a:xfrm>
+            <a:off x="4038600" y="1293813"/>
+            <a:ext cx="7186613" cy="4262438"/>
+          </a:xfrm>
+          <a:prstGeom prst="rect">
+            <a:avLst/>
+          </a:prstGeom>
+        </p:spPr>
+      </p:pic>
+      <p:sp>
+        <p:nvSpPr>
+          <p:cNvPr id="5" name="TextBox 4">
+            <a:extLst>
+              <a:ext uri="{FF2B5EF4-FFF2-40B4-BE49-F238E27FC236}">
+                <a16:creationId xmlns:a16="http://schemas.microsoft.com/office/drawing/2014/main" id="{06FCDD72-37A1-5CE2-6613-D7375372DC79}"/>
+              </a:ext>
+            </a:extLst>
+          </p:cNvPr>
+          <p:cNvSpPr txBox="1"/>
+          <p:nvPr/>
+        </p:nvSpPr>
+        <p:spPr>
+          <a:xfrm>
+            <a:off x="3252893" y="5902643"/>
+            <a:ext cx="7186613" cy="852488"/>
+          </a:xfrm>
+          <a:prstGeom prst="rect">
+            <a:avLst/>
+          </a:prstGeom>
+          <a:solidFill>
+            <a:srgbClr val="000000">
+              <a:alpha val="50000"/>
+            </a:srgbClr>
+          </a:solidFill>
+          <a:ln>
+            <a:noFill/>
+          </a:ln>
+        </p:spPr>
+        <p:txBody>
+          <a:bodyPr wrap="square" rtlCol="0" anchor="ctr">
+            <a:noAutofit/>
+          </a:bodyPr>
+          <a:lstStyle/>
+          <a:p>
+            <a:pPr algn="ctr">
+              <a:spcAft>
+                <a:spcPts val="600"/>
+              </a:spcAft>
+            </a:pPr>
+            <a:r>
+              <a:rPr lang="en-IE" sz="1300" dirty="0">
+                <a:solidFill>
+                  <a:srgbClr val="FFFFFF"/>
+                </a:solidFill>
+                <a:hlinkClick r:id="rId3" tooltip="http://hacklibraryschool.com/2014/07/14/whats-that-tape-media-carriers-101/">
+                  <a:extLst>
+                    <a:ext uri="{A12FA001-AC4F-418D-AE19-62706E023703}">
+                      <ahyp:hlinkClr xmlns:ahyp="http://schemas.microsoft.com/office/drawing/2018/hyperlinkcolor" val="tx"/>
+                    </a:ext>
+                  </a:extLst>
+                </a:hlinkClick>
+              </a:rPr>
+              <a:t>This Photo</a:t>
+            </a:r>
+            <a:r>
+              <a:rPr lang="en-IE" sz="1300" dirty="0">
+                <a:solidFill>
+                  <a:srgbClr val="FFFFFF"/>
+                </a:solidFill>
+              </a:rPr>
+              <a:t> by Unknown Author is licensed under </a:t>
+            </a:r>
+            <a:r>
+              <a:rPr lang="en-IE" sz="1300" dirty="0">
+                <a:solidFill>
+                  <a:srgbClr val="FFFFFF"/>
+                </a:solidFill>
+                <a:hlinkClick r:id="rId4" tooltip="https://creativecommons.org/licenses/by-nc-sa/3.0/">
+                  <a:extLst>
+                    <a:ext uri="{A12FA001-AC4F-418D-AE19-62706E023703}">
+                      <ahyp:hlinkClr xmlns:ahyp="http://schemas.microsoft.com/office/drawing/2018/hyperlinkcolor" val="tx"/>
+                    </a:ext>
+                  </a:extLst>
+                </a:hlinkClick>
+              </a:rPr>
+              <a:t>CC BY-SA-NC</a:t>
+            </a:r>
+            <a:endParaRPr lang="en-IE" sz="1300" dirty="0">
+              <a:solidFill>
+                <a:srgbClr val="FFFFFF"/>
+              </a:solidFill>
+            </a:endParaRPr>
+          </a:p>
+        </p:txBody>
+      </p:sp>
       <p:sp>
         <p:nvSpPr>
           <p:cNvPr id="2" name="Title 1">
@@ -4224,13 +8021,45 @@
             <p:ph type="title"/>
           </p:nvPr>
         </p:nvSpPr>
-        <p:spPr/>
-        <p:txBody>
-          <a:bodyPr/>
+        <p:spPr>
+          <a:xfrm>
+            <a:off x="640080" y="2074363"/>
+            <a:ext cx="2752354" cy="2709275"/>
+          </a:xfrm>
+          <a:prstGeom prst="ellipse">
+            <a:avLst/>
+          </a:prstGeom>
+          <a:solidFill>
+            <a:schemeClr val="tx1">
+              <a:lumMod val="85000"/>
+              <a:lumOff val="15000"/>
+            </a:schemeClr>
+          </a:solidFill>
+          <a:ln w="174625" cmpd="thinThick">
+            <a:solidFill>
+              <a:schemeClr val="tx1">
+                <a:lumMod val="85000"/>
+                <a:lumOff val="15000"/>
+              </a:schemeClr>
+            </a:solidFill>
+          </a:ln>
+        </p:spPr>
+        <p:txBody>
+          <a:bodyPr vert="horz" lIns="91440" tIns="45720" rIns="91440" bIns="45720" rtlCol="0" anchor="ctr">
+            <a:normAutofit/>
+          </a:bodyPr>
           <a:lstStyle/>
           <a:p>
-            <a:r>
-              <a:rPr lang="en-IE" dirty="0"/>
+            <a:pPr algn="ctr"/>
+            <a:r>
+              <a:rPr lang="en-US" sz="2600" kern="1200">
+                <a:solidFill>
+                  <a:schemeClr val="bg1"/>
+                </a:solidFill>
+                <a:latin typeface="+mj-lt"/>
+                <a:ea typeface="+mj-ea"/>
+                <a:cs typeface="+mj-cs"/>
+              </a:rPr>
               <a:t>Analog and Digital Signals</a:t>
             </a:r>
           </a:p>
@@ -7056,58 +10885,32 @@
           </a:p>
         </p:txBody>
       </p:sp>
-      <p:sp>
-        <p:nvSpPr>
-          <p:cNvPr id="4" name="Content Placeholder 3"/>
-          <p:cNvSpPr>
-            <a:spLocks noGrp="1"/>
-          </p:cNvSpPr>
+      <p:graphicFrame>
+        <p:nvGraphicFramePr>
+          <p:cNvPr id="8" name="Content Placeholder 3">
+            <a:extLst>
+              <a:ext uri="{FF2B5EF4-FFF2-40B4-BE49-F238E27FC236}">
+                <a16:creationId xmlns:a16="http://schemas.microsoft.com/office/drawing/2014/main" id="{3F3AD506-0521-8984-B7C3-7CAD0FD39AE3}"/>
+              </a:ext>
+            </a:extLst>
+          </p:cNvPr>
+          <p:cNvGraphicFramePr>
+            <a:graphicFrameLocks noGrp="1"/>
+          </p:cNvGraphicFramePr>
           <p:nvPr>
             <p:ph idx="1"/>
           </p:nvPr>
-        </p:nvSpPr>
-        <p:spPr/>
-        <p:txBody>
-          <a:bodyPr/>
-          <a:lstStyle/>
-          <a:p>
-            <a:r>
-              <a:rPr lang="en-US" dirty="0"/>
-              <a:t>What’s the difference between analog and digital signals</a:t>
-            </a:r>
-          </a:p>
-          <a:p>
-            <a:r>
-              <a:rPr lang="en-US" dirty="0"/>
-              <a:t>Review Electricity Equations</a:t>
-            </a:r>
-          </a:p>
-          <a:p>
-            <a:r>
-              <a:rPr lang="en-US" dirty="0"/>
-              <a:t>General Purpose Input / Output (GPIO)</a:t>
-            </a:r>
-          </a:p>
-          <a:p>
-            <a:r>
-              <a:rPr lang="en-US" dirty="0"/>
-              <a:t>Pulse Width Modulation (PWM)</a:t>
-            </a:r>
-          </a:p>
-          <a:p>
-            <a:r>
-              <a:rPr lang="en-US" dirty="0"/>
-              <a:t>Analog to Digital Converters (ADC)</a:t>
-            </a:r>
-          </a:p>
-          <a:p>
-            <a:r>
-              <a:rPr lang="en-US" dirty="0"/>
-              <a:t>Microcontrollers and Computer</a:t>
-            </a:r>
-          </a:p>
-        </p:txBody>
-      </p:sp>
+        </p:nvGraphicFramePr>
+        <p:xfrm>
+          <a:off x="5183188" y="987425"/>
+          <a:ext cx="6172200" cy="4873625"/>
+        </p:xfrm>
+        <a:graphic>
+          <a:graphicData uri="http://schemas.openxmlformats.org/drawingml/2006/diagram">
+            <dgm:relIds xmlns:dgm="http://schemas.openxmlformats.org/drawingml/2006/diagram" xmlns:r="http://schemas.openxmlformats.org/officeDocument/2006/relationships" r:dm="rId2" r:lo="rId3" r:qs="rId4" r:cs="rId5"/>
+          </a:graphicData>
+        </a:graphic>
+      </p:graphicFrame>
       <p:sp>
         <p:nvSpPr>
           <p:cNvPr id="6" name="Text Placeholder 5"/>
@@ -9337,14 +13140,14 @@
           </a:ln>
           <a:extLst>
             <a:ext uri="{909E8E84-426E-40dd-AFC4-6F175D3DCCD1}">
-              <a14:hiddenFill xmlns:a14="http://schemas.microsoft.com/office/drawing/2010/main" xmlns="">
+              <a14:hiddenFill xmlns="" xmlns:a14="http://schemas.microsoft.com/office/drawing/2010/main">
                 <a:solidFill>
                   <a:srgbClr val="FFFFFF"/>
                 </a:solidFill>
               </a14:hiddenFill>
             </a:ext>
             <a:ext uri="{91240B29-F687-4f45-9708-019B960494DF}">
-              <a14:hiddenLine xmlns:a14="http://schemas.microsoft.com/office/drawing/2010/main" xmlns="" w="12700" cap="flat">
+              <a14:hiddenLine xmlns="" xmlns:a14="http://schemas.microsoft.com/office/drawing/2010/main" w="12700" cap="flat">
                 <a:solidFill>
                   <a:schemeClr val="tx1"/>
                 </a:solidFill>
@@ -9390,14 +13193,14 @@
           </a:ln>
           <a:extLst>
             <a:ext uri="{909E8E84-426E-40dd-AFC4-6F175D3DCCD1}">
-              <a14:hiddenFill xmlns:a14="http://schemas.microsoft.com/office/drawing/2010/main" xmlns="">
+              <a14:hiddenFill xmlns="" xmlns:a14="http://schemas.microsoft.com/office/drawing/2010/main">
                 <a:solidFill>
                   <a:srgbClr val="FFFFFF"/>
                 </a:solidFill>
               </a14:hiddenFill>
             </a:ext>
             <a:ext uri="{91240B29-F687-4f45-9708-019B960494DF}">
-              <a14:hiddenLine xmlns:a14="http://schemas.microsoft.com/office/drawing/2010/main" xmlns="" w="12700" cap="flat">
+              <a14:hiddenLine xmlns="" xmlns:a14="http://schemas.microsoft.com/office/drawing/2010/main" w="12700" cap="flat">
                 <a:solidFill>
                   <a:schemeClr val="tx1"/>
                 </a:solidFill>
@@ -11929,15 +15732,6 @@
 </file>
 
 <file path=customXml/item2.xml><?xml version="1.0" encoding="utf-8"?>
-<?mso-contentType ?>
-<FormTemplates xmlns="http://schemas.microsoft.com/sharepoint/v3/contenttype/forms">
-  <Display>DocumentLibraryForm</Display>
-  <Edit>DocumentLibraryForm</Edit>
-  <New>DocumentLibraryForm</New>
-</FormTemplates>
-</file>
-
-<file path=customXml/item3.xml><?xml version="1.0" encoding="utf-8"?>
 <ct:contentTypeSchema xmlns:ct="http://schemas.microsoft.com/office/2006/metadata/contentType" xmlns:ma="http://schemas.microsoft.com/office/2006/metadata/properties/metaAttributes" ct:_="" ma:_="" ma:contentTypeName="Document" ma:contentTypeID="0x010100027B1FB1A458AA4FB1520DBCEEEF84AB" ma:contentTypeVersion="10" ma:contentTypeDescription="Create a new document." ma:contentTypeScope="" ma:versionID="80e6eefb936f797d5655855dd419b8d0">
   <xsd:schema xmlns:xsd="http://www.w3.org/2001/XMLSchema" xmlns:xs="http://www.w3.org/2001/XMLSchema" xmlns:p="http://schemas.microsoft.com/office/2006/metadata/properties" xmlns:ns3="2ce51dc8-c7fd-4e9f-aab7-66ee981bb74f" xmlns:ns4="4fa34961-db85-4b4a-bce8-6d4fac0faa91" targetNamespace="http://schemas.microsoft.com/office/2006/metadata/properties" ma:root="true" ma:fieldsID="5642072c215f5c8f7ec84511c98be178" ns3:_="" ns4:_="">
     <xsd:import namespace="2ce51dc8-c7fd-4e9f-aab7-66ee981bb74f"/>
@@ -12140,6 +15934,15 @@
 </ct:contentTypeSchema>
 </file>
 
+<file path=customXml/item3.xml><?xml version="1.0" encoding="utf-8"?>
+<?mso-contentType ?>
+<FormTemplates xmlns="http://schemas.microsoft.com/sharepoint/v3/contenttype/forms">
+  <Display>DocumentLibraryForm</Display>
+  <Edit>DocumentLibraryForm</Edit>
+  <New>DocumentLibraryForm</New>
+</FormTemplates>
+</file>
+
 <file path=customXml/itemProps1.xml><?xml version="1.0" encoding="utf-8"?>
 <ds:datastoreItem xmlns:ds="http://schemas.openxmlformats.org/officeDocument/2006/customXml" ds:itemID="{6F45334A-F18C-41D7-9305-46778A2BB919}">
   <ds:schemaRefs>
@@ -12158,14 +15961,6 @@
 </file>
 
 <file path=customXml/itemProps2.xml><?xml version="1.0" encoding="utf-8"?>
-<ds:datastoreItem xmlns:ds="http://schemas.openxmlformats.org/officeDocument/2006/customXml" ds:itemID="{B3322A3E-8418-4730-B948-E34EBAB19441}">
-  <ds:schemaRefs>
-    <ds:schemaRef ds:uri="http://schemas.microsoft.com/sharepoint/v3/contenttype/forms"/>
-  </ds:schemaRefs>
-</ds:datastoreItem>
-</file>
-
-<file path=customXml/itemProps3.xml><?xml version="1.0" encoding="utf-8"?>
 <ds:datastoreItem xmlns:ds="http://schemas.openxmlformats.org/officeDocument/2006/customXml" ds:itemID="{A170042D-DC3B-43E7-995C-01E170F6DAFE}">
   <ds:schemaRefs>
     <ds:schemaRef ds:uri="http://schemas.microsoft.com/office/2006/metadata/contentType"/>
@@ -12182,4 +15977,12 @@
     <ds:schemaRef ds:uri="http://schemas.microsoft.com/internal/obd"/>
   </ds:schemaRefs>
 </ds:datastoreItem>
+</file>
+
+<file path=customXml/itemProps3.xml><?xml version="1.0" encoding="utf-8"?>
+<ds:datastoreItem xmlns:ds="http://schemas.openxmlformats.org/officeDocument/2006/customXml" ds:itemID="{B3322A3E-8418-4730-B948-E34EBAB19441}">
+  <ds:schemaRefs>
+    <ds:schemaRef ds:uri="http://schemas.microsoft.com/sharepoint/v3/contenttype/forms"/>
+  </ds:schemaRefs>
+</ds:datastoreItem>
 </file>